--- a/Voxel Terrain Engine 최종발표.pptx
+++ b/Voxel Terrain Engine 최종발표.pptx
@@ -5,25 +5,26 @@
     <p:sldMasterId id="2147483648" r:id="rId1"/>
   </p:sldMasterIdLst>
   <p:notesMasterIdLst>
-    <p:notesMasterId r:id="rId18"/>
+    <p:notesMasterId r:id="rId19"/>
   </p:notesMasterIdLst>
   <p:sldIdLst>
     <p:sldId id="256" r:id="rId2"/>
     <p:sldId id="267" r:id="rId3"/>
     <p:sldId id="270" r:id="rId4"/>
-    <p:sldId id="272" r:id="rId5"/>
-    <p:sldId id="275" r:id="rId6"/>
-    <p:sldId id="276" r:id="rId7"/>
-    <p:sldId id="277" r:id="rId8"/>
-    <p:sldId id="280" r:id="rId9"/>
-    <p:sldId id="281" r:id="rId10"/>
-    <p:sldId id="279" r:id="rId11"/>
-    <p:sldId id="273" r:id="rId12"/>
-    <p:sldId id="284" r:id="rId13"/>
-    <p:sldId id="285" r:id="rId14"/>
-    <p:sldId id="283" r:id="rId15"/>
-    <p:sldId id="274" r:id="rId16"/>
-    <p:sldId id="268" r:id="rId17"/>
+    <p:sldId id="286" r:id="rId5"/>
+    <p:sldId id="272" r:id="rId6"/>
+    <p:sldId id="275" r:id="rId7"/>
+    <p:sldId id="276" r:id="rId8"/>
+    <p:sldId id="277" r:id="rId9"/>
+    <p:sldId id="280" r:id="rId10"/>
+    <p:sldId id="281" r:id="rId11"/>
+    <p:sldId id="279" r:id="rId12"/>
+    <p:sldId id="273" r:id="rId13"/>
+    <p:sldId id="284" r:id="rId14"/>
+    <p:sldId id="285" r:id="rId15"/>
+    <p:sldId id="283" r:id="rId16"/>
+    <p:sldId id="274" r:id="rId17"/>
+    <p:sldId id="268" r:id="rId18"/>
   </p:sldIdLst>
   <p:sldSz cx="12192000" cy="6858000"/>
   <p:notesSz cx="6858000" cy="9144000"/>
@@ -130,6 +131,32 @@
 </p:presentation>
 </file>
 
+<file path=ppt/commentAuthors.xml><?xml version="1.0" encoding="utf-8"?>
+<p:cmAuthorLst xmlns:a="http://schemas.openxmlformats.org/drawingml/2006/main" xmlns:r="http://schemas.openxmlformats.org/officeDocument/2006/relationships" xmlns:p="http://schemas.openxmlformats.org/presentationml/2006/main">
+  <p:cmAuthor id="1" name="진호 윤" initials="진윤" lastIdx="1" clrIdx="0">
+    <p:extLst>
+      <p:ext uri="{19B8F6BF-5375-455C-9EA6-DF929625EA0E}">
+        <p15:presenceInfo xmlns:p15="http://schemas.microsoft.com/office/powerpoint/2012/main" userId="e1279155770a324c" providerId="Windows Live"/>
+      </p:ext>
+    </p:extLst>
+  </p:cmAuthor>
+</p:cmAuthorLst>
+</file>
+
+<file path=ppt/comments/comment1.xml><?xml version="1.0" encoding="utf-8"?>
+<p:cmLst xmlns:a="http://schemas.openxmlformats.org/drawingml/2006/main" xmlns:r="http://schemas.openxmlformats.org/officeDocument/2006/relationships" xmlns:p="http://schemas.openxmlformats.org/presentationml/2006/main">
+  <p:cm authorId="1" dt="2018-10-22T22:14:52.742" idx="1">
+    <p:pos x="10" y="10"/>
+    <p:text/>
+    <p:extLst>
+      <p:ext uri="{C676402C-5697-4E1C-873F-D02D1690AC5C}">
+        <p15:threadingInfo xmlns:p15="http://schemas.microsoft.com/office/powerpoint/2012/main" timeZoneBias="-540"/>
+      </p:ext>
+    </p:extLst>
+  </p:cm>
+</p:cmLst>
+</file>
+
 <file path=ppt/notesMasters/notesMaster1.xml><?xml version="1.0" encoding="utf-8"?>
 <p:notesMaster xmlns:a="http://schemas.openxmlformats.org/drawingml/2006/main" xmlns:r="http://schemas.openxmlformats.org/officeDocument/2006/relationships" xmlns:p="http://schemas.openxmlformats.org/presentationml/2006/main">
   <p:cSld>
@@ -212,7 +239,7 @@
           <a:p>
             <a:fld id="{39789342-872D-4D90-8FBE-7DC17E71F132}" type="datetimeFigureOut">
               <a:rPr lang="ko-KR" altLang="en-US" smtClean="0"/>
-              <a:t>2018-06-19</a:t>
+              <a:t>2018-10-22</a:t>
             </a:fld>
             <a:endParaRPr lang="ko-KR" altLang="en-US"/>
           </a:p>
@@ -626,7 +653,7 @@
           <a:p>
             <a:fld id="{B11FF69C-11AB-4464-AD2F-66D367347648}" type="datetimeFigureOut">
               <a:rPr lang="ko-KR" altLang="en-US" smtClean="0"/>
-              <a:t>2018-06-19</a:t>
+              <a:t>2018-10-22</a:t>
             </a:fld>
             <a:endParaRPr lang="ko-KR" altLang="en-US"/>
           </a:p>
@@ -824,7 +851,7 @@
           <a:p>
             <a:fld id="{B11FF69C-11AB-4464-AD2F-66D367347648}" type="datetimeFigureOut">
               <a:rPr lang="ko-KR" altLang="en-US" smtClean="0"/>
-              <a:t>2018-06-19</a:t>
+              <a:t>2018-10-22</a:t>
             </a:fld>
             <a:endParaRPr lang="ko-KR" altLang="en-US"/>
           </a:p>
@@ -1032,7 +1059,7 @@
           <a:p>
             <a:fld id="{B11FF69C-11AB-4464-AD2F-66D367347648}" type="datetimeFigureOut">
               <a:rPr lang="ko-KR" altLang="en-US" smtClean="0"/>
-              <a:t>2018-06-19</a:t>
+              <a:t>2018-10-22</a:t>
             </a:fld>
             <a:endParaRPr lang="ko-KR" altLang="en-US"/>
           </a:p>
@@ -1230,7 +1257,7 @@
           <a:p>
             <a:fld id="{B11FF69C-11AB-4464-AD2F-66D367347648}" type="datetimeFigureOut">
               <a:rPr lang="ko-KR" altLang="en-US" smtClean="0"/>
-              <a:t>2018-06-19</a:t>
+              <a:t>2018-10-22</a:t>
             </a:fld>
             <a:endParaRPr lang="ko-KR" altLang="en-US"/>
           </a:p>
@@ -1505,7 +1532,7 @@
           <a:p>
             <a:fld id="{B11FF69C-11AB-4464-AD2F-66D367347648}" type="datetimeFigureOut">
               <a:rPr lang="ko-KR" altLang="en-US" smtClean="0"/>
-              <a:t>2018-06-19</a:t>
+              <a:t>2018-10-22</a:t>
             </a:fld>
             <a:endParaRPr lang="ko-KR" altLang="en-US"/>
           </a:p>
@@ -1770,7 +1797,7 @@
           <a:p>
             <a:fld id="{B11FF69C-11AB-4464-AD2F-66D367347648}" type="datetimeFigureOut">
               <a:rPr lang="ko-KR" altLang="en-US" smtClean="0"/>
-              <a:t>2018-06-19</a:t>
+              <a:t>2018-10-22</a:t>
             </a:fld>
             <a:endParaRPr lang="ko-KR" altLang="en-US"/>
           </a:p>
@@ -2182,7 +2209,7 @@
           <a:p>
             <a:fld id="{B11FF69C-11AB-4464-AD2F-66D367347648}" type="datetimeFigureOut">
               <a:rPr lang="ko-KR" altLang="en-US" smtClean="0"/>
-              <a:t>2018-06-19</a:t>
+              <a:t>2018-10-22</a:t>
             </a:fld>
             <a:endParaRPr lang="ko-KR" altLang="en-US"/>
           </a:p>
@@ -2323,7 +2350,7 @@
           <a:p>
             <a:fld id="{B11FF69C-11AB-4464-AD2F-66D367347648}" type="datetimeFigureOut">
               <a:rPr lang="ko-KR" altLang="en-US" smtClean="0"/>
-              <a:t>2018-06-19</a:t>
+              <a:t>2018-10-22</a:t>
             </a:fld>
             <a:endParaRPr lang="ko-KR" altLang="en-US"/>
           </a:p>
@@ -2436,7 +2463,7 @@
           <a:p>
             <a:fld id="{B11FF69C-11AB-4464-AD2F-66D367347648}" type="datetimeFigureOut">
               <a:rPr lang="ko-KR" altLang="en-US" smtClean="0"/>
-              <a:t>2018-06-19</a:t>
+              <a:t>2018-10-22</a:t>
             </a:fld>
             <a:endParaRPr lang="ko-KR" altLang="en-US"/>
           </a:p>
@@ -2747,7 +2774,7 @@
           <a:p>
             <a:fld id="{B11FF69C-11AB-4464-AD2F-66D367347648}" type="datetimeFigureOut">
               <a:rPr lang="ko-KR" altLang="en-US" smtClean="0"/>
-              <a:t>2018-06-19</a:t>
+              <a:t>2018-10-22</a:t>
             </a:fld>
             <a:endParaRPr lang="ko-KR" altLang="en-US"/>
           </a:p>
@@ -3035,7 +3062,7 @@
           <a:p>
             <a:fld id="{B11FF69C-11AB-4464-AD2F-66D367347648}" type="datetimeFigureOut">
               <a:rPr lang="ko-KR" altLang="en-US" smtClean="0"/>
-              <a:t>2018-06-19</a:t>
+              <a:t>2018-10-22</a:t>
             </a:fld>
             <a:endParaRPr lang="ko-KR" altLang="en-US"/>
           </a:p>
@@ -3276,7 +3303,7 @@
           <a:p>
             <a:fld id="{B11FF69C-11AB-4464-AD2F-66D367347648}" type="datetimeFigureOut">
               <a:rPr lang="ko-KR" altLang="en-US" smtClean="0"/>
-              <a:t>2018-06-19</a:t>
+              <a:t>2018-10-22</a:t>
             </a:fld>
             <a:endParaRPr lang="ko-KR" altLang="en-US"/>
           </a:p>
@@ -3873,6 +3900,2679 @@
           </a:p>
         </p:txBody>
       </p:sp>
+      <p:sp>
+        <p:nvSpPr>
+          <p:cNvPr id="2" name="TextBox 1">
+            <a:extLst>
+              <a:ext uri="{FF2B5EF4-FFF2-40B4-BE49-F238E27FC236}">
+                <a16:creationId xmlns:a16="http://schemas.microsoft.com/office/drawing/2014/main" id="{179DEAE7-1FBF-4455-B8F5-BEE642E39268}"/>
+              </a:ext>
+            </a:extLst>
+          </p:cNvPr>
+          <p:cNvSpPr txBox="1"/>
+          <p:nvPr/>
+        </p:nvSpPr>
+        <p:spPr>
+          <a:xfrm>
+            <a:off x="327170" y="1048624"/>
+            <a:ext cx="6981825" cy="461665"/>
+          </a:xfrm>
+          <a:prstGeom prst="rect">
+            <a:avLst/>
+          </a:prstGeom>
+          <a:noFill/>
+        </p:spPr>
+        <p:txBody>
+          <a:bodyPr wrap="square" rtlCol="0">
+            <a:spAutoFit/>
+          </a:bodyPr>
+          <a:lstStyle/>
+          <a:p>
+            <a:r>
+              <a:rPr lang="en-US" altLang="ko-KR" sz="2400" dirty="0"/>
+              <a:t>ISO-Surface</a:t>
+            </a:r>
+            <a:endParaRPr lang="ko-KR" altLang="en-US" sz="2400" dirty="0"/>
+          </a:p>
+        </p:txBody>
+      </p:sp>
+      <p:grpSp>
+        <p:nvGrpSpPr>
+          <p:cNvPr id="7" name="그룹 6">
+            <a:extLst>
+              <a:ext uri="{FF2B5EF4-FFF2-40B4-BE49-F238E27FC236}">
+                <a16:creationId xmlns:a16="http://schemas.microsoft.com/office/drawing/2014/main" id="{B8B3312E-B51F-48CC-A4CD-85CB510A5CCF}"/>
+              </a:ext>
+            </a:extLst>
+          </p:cNvPr>
+          <p:cNvGrpSpPr/>
+          <p:nvPr/>
+        </p:nvGrpSpPr>
+        <p:grpSpPr>
+          <a:xfrm>
+            <a:off x="4319374" y="1841555"/>
+            <a:ext cx="3515767" cy="3515767"/>
+            <a:chOff x="2023145" y="2315362"/>
+            <a:chExt cx="2785144" cy="2785144"/>
+          </a:xfrm>
+        </p:grpSpPr>
+        <p:sp>
+          <p:nvSpPr>
+            <p:cNvPr id="8" name="직사각형 7">
+              <a:extLst>
+                <a:ext uri="{FF2B5EF4-FFF2-40B4-BE49-F238E27FC236}">
+                  <a16:creationId xmlns:a16="http://schemas.microsoft.com/office/drawing/2014/main" id="{D3DC577B-A800-4C49-943B-762331D1831D}"/>
+                </a:ext>
+              </a:extLst>
+            </p:cNvPr>
+            <p:cNvSpPr/>
+            <p:nvPr/>
+          </p:nvSpPr>
+          <p:spPr>
+            <a:xfrm>
+              <a:off x="2023145" y="2315362"/>
+              <a:ext cx="696286" cy="696286"/>
+            </a:xfrm>
+            <a:prstGeom prst="rect">
+              <a:avLst/>
+            </a:prstGeom>
+            <a:solidFill>
+              <a:schemeClr val="bg1"/>
+            </a:solidFill>
+          </p:spPr>
+          <p:style>
+            <a:lnRef idx="2">
+              <a:schemeClr val="accent1">
+                <a:shade val="50000"/>
+              </a:schemeClr>
+            </a:lnRef>
+            <a:fillRef idx="1">
+              <a:schemeClr val="accent1"/>
+            </a:fillRef>
+            <a:effectRef idx="0">
+              <a:schemeClr val="accent1"/>
+            </a:effectRef>
+            <a:fontRef idx="minor">
+              <a:schemeClr val="lt1"/>
+            </a:fontRef>
+          </p:style>
+          <p:txBody>
+            <a:bodyPr rtlCol="0" anchor="ctr"/>
+            <a:lstStyle/>
+            <a:p>
+              <a:pPr algn="ctr"/>
+              <a:r>
+                <a:rPr lang="en-US" altLang="ko-KR" dirty="0">
+                  <a:solidFill>
+                    <a:schemeClr val="tx1"/>
+                  </a:solidFill>
+                </a:rPr>
+                <a:t>0</a:t>
+              </a:r>
+              <a:endParaRPr lang="ko-KR" altLang="en-US" dirty="0">
+                <a:solidFill>
+                  <a:schemeClr val="tx1"/>
+                </a:solidFill>
+              </a:endParaRPr>
+            </a:p>
+          </p:txBody>
+        </p:sp>
+        <p:sp>
+          <p:nvSpPr>
+            <p:cNvPr id="9" name="직사각형 8">
+              <a:extLst>
+                <a:ext uri="{FF2B5EF4-FFF2-40B4-BE49-F238E27FC236}">
+                  <a16:creationId xmlns:a16="http://schemas.microsoft.com/office/drawing/2014/main" id="{9AC63A73-46D9-46FE-8C6E-930CB98C03F3}"/>
+                </a:ext>
+              </a:extLst>
+            </p:cNvPr>
+            <p:cNvSpPr/>
+            <p:nvPr/>
+          </p:nvSpPr>
+          <p:spPr>
+            <a:xfrm>
+              <a:off x="2719431" y="2315362"/>
+              <a:ext cx="696286" cy="696286"/>
+            </a:xfrm>
+            <a:prstGeom prst="rect">
+              <a:avLst/>
+            </a:prstGeom>
+            <a:solidFill>
+              <a:schemeClr val="bg1">
+                <a:lumMod val="75000"/>
+              </a:schemeClr>
+            </a:solidFill>
+          </p:spPr>
+          <p:style>
+            <a:lnRef idx="2">
+              <a:schemeClr val="accent1">
+                <a:shade val="50000"/>
+              </a:schemeClr>
+            </a:lnRef>
+            <a:fillRef idx="1">
+              <a:schemeClr val="accent1"/>
+            </a:fillRef>
+            <a:effectRef idx="0">
+              <a:schemeClr val="accent1"/>
+            </a:effectRef>
+            <a:fontRef idx="minor">
+              <a:schemeClr val="lt1"/>
+            </a:fontRef>
+          </p:style>
+          <p:txBody>
+            <a:bodyPr rtlCol="0" anchor="ctr"/>
+            <a:lstStyle/>
+            <a:p>
+              <a:pPr algn="ctr"/>
+              <a:r>
+                <a:rPr lang="en-US" altLang="ko-KR" dirty="0"/>
+                <a:t>-1</a:t>
+              </a:r>
+              <a:endParaRPr lang="ko-KR" altLang="en-US" dirty="0"/>
+            </a:p>
+          </p:txBody>
+        </p:sp>
+        <p:sp>
+          <p:nvSpPr>
+            <p:cNvPr id="10" name="직사각형 9">
+              <a:extLst>
+                <a:ext uri="{FF2B5EF4-FFF2-40B4-BE49-F238E27FC236}">
+                  <a16:creationId xmlns:a16="http://schemas.microsoft.com/office/drawing/2014/main" id="{7BCF7ED6-2C5B-4322-BBE4-6B13BA753214}"/>
+                </a:ext>
+              </a:extLst>
+            </p:cNvPr>
+            <p:cNvSpPr/>
+            <p:nvPr/>
+          </p:nvSpPr>
+          <p:spPr>
+            <a:xfrm>
+              <a:off x="3415717" y="2315362"/>
+              <a:ext cx="696286" cy="696286"/>
+            </a:xfrm>
+            <a:prstGeom prst="rect">
+              <a:avLst/>
+            </a:prstGeom>
+            <a:solidFill>
+              <a:schemeClr val="bg1"/>
+            </a:solidFill>
+          </p:spPr>
+          <p:style>
+            <a:lnRef idx="2">
+              <a:schemeClr val="accent1">
+                <a:shade val="50000"/>
+              </a:schemeClr>
+            </a:lnRef>
+            <a:fillRef idx="1">
+              <a:schemeClr val="accent1"/>
+            </a:fillRef>
+            <a:effectRef idx="0">
+              <a:schemeClr val="accent1"/>
+            </a:effectRef>
+            <a:fontRef idx="minor">
+              <a:schemeClr val="lt1"/>
+            </a:fontRef>
+          </p:style>
+          <p:txBody>
+            <a:bodyPr rtlCol="0" anchor="ctr"/>
+            <a:lstStyle/>
+            <a:p>
+              <a:pPr algn="ctr"/>
+              <a:r>
+                <a:rPr lang="en-US" altLang="ko-KR" dirty="0">
+                  <a:solidFill>
+                    <a:schemeClr val="tx1"/>
+                  </a:solidFill>
+                </a:rPr>
+                <a:t>0</a:t>
+              </a:r>
+              <a:endParaRPr lang="ko-KR" altLang="en-US" dirty="0">
+                <a:solidFill>
+                  <a:schemeClr val="tx1"/>
+                </a:solidFill>
+              </a:endParaRPr>
+            </a:p>
+          </p:txBody>
+        </p:sp>
+        <p:sp>
+          <p:nvSpPr>
+            <p:cNvPr id="11" name="직사각형 10">
+              <a:extLst>
+                <a:ext uri="{FF2B5EF4-FFF2-40B4-BE49-F238E27FC236}">
+                  <a16:creationId xmlns:a16="http://schemas.microsoft.com/office/drawing/2014/main" id="{19CB0F0E-D7F5-449E-B56C-2C0B3E4A6AD3}"/>
+                </a:ext>
+              </a:extLst>
+            </p:cNvPr>
+            <p:cNvSpPr/>
+            <p:nvPr/>
+          </p:nvSpPr>
+          <p:spPr>
+            <a:xfrm>
+              <a:off x="4112003" y="2315362"/>
+              <a:ext cx="696286" cy="696286"/>
+            </a:xfrm>
+            <a:prstGeom prst="rect">
+              <a:avLst/>
+            </a:prstGeom>
+            <a:solidFill>
+              <a:schemeClr val="bg1"/>
+            </a:solidFill>
+          </p:spPr>
+          <p:style>
+            <a:lnRef idx="2">
+              <a:schemeClr val="accent1">
+                <a:shade val="50000"/>
+              </a:schemeClr>
+            </a:lnRef>
+            <a:fillRef idx="1">
+              <a:schemeClr val="accent1"/>
+            </a:fillRef>
+            <a:effectRef idx="0">
+              <a:schemeClr val="accent1"/>
+            </a:effectRef>
+            <a:fontRef idx="minor">
+              <a:schemeClr val="lt1"/>
+            </a:fontRef>
+          </p:style>
+          <p:txBody>
+            <a:bodyPr rtlCol="0" anchor="ctr"/>
+            <a:lstStyle/>
+            <a:p>
+              <a:pPr algn="ctr"/>
+              <a:r>
+                <a:rPr lang="en-US" altLang="ko-KR" dirty="0">
+                  <a:solidFill>
+                    <a:schemeClr val="tx1"/>
+                  </a:solidFill>
+                </a:rPr>
+                <a:t>0</a:t>
+              </a:r>
+              <a:endParaRPr lang="ko-KR" altLang="en-US" dirty="0">
+                <a:solidFill>
+                  <a:schemeClr val="tx1"/>
+                </a:solidFill>
+              </a:endParaRPr>
+            </a:p>
+          </p:txBody>
+        </p:sp>
+        <p:sp>
+          <p:nvSpPr>
+            <p:cNvPr id="12" name="직사각형 11">
+              <a:extLst>
+                <a:ext uri="{FF2B5EF4-FFF2-40B4-BE49-F238E27FC236}">
+                  <a16:creationId xmlns:a16="http://schemas.microsoft.com/office/drawing/2014/main" id="{B8A691A9-58F9-4849-8708-E6B8BD6DFD55}"/>
+                </a:ext>
+              </a:extLst>
+            </p:cNvPr>
+            <p:cNvSpPr/>
+            <p:nvPr/>
+          </p:nvSpPr>
+          <p:spPr>
+            <a:xfrm>
+              <a:off x="2023145" y="3011648"/>
+              <a:ext cx="696286" cy="696286"/>
+            </a:xfrm>
+            <a:prstGeom prst="rect">
+              <a:avLst/>
+            </a:prstGeom>
+            <a:solidFill>
+              <a:schemeClr val="bg1"/>
+            </a:solidFill>
+          </p:spPr>
+          <p:style>
+            <a:lnRef idx="2">
+              <a:schemeClr val="accent1">
+                <a:shade val="50000"/>
+              </a:schemeClr>
+            </a:lnRef>
+            <a:fillRef idx="1">
+              <a:schemeClr val="accent1"/>
+            </a:fillRef>
+            <a:effectRef idx="0">
+              <a:schemeClr val="accent1"/>
+            </a:effectRef>
+            <a:fontRef idx="minor">
+              <a:schemeClr val="lt1"/>
+            </a:fontRef>
+          </p:style>
+          <p:txBody>
+            <a:bodyPr rtlCol="0" anchor="ctr"/>
+            <a:lstStyle/>
+            <a:p>
+              <a:pPr algn="ctr"/>
+              <a:r>
+                <a:rPr lang="en-US" altLang="ko-KR" dirty="0">
+                  <a:solidFill>
+                    <a:schemeClr val="tx1"/>
+                  </a:solidFill>
+                </a:rPr>
+                <a:t>1</a:t>
+              </a:r>
+              <a:endParaRPr lang="ko-KR" altLang="en-US" dirty="0">
+                <a:solidFill>
+                  <a:schemeClr val="tx1"/>
+                </a:solidFill>
+              </a:endParaRPr>
+            </a:p>
+          </p:txBody>
+        </p:sp>
+        <p:sp>
+          <p:nvSpPr>
+            <p:cNvPr id="13" name="직사각형 12">
+              <a:extLst>
+                <a:ext uri="{FF2B5EF4-FFF2-40B4-BE49-F238E27FC236}">
+                  <a16:creationId xmlns:a16="http://schemas.microsoft.com/office/drawing/2014/main" id="{0AFBCB64-85C2-472C-B905-0CC6AF53CF3F}"/>
+                </a:ext>
+              </a:extLst>
+            </p:cNvPr>
+            <p:cNvSpPr/>
+            <p:nvPr/>
+          </p:nvSpPr>
+          <p:spPr>
+            <a:xfrm>
+              <a:off x="2719431" y="3011648"/>
+              <a:ext cx="696286" cy="696286"/>
+            </a:xfrm>
+            <a:prstGeom prst="rect">
+              <a:avLst/>
+            </a:prstGeom>
+            <a:solidFill>
+              <a:schemeClr val="bg1"/>
+            </a:solidFill>
+          </p:spPr>
+          <p:style>
+            <a:lnRef idx="2">
+              <a:schemeClr val="accent1">
+                <a:shade val="50000"/>
+              </a:schemeClr>
+            </a:lnRef>
+            <a:fillRef idx="1">
+              <a:schemeClr val="accent1"/>
+            </a:fillRef>
+            <a:effectRef idx="0">
+              <a:schemeClr val="accent1"/>
+            </a:effectRef>
+            <a:fontRef idx="minor">
+              <a:schemeClr val="lt1"/>
+            </a:fontRef>
+          </p:style>
+          <p:txBody>
+            <a:bodyPr rtlCol="0" anchor="ctr"/>
+            <a:lstStyle/>
+            <a:p>
+              <a:pPr algn="ctr"/>
+              <a:r>
+                <a:rPr lang="en-US" altLang="ko-KR" dirty="0">
+                  <a:solidFill>
+                    <a:schemeClr val="tx1"/>
+                  </a:solidFill>
+                </a:rPr>
+                <a:t>1</a:t>
+              </a:r>
+              <a:endParaRPr lang="ko-KR" altLang="en-US" dirty="0">
+                <a:solidFill>
+                  <a:schemeClr val="tx1"/>
+                </a:solidFill>
+              </a:endParaRPr>
+            </a:p>
+          </p:txBody>
+        </p:sp>
+        <p:sp>
+          <p:nvSpPr>
+            <p:cNvPr id="14" name="직사각형 13">
+              <a:extLst>
+                <a:ext uri="{FF2B5EF4-FFF2-40B4-BE49-F238E27FC236}">
+                  <a16:creationId xmlns:a16="http://schemas.microsoft.com/office/drawing/2014/main" id="{BD11EF70-ED0C-4435-BA32-1BFE322386B9}"/>
+                </a:ext>
+              </a:extLst>
+            </p:cNvPr>
+            <p:cNvSpPr/>
+            <p:nvPr/>
+          </p:nvSpPr>
+          <p:spPr>
+            <a:xfrm>
+              <a:off x="3415717" y="3011648"/>
+              <a:ext cx="696286" cy="696286"/>
+            </a:xfrm>
+            <a:prstGeom prst="rect">
+              <a:avLst/>
+            </a:prstGeom>
+            <a:solidFill>
+              <a:schemeClr val="bg1"/>
+            </a:solidFill>
+          </p:spPr>
+          <p:style>
+            <a:lnRef idx="2">
+              <a:schemeClr val="accent1">
+                <a:shade val="50000"/>
+              </a:schemeClr>
+            </a:lnRef>
+            <a:fillRef idx="1">
+              <a:schemeClr val="accent1"/>
+            </a:fillRef>
+            <a:effectRef idx="0">
+              <a:schemeClr val="accent1"/>
+            </a:effectRef>
+            <a:fontRef idx="minor">
+              <a:schemeClr val="lt1"/>
+            </a:fontRef>
+          </p:style>
+          <p:txBody>
+            <a:bodyPr rtlCol="0" anchor="ctr"/>
+            <a:lstStyle/>
+            <a:p>
+              <a:pPr algn="ctr"/>
+              <a:r>
+                <a:rPr lang="en-US" altLang="ko-KR" dirty="0">
+                  <a:solidFill>
+                    <a:schemeClr val="tx1"/>
+                  </a:solidFill>
+                </a:rPr>
+                <a:t>1</a:t>
+              </a:r>
+              <a:endParaRPr lang="ko-KR" altLang="en-US" dirty="0">
+                <a:solidFill>
+                  <a:schemeClr val="tx1"/>
+                </a:solidFill>
+              </a:endParaRPr>
+            </a:p>
+          </p:txBody>
+        </p:sp>
+        <p:sp>
+          <p:nvSpPr>
+            <p:cNvPr id="15" name="직사각형 14">
+              <a:extLst>
+                <a:ext uri="{FF2B5EF4-FFF2-40B4-BE49-F238E27FC236}">
+                  <a16:creationId xmlns:a16="http://schemas.microsoft.com/office/drawing/2014/main" id="{5EAAB6F8-A53D-4D0E-A493-BFB012AB1E8D}"/>
+                </a:ext>
+              </a:extLst>
+            </p:cNvPr>
+            <p:cNvSpPr/>
+            <p:nvPr/>
+          </p:nvSpPr>
+          <p:spPr>
+            <a:xfrm>
+              <a:off x="4112003" y="3011648"/>
+              <a:ext cx="696286" cy="696286"/>
+            </a:xfrm>
+            <a:prstGeom prst="rect">
+              <a:avLst/>
+            </a:prstGeom>
+            <a:solidFill>
+              <a:schemeClr val="bg1"/>
+            </a:solidFill>
+          </p:spPr>
+          <p:style>
+            <a:lnRef idx="2">
+              <a:schemeClr val="accent1">
+                <a:shade val="50000"/>
+              </a:schemeClr>
+            </a:lnRef>
+            <a:fillRef idx="1">
+              <a:schemeClr val="accent1"/>
+            </a:fillRef>
+            <a:effectRef idx="0">
+              <a:schemeClr val="accent1"/>
+            </a:effectRef>
+            <a:fontRef idx="minor">
+              <a:schemeClr val="lt1"/>
+            </a:fontRef>
+          </p:style>
+          <p:txBody>
+            <a:bodyPr rtlCol="0" anchor="ctr"/>
+            <a:lstStyle/>
+            <a:p>
+              <a:pPr algn="ctr"/>
+              <a:r>
+                <a:rPr lang="en-US" altLang="ko-KR" dirty="0">
+                  <a:solidFill>
+                    <a:schemeClr val="tx1"/>
+                  </a:solidFill>
+                </a:rPr>
+                <a:t>1</a:t>
+              </a:r>
+              <a:endParaRPr lang="ko-KR" altLang="en-US" dirty="0">
+                <a:solidFill>
+                  <a:schemeClr val="tx1"/>
+                </a:solidFill>
+              </a:endParaRPr>
+            </a:p>
+          </p:txBody>
+        </p:sp>
+        <p:sp>
+          <p:nvSpPr>
+            <p:cNvPr id="16" name="직사각형 15">
+              <a:extLst>
+                <a:ext uri="{FF2B5EF4-FFF2-40B4-BE49-F238E27FC236}">
+                  <a16:creationId xmlns:a16="http://schemas.microsoft.com/office/drawing/2014/main" id="{9B487B6E-6727-4225-828A-8CD51BFDEEF9}"/>
+                </a:ext>
+              </a:extLst>
+            </p:cNvPr>
+            <p:cNvSpPr/>
+            <p:nvPr/>
+          </p:nvSpPr>
+          <p:spPr>
+            <a:xfrm>
+              <a:off x="2023145" y="3707934"/>
+              <a:ext cx="696286" cy="696286"/>
+            </a:xfrm>
+            <a:prstGeom prst="rect">
+              <a:avLst/>
+            </a:prstGeom>
+            <a:solidFill>
+              <a:schemeClr val="bg1"/>
+            </a:solidFill>
+          </p:spPr>
+          <p:style>
+            <a:lnRef idx="2">
+              <a:schemeClr val="accent1">
+                <a:shade val="50000"/>
+              </a:schemeClr>
+            </a:lnRef>
+            <a:fillRef idx="1">
+              <a:schemeClr val="accent1"/>
+            </a:fillRef>
+            <a:effectRef idx="0">
+              <a:schemeClr val="accent1"/>
+            </a:effectRef>
+            <a:fontRef idx="minor">
+              <a:schemeClr val="lt1"/>
+            </a:fontRef>
+          </p:style>
+          <p:txBody>
+            <a:bodyPr rtlCol="0" anchor="ctr"/>
+            <a:lstStyle/>
+            <a:p>
+              <a:pPr algn="ctr"/>
+              <a:r>
+                <a:rPr lang="en-US" altLang="ko-KR" dirty="0">
+                  <a:solidFill>
+                    <a:schemeClr val="tx1"/>
+                  </a:solidFill>
+                </a:rPr>
+                <a:t>2</a:t>
+              </a:r>
+              <a:endParaRPr lang="ko-KR" altLang="en-US" dirty="0">
+                <a:solidFill>
+                  <a:schemeClr val="tx1"/>
+                </a:solidFill>
+              </a:endParaRPr>
+            </a:p>
+          </p:txBody>
+        </p:sp>
+        <p:sp>
+          <p:nvSpPr>
+            <p:cNvPr id="17" name="직사각형 16">
+              <a:extLst>
+                <a:ext uri="{FF2B5EF4-FFF2-40B4-BE49-F238E27FC236}">
+                  <a16:creationId xmlns:a16="http://schemas.microsoft.com/office/drawing/2014/main" id="{32409F7C-7C17-4D3C-A521-0D6976740F89}"/>
+                </a:ext>
+              </a:extLst>
+            </p:cNvPr>
+            <p:cNvSpPr/>
+            <p:nvPr/>
+          </p:nvSpPr>
+          <p:spPr>
+            <a:xfrm>
+              <a:off x="2719431" y="3707934"/>
+              <a:ext cx="696286" cy="696286"/>
+            </a:xfrm>
+            <a:prstGeom prst="rect">
+              <a:avLst/>
+            </a:prstGeom>
+            <a:solidFill>
+              <a:schemeClr val="bg1"/>
+            </a:solidFill>
+          </p:spPr>
+          <p:style>
+            <a:lnRef idx="2">
+              <a:schemeClr val="accent1">
+                <a:shade val="50000"/>
+              </a:schemeClr>
+            </a:lnRef>
+            <a:fillRef idx="1">
+              <a:schemeClr val="accent1"/>
+            </a:fillRef>
+            <a:effectRef idx="0">
+              <a:schemeClr val="accent1"/>
+            </a:effectRef>
+            <a:fontRef idx="minor">
+              <a:schemeClr val="lt1"/>
+            </a:fontRef>
+          </p:style>
+          <p:txBody>
+            <a:bodyPr rtlCol="0" anchor="ctr"/>
+            <a:lstStyle/>
+            <a:p>
+              <a:pPr algn="ctr"/>
+              <a:r>
+                <a:rPr lang="en-US" altLang="ko-KR" dirty="0">
+                  <a:solidFill>
+                    <a:schemeClr val="tx1"/>
+                  </a:solidFill>
+                </a:rPr>
+                <a:t>2</a:t>
+              </a:r>
+              <a:endParaRPr lang="ko-KR" altLang="en-US" dirty="0">
+                <a:solidFill>
+                  <a:schemeClr val="tx1"/>
+                </a:solidFill>
+              </a:endParaRPr>
+            </a:p>
+          </p:txBody>
+        </p:sp>
+        <p:sp>
+          <p:nvSpPr>
+            <p:cNvPr id="18" name="직사각형 17">
+              <a:extLst>
+                <a:ext uri="{FF2B5EF4-FFF2-40B4-BE49-F238E27FC236}">
+                  <a16:creationId xmlns:a16="http://schemas.microsoft.com/office/drawing/2014/main" id="{FD831B0A-BF60-4EEC-A889-7FDD364DD972}"/>
+                </a:ext>
+              </a:extLst>
+            </p:cNvPr>
+            <p:cNvSpPr/>
+            <p:nvPr/>
+          </p:nvSpPr>
+          <p:spPr>
+            <a:xfrm>
+              <a:off x="3415717" y="3707934"/>
+              <a:ext cx="696286" cy="696286"/>
+            </a:xfrm>
+            <a:prstGeom prst="rect">
+              <a:avLst/>
+            </a:prstGeom>
+            <a:solidFill>
+              <a:schemeClr val="bg1"/>
+            </a:solidFill>
+          </p:spPr>
+          <p:style>
+            <a:lnRef idx="2">
+              <a:schemeClr val="accent1">
+                <a:shade val="50000"/>
+              </a:schemeClr>
+            </a:lnRef>
+            <a:fillRef idx="1">
+              <a:schemeClr val="accent1"/>
+            </a:fillRef>
+            <a:effectRef idx="0">
+              <a:schemeClr val="accent1"/>
+            </a:effectRef>
+            <a:fontRef idx="minor">
+              <a:schemeClr val="lt1"/>
+            </a:fontRef>
+          </p:style>
+          <p:txBody>
+            <a:bodyPr rtlCol="0" anchor="ctr"/>
+            <a:lstStyle/>
+            <a:p>
+              <a:pPr algn="ctr"/>
+              <a:r>
+                <a:rPr lang="en-US" altLang="ko-KR" dirty="0">
+                  <a:solidFill>
+                    <a:schemeClr val="tx1"/>
+                  </a:solidFill>
+                </a:rPr>
+                <a:t>0</a:t>
+              </a:r>
+              <a:endParaRPr lang="ko-KR" altLang="en-US" dirty="0">
+                <a:solidFill>
+                  <a:schemeClr val="tx1"/>
+                </a:solidFill>
+              </a:endParaRPr>
+            </a:p>
+          </p:txBody>
+        </p:sp>
+        <p:sp>
+          <p:nvSpPr>
+            <p:cNvPr id="19" name="직사각형 18">
+              <a:extLst>
+                <a:ext uri="{FF2B5EF4-FFF2-40B4-BE49-F238E27FC236}">
+                  <a16:creationId xmlns:a16="http://schemas.microsoft.com/office/drawing/2014/main" id="{9F1B8F05-DB65-4EA8-A199-D947BD8892C5}"/>
+                </a:ext>
+              </a:extLst>
+            </p:cNvPr>
+            <p:cNvSpPr/>
+            <p:nvPr/>
+          </p:nvSpPr>
+          <p:spPr>
+            <a:xfrm>
+              <a:off x="4112003" y="3707934"/>
+              <a:ext cx="696286" cy="696286"/>
+            </a:xfrm>
+            <a:prstGeom prst="rect">
+              <a:avLst/>
+            </a:prstGeom>
+            <a:solidFill>
+              <a:schemeClr val="bg1"/>
+            </a:solidFill>
+          </p:spPr>
+          <p:style>
+            <a:lnRef idx="2">
+              <a:schemeClr val="accent1">
+                <a:shade val="50000"/>
+              </a:schemeClr>
+            </a:lnRef>
+            <a:fillRef idx="1">
+              <a:schemeClr val="accent1"/>
+            </a:fillRef>
+            <a:effectRef idx="0">
+              <a:schemeClr val="accent1"/>
+            </a:effectRef>
+            <a:fontRef idx="minor">
+              <a:schemeClr val="lt1"/>
+            </a:fontRef>
+          </p:style>
+          <p:txBody>
+            <a:bodyPr rtlCol="0" anchor="ctr"/>
+            <a:lstStyle/>
+            <a:p>
+              <a:pPr algn="ctr"/>
+              <a:r>
+                <a:rPr lang="en-US" altLang="ko-KR" dirty="0">
+                  <a:solidFill>
+                    <a:schemeClr val="tx1"/>
+                  </a:solidFill>
+                </a:rPr>
+                <a:t>2</a:t>
+              </a:r>
+              <a:endParaRPr lang="ko-KR" altLang="en-US" dirty="0">
+                <a:solidFill>
+                  <a:schemeClr val="tx1"/>
+                </a:solidFill>
+              </a:endParaRPr>
+            </a:p>
+          </p:txBody>
+        </p:sp>
+        <p:sp>
+          <p:nvSpPr>
+            <p:cNvPr id="20" name="직사각형 19">
+              <a:extLst>
+                <a:ext uri="{FF2B5EF4-FFF2-40B4-BE49-F238E27FC236}">
+                  <a16:creationId xmlns:a16="http://schemas.microsoft.com/office/drawing/2014/main" id="{5620632F-34E6-45B1-90E4-3AC911B66BD7}"/>
+                </a:ext>
+              </a:extLst>
+            </p:cNvPr>
+            <p:cNvSpPr/>
+            <p:nvPr/>
+          </p:nvSpPr>
+          <p:spPr>
+            <a:xfrm>
+              <a:off x="2023145" y="4404220"/>
+              <a:ext cx="696286" cy="696286"/>
+            </a:xfrm>
+            <a:prstGeom prst="rect">
+              <a:avLst/>
+            </a:prstGeom>
+            <a:solidFill>
+              <a:schemeClr val="bg1"/>
+            </a:solidFill>
+          </p:spPr>
+          <p:style>
+            <a:lnRef idx="2">
+              <a:schemeClr val="accent1">
+                <a:shade val="50000"/>
+              </a:schemeClr>
+            </a:lnRef>
+            <a:fillRef idx="1">
+              <a:schemeClr val="accent1"/>
+            </a:fillRef>
+            <a:effectRef idx="0">
+              <a:schemeClr val="accent1"/>
+            </a:effectRef>
+            <a:fontRef idx="minor">
+              <a:schemeClr val="lt1"/>
+            </a:fontRef>
+          </p:style>
+          <p:txBody>
+            <a:bodyPr rtlCol="0" anchor="ctr"/>
+            <a:lstStyle/>
+            <a:p>
+              <a:pPr algn="ctr"/>
+              <a:r>
+                <a:rPr lang="en-US" altLang="ko-KR" dirty="0">
+                  <a:solidFill>
+                    <a:schemeClr val="tx1"/>
+                  </a:solidFill>
+                </a:rPr>
+                <a:t>3</a:t>
+              </a:r>
+              <a:endParaRPr lang="ko-KR" altLang="en-US" dirty="0">
+                <a:solidFill>
+                  <a:schemeClr val="tx1"/>
+                </a:solidFill>
+              </a:endParaRPr>
+            </a:p>
+          </p:txBody>
+        </p:sp>
+        <p:sp>
+          <p:nvSpPr>
+            <p:cNvPr id="21" name="직사각형 20">
+              <a:extLst>
+                <a:ext uri="{FF2B5EF4-FFF2-40B4-BE49-F238E27FC236}">
+                  <a16:creationId xmlns:a16="http://schemas.microsoft.com/office/drawing/2014/main" id="{03C7C037-F8EC-4B97-8148-8DE583970E4F}"/>
+                </a:ext>
+              </a:extLst>
+            </p:cNvPr>
+            <p:cNvSpPr/>
+            <p:nvPr/>
+          </p:nvSpPr>
+          <p:spPr>
+            <a:xfrm>
+              <a:off x="2719431" y="4404220"/>
+              <a:ext cx="696286" cy="696286"/>
+            </a:xfrm>
+            <a:prstGeom prst="rect">
+              <a:avLst/>
+            </a:prstGeom>
+            <a:solidFill>
+              <a:schemeClr val="bg1"/>
+            </a:solidFill>
+          </p:spPr>
+          <p:style>
+            <a:lnRef idx="2">
+              <a:schemeClr val="accent1">
+                <a:shade val="50000"/>
+              </a:schemeClr>
+            </a:lnRef>
+            <a:fillRef idx="1">
+              <a:schemeClr val="accent1"/>
+            </a:fillRef>
+            <a:effectRef idx="0">
+              <a:schemeClr val="accent1"/>
+            </a:effectRef>
+            <a:fontRef idx="minor">
+              <a:schemeClr val="lt1"/>
+            </a:fontRef>
+          </p:style>
+          <p:txBody>
+            <a:bodyPr rtlCol="0" anchor="ctr"/>
+            <a:lstStyle/>
+            <a:p>
+              <a:pPr algn="ctr"/>
+              <a:r>
+                <a:rPr lang="en-US" altLang="ko-KR" dirty="0">
+                  <a:solidFill>
+                    <a:schemeClr val="tx1"/>
+                  </a:solidFill>
+                </a:rPr>
+                <a:t>3</a:t>
+              </a:r>
+              <a:endParaRPr lang="ko-KR" altLang="en-US" dirty="0">
+                <a:solidFill>
+                  <a:schemeClr val="tx1"/>
+                </a:solidFill>
+              </a:endParaRPr>
+            </a:p>
+          </p:txBody>
+        </p:sp>
+        <p:sp>
+          <p:nvSpPr>
+            <p:cNvPr id="22" name="직사각형 21">
+              <a:extLst>
+                <a:ext uri="{FF2B5EF4-FFF2-40B4-BE49-F238E27FC236}">
+                  <a16:creationId xmlns:a16="http://schemas.microsoft.com/office/drawing/2014/main" id="{77871F56-E527-4CE2-964F-DB530D2F8D29}"/>
+                </a:ext>
+              </a:extLst>
+            </p:cNvPr>
+            <p:cNvSpPr/>
+            <p:nvPr/>
+          </p:nvSpPr>
+          <p:spPr>
+            <a:xfrm>
+              <a:off x="3415717" y="4404220"/>
+              <a:ext cx="696286" cy="696286"/>
+            </a:xfrm>
+            <a:prstGeom prst="rect">
+              <a:avLst/>
+            </a:prstGeom>
+            <a:solidFill>
+              <a:schemeClr val="bg1">
+                <a:lumMod val="75000"/>
+              </a:schemeClr>
+            </a:solidFill>
+          </p:spPr>
+          <p:style>
+            <a:lnRef idx="2">
+              <a:schemeClr val="accent1">
+                <a:shade val="50000"/>
+              </a:schemeClr>
+            </a:lnRef>
+            <a:fillRef idx="1">
+              <a:schemeClr val="accent1"/>
+            </a:fillRef>
+            <a:effectRef idx="0">
+              <a:schemeClr val="accent1"/>
+            </a:effectRef>
+            <a:fontRef idx="minor">
+              <a:schemeClr val="lt1"/>
+            </a:fontRef>
+          </p:style>
+          <p:txBody>
+            <a:bodyPr rtlCol="0" anchor="ctr"/>
+            <a:lstStyle/>
+            <a:p>
+              <a:pPr algn="ctr"/>
+              <a:r>
+                <a:rPr lang="en-US" altLang="ko-KR" dirty="0"/>
+                <a:t>-1</a:t>
+              </a:r>
+              <a:endParaRPr lang="ko-KR" altLang="en-US" dirty="0"/>
+            </a:p>
+          </p:txBody>
+        </p:sp>
+        <p:sp>
+          <p:nvSpPr>
+            <p:cNvPr id="23" name="직사각형 22">
+              <a:extLst>
+                <a:ext uri="{FF2B5EF4-FFF2-40B4-BE49-F238E27FC236}">
+                  <a16:creationId xmlns:a16="http://schemas.microsoft.com/office/drawing/2014/main" id="{E869B06A-F77F-445C-9BC8-A1D0679AFEB2}"/>
+                </a:ext>
+              </a:extLst>
+            </p:cNvPr>
+            <p:cNvSpPr/>
+            <p:nvPr/>
+          </p:nvSpPr>
+          <p:spPr>
+            <a:xfrm>
+              <a:off x="4112003" y="4404220"/>
+              <a:ext cx="696286" cy="696286"/>
+            </a:xfrm>
+            <a:prstGeom prst="rect">
+              <a:avLst/>
+            </a:prstGeom>
+            <a:solidFill>
+              <a:schemeClr val="bg1"/>
+            </a:solidFill>
+          </p:spPr>
+          <p:style>
+            <a:lnRef idx="2">
+              <a:schemeClr val="accent1">
+                <a:shade val="50000"/>
+              </a:schemeClr>
+            </a:lnRef>
+            <a:fillRef idx="1">
+              <a:schemeClr val="accent1"/>
+            </a:fillRef>
+            <a:effectRef idx="0">
+              <a:schemeClr val="accent1"/>
+            </a:effectRef>
+            <a:fontRef idx="minor">
+              <a:schemeClr val="lt1"/>
+            </a:fontRef>
+          </p:style>
+          <p:txBody>
+            <a:bodyPr rtlCol="0" anchor="ctr"/>
+            <a:lstStyle/>
+            <a:p>
+              <a:pPr algn="ctr"/>
+              <a:r>
+                <a:rPr lang="en-US" altLang="ko-KR" dirty="0">
+                  <a:solidFill>
+                    <a:schemeClr val="tx1"/>
+                  </a:solidFill>
+                </a:rPr>
+                <a:t>3</a:t>
+              </a:r>
+              <a:endParaRPr lang="ko-KR" altLang="en-US" dirty="0">
+                <a:solidFill>
+                  <a:schemeClr val="tx1"/>
+                </a:solidFill>
+              </a:endParaRPr>
+            </a:p>
+          </p:txBody>
+        </p:sp>
+      </p:grpSp>
+      <p:cxnSp>
+        <p:nvCxnSpPr>
+          <p:cNvPr id="106" name="직선 연결선 105">
+            <a:extLst>
+              <a:ext uri="{FF2B5EF4-FFF2-40B4-BE49-F238E27FC236}">
+                <a16:creationId xmlns:a16="http://schemas.microsoft.com/office/drawing/2014/main" id="{C7AD5EBF-AF94-4FB8-8ED6-8C61B4FD89A1}"/>
+              </a:ext>
+            </a:extLst>
+          </p:cNvPr>
+          <p:cNvCxnSpPr/>
+          <p:nvPr/>
+        </p:nvCxnSpPr>
+        <p:spPr>
+          <a:xfrm>
+            <a:off x="4772025" y="2247900"/>
+            <a:ext cx="426291" cy="304800"/>
+          </a:xfrm>
+          <a:prstGeom prst="line">
+            <a:avLst/>
+          </a:prstGeom>
+          <a:ln w="28575">
+            <a:solidFill>
+              <a:srgbClr val="00B050"/>
+            </a:solidFill>
+          </a:ln>
+        </p:spPr>
+        <p:style>
+          <a:lnRef idx="1">
+            <a:schemeClr val="accent1"/>
+          </a:lnRef>
+          <a:fillRef idx="0">
+            <a:schemeClr val="accent1"/>
+          </a:fillRef>
+          <a:effectRef idx="0">
+            <a:schemeClr val="accent1"/>
+          </a:effectRef>
+          <a:fontRef idx="minor">
+            <a:schemeClr val="tx1"/>
+          </a:fontRef>
+        </p:style>
+      </p:cxnSp>
+      <p:cxnSp>
+        <p:nvCxnSpPr>
+          <p:cNvPr id="107" name="직선 연결선 106">
+            <a:extLst>
+              <a:ext uri="{FF2B5EF4-FFF2-40B4-BE49-F238E27FC236}">
+                <a16:creationId xmlns:a16="http://schemas.microsoft.com/office/drawing/2014/main" id="{326717B9-ECBB-4C9B-BCBC-B78027CCD1DA}"/>
+              </a:ext>
+            </a:extLst>
+          </p:cNvPr>
+          <p:cNvCxnSpPr>
+            <a:cxnSpLocks/>
+          </p:cNvCxnSpPr>
+          <p:nvPr/>
+        </p:nvCxnSpPr>
+        <p:spPr>
+          <a:xfrm>
+            <a:off x="5198316" y="2552700"/>
+            <a:ext cx="439471" cy="167796"/>
+          </a:xfrm>
+          <a:prstGeom prst="line">
+            <a:avLst/>
+          </a:prstGeom>
+          <a:ln w="28575">
+            <a:solidFill>
+              <a:srgbClr val="00B050"/>
+            </a:solidFill>
+          </a:ln>
+        </p:spPr>
+        <p:style>
+          <a:lnRef idx="1">
+            <a:schemeClr val="accent1"/>
+          </a:lnRef>
+          <a:fillRef idx="0">
+            <a:schemeClr val="accent1"/>
+          </a:fillRef>
+          <a:effectRef idx="0">
+            <a:schemeClr val="accent1"/>
+          </a:effectRef>
+          <a:fontRef idx="minor">
+            <a:schemeClr val="tx1"/>
+          </a:fontRef>
+        </p:style>
+      </p:cxnSp>
+      <p:cxnSp>
+        <p:nvCxnSpPr>
+          <p:cNvPr id="108" name="직선 연결선 107">
+            <a:extLst>
+              <a:ext uri="{FF2B5EF4-FFF2-40B4-BE49-F238E27FC236}">
+                <a16:creationId xmlns:a16="http://schemas.microsoft.com/office/drawing/2014/main" id="{7FF5941F-3BE5-4AAC-9A0F-81A0F3D752F5}"/>
+              </a:ext>
+            </a:extLst>
+          </p:cNvPr>
+          <p:cNvCxnSpPr>
+            <a:cxnSpLocks/>
+          </p:cNvCxnSpPr>
+          <p:nvPr/>
+        </p:nvCxnSpPr>
+        <p:spPr>
+          <a:xfrm flipV="1">
+            <a:off x="5637787" y="2552700"/>
+            <a:ext cx="458213" cy="167796"/>
+          </a:xfrm>
+          <a:prstGeom prst="line">
+            <a:avLst/>
+          </a:prstGeom>
+          <a:ln w="28575">
+            <a:solidFill>
+              <a:srgbClr val="00B050"/>
+            </a:solidFill>
+          </a:ln>
+        </p:spPr>
+        <p:style>
+          <a:lnRef idx="1">
+            <a:schemeClr val="accent1"/>
+          </a:lnRef>
+          <a:fillRef idx="0">
+            <a:schemeClr val="accent1"/>
+          </a:fillRef>
+          <a:effectRef idx="0">
+            <a:schemeClr val="accent1"/>
+          </a:effectRef>
+          <a:fontRef idx="minor">
+            <a:schemeClr val="tx1"/>
+          </a:fontRef>
+        </p:style>
+      </p:cxnSp>
+      <p:cxnSp>
+        <p:nvCxnSpPr>
+          <p:cNvPr id="109" name="직선 연결선 108">
+            <a:extLst>
+              <a:ext uri="{FF2B5EF4-FFF2-40B4-BE49-F238E27FC236}">
+                <a16:creationId xmlns:a16="http://schemas.microsoft.com/office/drawing/2014/main" id="{EA30AADE-7CA4-444F-833E-4626FF5B35EC}"/>
+              </a:ext>
+            </a:extLst>
+          </p:cNvPr>
+          <p:cNvCxnSpPr>
+            <a:cxnSpLocks/>
+          </p:cNvCxnSpPr>
+          <p:nvPr/>
+        </p:nvCxnSpPr>
+        <p:spPr>
+          <a:xfrm flipV="1">
+            <a:off x="6096000" y="2314576"/>
+            <a:ext cx="400050" cy="238124"/>
+          </a:xfrm>
+          <a:prstGeom prst="line">
+            <a:avLst/>
+          </a:prstGeom>
+          <a:ln w="28575">
+            <a:solidFill>
+              <a:srgbClr val="00B050"/>
+            </a:solidFill>
+          </a:ln>
+        </p:spPr>
+        <p:style>
+          <a:lnRef idx="1">
+            <a:schemeClr val="accent1"/>
+          </a:lnRef>
+          <a:fillRef idx="0">
+            <a:schemeClr val="accent1"/>
+          </a:fillRef>
+          <a:effectRef idx="0">
+            <a:schemeClr val="accent1"/>
+          </a:effectRef>
+          <a:fontRef idx="minor">
+            <a:schemeClr val="tx1"/>
+          </a:fontRef>
+        </p:style>
+      </p:cxnSp>
+      <p:cxnSp>
+        <p:nvCxnSpPr>
+          <p:cNvPr id="110" name="직선 연결선 109">
+            <a:extLst>
+              <a:ext uri="{FF2B5EF4-FFF2-40B4-BE49-F238E27FC236}">
+                <a16:creationId xmlns:a16="http://schemas.microsoft.com/office/drawing/2014/main" id="{CD2B4E41-9BF5-429C-9145-B83E462CE537}"/>
+              </a:ext>
+            </a:extLst>
+          </p:cNvPr>
+          <p:cNvCxnSpPr/>
+          <p:nvPr/>
+        </p:nvCxnSpPr>
+        <p:spPr>
+          <a:xfrm flipV="1">
+            <a:off x="6496050" y="2105025"/>
+            <a:ext cx="460149" cy="209550"/>
+          </a:xfrm>
+          <a:prstGeom prst="line">
+            <a:avLst/>
+          </a:prstGeom>
+          <a:ln w="28575">
+            <a:solidFill>
+              <a:srgbClr val="00B050"/>
+            </a:solidFill>
+          </a:ln>
+        </p:spPr>
+        <p:style>
+          <a:lnRef idx="1">
+            <a:schemeClr val="accent1"/>
+          </a:lnRef>
+          <a:fillRef idx="0">
+            <a:schemeClr val="accent1"/>
+          </a:fillRef>
+          <a:effectRef idx="0">
+            <a:schemeClr val="accent1"/>
+          </a:effectRef>
+          <a:fontRef idx="minor">
+            <a:schemeClr val="tx1"/>
+          </a:fontRef>
+        </p:style>
+      </p:cxnSp>
+      <p:cxnSp>
+        <p:nvCxnSpPr>
+          <p:cNvPr id="111" name="직선 연결선 110">
+            <a:extLst>
+              <a:ext uri="{FF2B5EF4-FFF2-40B4-BE49-F238E27FC236}">
+                <a16:creationId xmlns:a16="http://schemas.microsoft.com/office/drawing/2014/main" id="{BB092F36-F80A-462A-B4DD-01FF85D82E51}"/>
+              </a:ext>
+            </a:extLst>
+          </p:cNvPr>
+          <p:cNvCxnSpPr>
+            <a:cxnSpLocks/>
+          </p:cNvCxnSpPr>
+          <p:nvPr/>
+        </p:nvCxnSpPr>
+        <p:spPr>
+          <a:xfrm flipV="1">
+            <a:off x="6956199" y="1841555"/>
+            <a:ext cx="439471" cy="263470"/>
+          </a:xfrm>
+          <a:prstGeom prst="line">
+            <a:avLst/>
+          </a:prstGeom>
+          <a:ln w="28575">
+            <a:solidFill>
+              <a:srgbClr val="00B050"/>
+            </a:solidFill>
+          </a:ln>
+        </p:spPr>
+        <p:style>
+          <a:lnRef idx="1">
+            <a:schemeClr val="accent1"/>
+          </a:lnRef>
+          <a:fillRef idx="0">
+            <a:schemeClr val="accent1"/>
+          </a:fillRef>
+          <a:effectRef idx="0">
+            <a:schemeClr val="accent1"/>
+          </a:effectRef>
+          <a:fontRef idx="minor">
+            <a:schemeClr val="tx1"/>
+          </a:fontRef>
+        </p:style>
+      </p:cxnSp>
+      <p:cxnSp>
+        <p:nvCxnSpPr>
+          <p:cNvPr id="112" name="직선 연결선 111">
+            <a:extLst>
+              <a:ext uri="{FF2B5EF4-FFF2-40B4-BE49-F238E27FC236}">
+                <a16:creationId xmlns:a16="http://schemas.microsoft.com/office/drawing/2014/main" id="{FEA16E35-0A06-4D4C-9D7C-2EFAB4B8E913}"/>
+              </a:ext>
+            </a:extLst>
+          </p:cNvPr>
+          <p:cNvCxnSpPr/>
+          <p:nvPr/>
+        </p:nvCxnSpPr>
+        <p:spPr>
+          <a:xfrm flipV="1">
+            <a:off x="5637787" y="4667250"/>
+            <a:ext cx="439471" cy="323850"/>
+          </a:xfrm>
+          <a:prstGeom prst="line">
+            <a:avLst/>
+          </a:prstGeom>
+          <a:ln w="28575">
+            <a:solidFill>
+              <a:srgbClr val="00B050"/>
+            </a:solidFill>
+          </a:ln>
+        </p:spPr>
+        <p:style>
+          <a:lnRef idx="1">
+            <a:schemeClr val="accent1"/>
+          </a:lnRef>
+          <a:fillRef idx="0">
+            <a:schemeClr val="accent1"/>
+          </a:fillRef>
+          <a:effectRef idx="0">
+            <a:schemeClr val="accent1"/>
+          </a:effectRef>
+          <a:fontRef idx="minor">
+            <a:schemeClr val="tx1"/>
+          </a:fontRef>
+        </p:style>
+      </p:cxnSp>
+      <p:cxnSp>
+        <p:nvCxnSpPr>
+          <p:cNvPr id="113" name="직선 연결선 112">
+            <a:extLst>
+              <a:ext uri="{FF2B5EF4-FFF2-40B4-BE49-F238E27FC236}">
+                <a16:creationId xmlns:a16="http://schemas.microsoft.com/office/drawing/2014/main" id="{A7AC391C-1B32-48F8-95C0-B773AE447038}"/>
+              </a:ext>
+            </a:extLst>
+          </p:cNvPr>
+          <p:cNvCxnSpPr/>
+          <p:nvPr/>
+        </p:nvCxnSpPr>
+        <p:spPr>
+          <a:xfrm flipV="1">
+            <a:off x="6077258" y="4478380"/>
+            <a:ext cx="439471" cy="188870"/>
+          </a:xfrm>
+          <a:prstGeom prst="line">
+            <a:avLst/>
+          </a:prstGeom>
+          <a:ln w="28575">
+            <a:solidFill>
+              <a:srgbClr val="00B050"/>
+            </a:solidFill>
+          </a:ln>
+        </p:spPr>
+        <p:style>
+          <a:lnRef idx="1">
+            <a:schemeClr val="accent1"/>
+          </a:lnRef>
+          <a:fillRef idx="0">
+            <a:schemeClr val="accent1"/>
+          </a:fillRef>
+          <a:effectRef idx="0">
+            <a:schemeClr val="accent1"/>
+          </a:effectRef>
+          <a:fontRef idx="minor">
+            <a:schemeClr val="tx1"/>
+          </a:fontRef>
+        </p:style>
+      </p:cxnSp>
+      <p:cxnSp>
+        <p:nvCxnSpPr>
+          <p:cNvPr id="114" name="직선 연결선 113">
+            <a:extLst>
+              <a:ext uri="{FF2B5EF4-FFF2-40B4-BE49-F238E27FC236}">
+                <a16:creationId xmlns:a16="http://schemas.microsoft.com/office/drawing/2014/main" id="{EDEAD5D2-B85A-449C-B739-B88830B1B2D6}"/>
+              </a:ext>
+            </a:extLst>
+          </p:cNvPr>
+          <p:cNvCxnSpPr/>
+          <p:nvPr/>
+        </p:nvCxnSpPr>
+        <p:spPr>
+          <a:xfrm>
+            <a:off x="6516729" y="4478380"/>
+            <a:ext cx="439470" cy="188870"/>
+          </a:xfrm>
+          <a:prstGeom prst="line">
+            <a:avLst/>
+          </a:prstGeom>
+          <a:ln w="28575">
+            <a:solidFill>
+              <a:srgbClr val="00B050"/>
+            </a:solidFill>
+          </a:ln>
+        </p:spPr>
+        <p:style>
+          <a:lnRef idx="1">
+            <a:schemeClr val="accent1"/>
+          </a:lnRef>
+          <a:fillRef idx="0">
+            <a:schemeClr val="accent1"/>
+          </a:fillRef>
+          <a:effectRef idx="0">
+            <a:schemeClr val="accent1"/>
+          </a:effectRef>
+          <a:fontRef idx="minor">
+            <a:schemeClr val="tx1"/>
+          </a:fontRef>
+        </p:style>
+      </p:cxnSp>
+      <p:cxnSp>
+        <p:nvCxnSpPr>
+          <p:cNvPr id="115" name="직선 연결선 114">
+            <a:extLst>
+              <a:ext uri="{FF2B5EF4-FFF2-40B4-BE49-F238E27FC236}">
+                <a16:creationId xmlns:a16="http://schemas.microsoft.com/office/drawing/2014/main" id="{8103E573-4DC2-4325-B93B-EF76FB844F10}"/>
+              </a:ext>
+            </a:extLst>
+          </p:cNvPr>
+          <p:cNvCxnSpPr/>
+          <p:nvPr/>
+        </p:nvCxnSpPr>
+        <p:spPr>
+          <a:xfrm>
+            <a:off x="6956199" y="4667250"/>
+            <a:ext cx="439471" cy="690071"/>
+          </a:xfrm>
+          <a:prstGeom prst="line">
+            <a:avLst/>
+          </a:prstGeom>
+          <a:ln w="28575">
+            <a:solidFill>
+              <a:srgbClr val="00B050"/>
+            </a:solidFill>
+          </a:ln>
+        </p:spPr>
+        <p:style>
+          <a:lnRef idx="1">
+            <a:schemeClr val="accent1"/>
+          </a:lnRef>
+          <a:fillRef idx="0">
+            <a:schemeClr val="accent1"/>
+          </a:fillRef>
+          <a:effectRef idx="0">
+            <a:schemeClr val="accent1"/>
+          </a:effectRef>
+          <a:fontRef idx="minor">
+            <a:schemeClr val="tx1"/>
+          </a:fontRef>
+        </p:style>
+      </p:cxnSp>
+      <p:cxnSp>
+        <p:nvCxnSpPr>
+          <p:cNvPr id="116" name="직선 연결선 115">
+            <a:extLst>
+              <a:ext uri="{FF2B5EF4-FFF2-40B4-BE49-F238E27FC236}">
+                <a16:creationId xmlns:a16="http://schemas.microsoft.com/office/drawing/2014/main" id="{32550265-F878-4220-A34A-B872BAAF8090}"/>
+              </a:ext>
+            </a:extLst>
+          </p:cNvPr>
+          <p:cNvCxnSpPr/>
+          <p:nvPr/>
+        </p:nvCxnSpPr>
+        <p:spPr>
+          <a:xfrm flipH="1">
+            <a:off x="4758845" y="4991100"/>
+            <a:ext cx="878942" cy="366221"/>
+          </a:xfrm>
+          <a:prstGeom prst="line">
+            <a:avLst/>
+          </a:prstGeom>
+          <a:ln w="28575">
+            <a:solidFill>
+              <a:srgbClr val="00B050"/>
+            </a:solidFill>
+          </a:ln>
+        </p:spPr>
+        <p:style>
+          <a:lnRef idx="1">
+            <a:schemeClr val="accent1"/>
+          </a:lnRef>
+          <a:fillRef idx="0">
+            <a:schemeClr val="accent1"/>
+          </a:fillRef>
+          <a:effectRef idx="0">
+            <a:schemeClr val="accent1"/>
+          </a:effectRef>
+          <a:fontRef idx="minor">
+            <a:schemeClr val="tx1"/>
+          </a:fontRef>
+        </p:style>
+      </p:cxnSp>
+      <p:sp>
+        <p:nvSpPr>
+          <p:cNvPr id="2124" name="TextBox 2123">
+            <a:extLst>
+              <a:ext uri="{FF2B5EF4-FFF2-40B4-BE49-F238E27FC236}">
+                <a16:creationId xmlns:a16="http://schemas.microsoft.com/office/drawing/2014/main" id="{4B6EAF13-8ABE-4F06-8F8F-633E057827D2}"/>
+              </a:ext>
+            </a:extLst>
+          </p:cNvPr>
+          <p:cNvSpPr txBox="1"/>
+          <p:nvPr/>
+        </p:nvSpPr>
+        <p:spPr>
+          <a:xfrm>
+            <a:off x="3038605" y="5870040"/>
+            <a:ext cx="6077305" cy="523220"/>
+          </a:xfrm>
+          <a:prstGeom prst="rect">
+            <a:avLst/>
+          </a:prstGeom>
+          <a:noFill/>
+        </p:spPr>
+        <p:txBody>
+          <a:bodyPr wrap="none" rtlCol="0">
+            <a:spAutoFit/>
+          </a:bodyPr>
+          <a:lstStyle/>
+          <a:p>
+            <a:pPr algn="ctr"/>
+            <a:r>
+              <a:rPr lang="ko-KR" altLang="en-US" sz="2800" dirty="0" err="1"/>
+              <a:t>보간되어</a:t>
+            </a:r>
+            <a:r>
+              <a:rPr lang="ko-KR" altLang="en-US" sz="2800" dirty="0"/>
+              <a:t> 좀더 부드러운 형태를 형성</a:t>
+            </a:r>
+          </a:p>
+        </p:txBody>
+      </p:sp>
+    </p:spTree>
+    <p:extLst>
+      <p:ext uri="{BB962C8B-B14F-4D97-AF65-F5344CB8AC3E}">
+        <p14:creationId xmlns:p14="http://schemas.microsoft.com/office/powerpoint/2010/main" val="1317580478"/>
+      </p:ext>
+    </p:extLst>
+  </p:cSld>
+  <p:clrMapOvr>
+    <a:masterClrMapping/>
+  </p:clrMapOvr>
+  <p:timing>
+    <p:tnLst>
+      <p:par>
+        <p:cTn id="1" dur="indefinite" restart="never" nodeType="tmRoot">
+          <p:childTnLst>
+            <p:seq concurrent="1" nextAc="seek">
+              <p:cTn id="2" dur="indefinite" nodeType="mainSeq">
+                <p:childTnLst>
+                  <p:par>
+                    <p:cTn id="3" fill="hold">
+                      <p:stCondLst>
+                        <p:cond delay="indefinite"/>
+                      </p:stCondLst>
+                      <p:childTnLst>
+                        <p:par>
+                          <p:cTn id="4" fill="hold">
+                            <p:stCondLst>
+                              <p:cond delay="0"/>
+                            </p:stCondLst>
+                            <p:childTnLst>
+                              <p:par>
+                                <p:cTn id="5" presetID="1" presetClass="entr" presetSubtype="0" fill="hold" nodeType="clickEffect">
+                                  <p:stCondLst>
+                                    <p:cond delay="0"/>
+                                  </p:stCondLst>
+                                  <p:childTnLst>
+                                    <p:set>
+                                      <p:cBhvr>
+                                        <p:cTn id="6" dur="1" fill="hold">
+                                          <p:stCondLst>
+                                            <p:cond delay="0"/>
+                                          </p:stCondLst>
+                                        </p:cTn>
+                                        <p:tgtEl>
+                                          <p:spTgt spid="7"/>
+                                        </p:tgtEl>
+                                        <p:attrNameLst>
+                                          <p:attrName>style.visibility</p:attrName>
+                                        </p:attrNameLst>
+                                      </p:cBhvr>
+                                      <p:to>
+                                        <p:strVal val="visible"/>
+                                      </p:to>
+                                    </p:set>
+                                  </p:childTnLst>
+                                </p:cTn>
+                              </p:par>
+                            </p:childTnLst>
+                          </p:cTn>
+                        </p:par>
+                      </p:childTnLst>
+                    </p:cTn>
+                  </p:par>
+                  <p:par>
+                    <p:cTn id="7" fill="hold">
+                      <p:stCondLst>
+                        <p:cond delay="indefinite"/>
+                      </p:stCondLst>
+                      <p:childTnLst>
+                        <p:par>
+                          <p:cTn id="8" fill="hold">
+                            <p:stCondLst>
+                              <p:cond delay="0"/>
+                            </p:stCondLst>
+                            <p:childTnLst>
+                              <p:par>
+                                <p:cTn id="9" presetID="2" presetClass="entr" presetSubtype="4" fill="hold" nodeType="clickEffect">
+                                  <p:stCondLst>
+                                    <p:cond delay="0"/>
+                                  </p:stCondLst>
+                                  <p:childTnLst>
+                                    <p:set>
+                                      <p:cBhvr>
+                                        <p:cTn id="10" dur="1" fill="hold">
+                                          <p:stCondLst>
+                                            <p:cond delay="0"/>
+                                          </p:stCondLst>
+                                        </p:cTn>
+                                        <p:tgtEl>
+                                          <p:spTgt spid="106"/>
+                                        </p:tgtEl>
+                                        <p:attrNameLst>
+                                          <p:attrName>style.visibility</p:attrName>
+                                        </p:attrNameLst>
+                                      </p:cBhvr>
+                                      <p:to>
+                                        <p:strVal val="visible"/>
+                                      </p:to>
+                                    </p:set>
+                                    <p:anim calcmode="lin" valueType="num">
+                                      <p:cBhvr additive="base">
+                                        <p:cTn id="11" dur="500" fill="hold"/>
+                                        <p:tgtEl>
+                                          <p:spTgt spid="106"/>
+                                        </p:tgtEl>
+                                        <p:attrNameLst>
+                                          <p:attrName>ppt_x</p:attrName>
+                                        </p:attrNameLst>
+                                      </p:cBhvr>
+                                      <p:tavLst>
+                                        <p:tav tm="0">
+                                          <p:val>
+                                            <p:strVal val="#ppt_x"/>
+                                          </p:val>
+                                        </p:tav>
+                                        <p:tav tm="100000">
+                                          <p:val>
+                                            <p:strVal val="#ppt_x"/>
+                                          </p:val>
+                                        </p:tav>
+                                      </p:tavLst>
+                                    </p:anim>
+                                    <p:anim calcmode="lin" valueType="num">
+                                      <p:cBhvr additive="base">
+                                        <p:cTn id="12" dur="500" fill="hold"/>
+                                        <p:tgtEl>
+                                          <p:spTgt spid="106"/>
+                                        </p:tgtEl>
+                                        <p:attrNameLst>
+                                          <p:attrName>ppt_y</p:attrName>
+                                        </p:attrNameLst>
+                                      </p:cBhvr>
+                                      <p:tavLst>
+                                        <p:tav tm="0">
+                                          <p:val>
+                                            <p:strVal val="1+#ppt_h/2"/>
+                                          </p:val>
+                                        </p:tav>
+                                        <p:tav tm="100000">
+                                          <p:val>
+                                            <p:strVal val="#ppt_y"/>
+                                          </p:val>
+                                        </p:tav>
+                                      </p:tavLst>
+                                    </p:anim>
+                                  </p:childTnLst>
+                                </p:cTn>
+                              </p:par>
+                            </p:childTnLst>
+                          </p:cTn>
+                        </p:par>
+                        <p:par>
+                          <p:cTn id="13" fill="hold">
+                            <p:stCondLst>
+                              <p:cond delay="500"/>
+                            </p:stCondLst>
+                            <p:childTnLst>
+                              <p:par>
+                                <p:cTn id="14" presetID="2" presetClass="entr" presetSubtype="4" fill="hold" nodeType="afterEffect">
+                                  <p:stCondLst>
+                                    <p:cond delay="0"/>
+                                  </p:stCondLst>
+                                  <p:childTnLst>
+                                    <p:set>
+                                      <p:cBhvr>
+                                        <p:cTn id="15" dur="1" fill="hold">
+                                          <p:stCondLst>
+                                            <p:cond delay="0"/>
+                                          </p:stCondLst>
+                                        </p:cTn>
+                                        <p:tgtEl>
+                                          <p:spTgt spid="107"/>
+                                        </p:tgtEl>
+                                        <p:attrNameLst>
+                                          <p:attrName>style.visibility</p:attrName>
+                                        </p:attrNameLst>
+                                      </p:cBhvr>
+                                      <p:to>
+                                        <p:strVal val="visible"/>
+                                      </p:to>
+                                    </p:set>
+                                    <p:anim calcmode="lin" valueType="num">
+                                      <p:cBhvr additive="base">
+                                        <p:cTn id="16" dur="500" fill="hold"/>
+                                        <p:tgtEl>
+                                          <p:spTgt spid="107"/>
+                                        </p:tgtEl>
+                                        <p:attrNameLst>
+                                          <p:attrName>ppt_x</p:attrName>
+                                        </p:attrNameLst>
+                                      </p:cBhvr>
+                                      <p:tavLst>
+                                        <p:tav tm="0">
+                                          <p:val>
+                                            <p:strVal val="#ppt_x"/>
+                                          </p:val>
+                                        </p:tav>
+                                        <p:tav tm="100000">
+                                          <p:val>
+                                            <p:strVal val="#ppt_x"/>
+                                          </p:val>
+                                        </p:tav>
+                                      </p:tavLst>
+                                    </p:anim>
+                                    <p:anim calcmode="lin" valueType="num">
+                                      <p:cBhvr additive="base">
+                                        <p:cTn id="17" dur="500" fill="hold"/>
+                                        <p:tgtEl>
+                                          <p:spTgt spid="107"/>
+                                        </p:tgtEl>
+                                        <p:attrNameLst>
+                                          <p:attrName>ppt_y</p:attrName>
+                                        </p:attrNameLst>
+                                      </p:cBhvr>
+                                      <p:tavLst>
+                                        <p:tav tm="0">
+                                          <p:val>
+                                            <p:strVal val="1+#ppt_h/2"/>
+                                          </p:val>
+                                        </p:tav>
+                                        <p:tav tm="100000">
+                                          <p:val>
+                                            <p:strVal val="#ppt_y"/>
+                                          </p:val>
+                                        </p:tav>
+                                      </p:tavLst>
+                                    </p:anim>
+                                  </p:childTnLst>
+                                </p:cTn>
+                              </p:par>
+                            </p:childTnLst>
+                          </p:cTn>
+                        </p:par>
+                        <p:par>
+                          <p:cTn id="18" fill="hold">
+                            <p:stCondLst>
+                              <p:cond delay="1000"/>
+                            </p:stCondLst>
+                            <p:childTnLst>
+                              <p:par>
+                                <p:cTn id="19" presetID="2" presetClass="entr" presetSubtype="4" fill="hold" nodeType="afterEffect">
+                                  <p:stCondLst>
+                                    <p:cond delay="0"/>
+                                  </p:stCondLst>
+                                  <p:childTnLst>
+                                    <p:set>
+                                      <p:cBhvr>
+                                        <p:cTn id="20" dur="1" fill="hold">
+                                          <p:stCondLst>
+                                            <p:cond delay="0"/>
+                                          </p:stCondLst>
+                                        </p:cTn>
+                                        <p:tgtEl>
+                                          <p:spTgt spid="108"/>
+                                        </p:tgtEl>
+                                        <p:attrNameLst>
+                                          <p:attrName>style.visibility</p:attrName>
+                                        </p:attrNameLst>
+                                      </p:cBhvr>
+                                      <p:to>
+                                        <p:strVal val="visible"/>
+                                      </p:to>
+                                    </p:set>
+                                    <p:anim calcmode="lin" valueType="num">
+                                      <p:cBhvr additive="base">
+                                        <p:cTn id="21" dur="500" fill="hold"/>
+                                        <p:tgtEl>
+                                          <p:spTgt spid="108"/>
+                                        </p:tgtEl>
+                                        <p:attrNameLst>
+                                          <p:attrName>ppt_x</p:attrName>
+                                        </p:attrNameLst>
+                                      </p:cBhvr>
+                                      <p:tavLst>
+                                        <p:tav tm="0">
+                                          <p:val>
+                                            <p:strVal val="#ppt_x"/>
+                                          </p:val>
+                                        </p:tav>
+                                        <p:tav tm="100000">
+                                          <p:val>
+                                            <p:strVal val="#ppt_x"/>
+                                          </p:val>
+                                        </p:tav>
+                                      </p:tavLst>
+                                    </p:anim>
+                                    <p:anim calcmode="lin" valueType="num">
+                                      <p:cBhvr additive="base">
+                                        <p:cTn id="22" dur="500" fill="hold"/>
+                                        <p:tgtEl>
+                                          <p:spTgt spid="108"/>
+                                        </p:tgtEl>
+                                        <p:attrNameLst>
+                                          <p:attrName>ppt_y</p:attrName>
+                                        </p:attrNameLst>
+                                      </p:cBhvr>
+                                      <p:tavLst>
+                                        <p:tav tm="0">
+                                          <p:val>
+                                            <p:strVal val="1+#ppt_h/2"/>
+                                          </p:val>
+                                        </p:tav>
+                                        <p:tav tm="100000">
+                                          <p:val>
+                                            <p:strVal val="#ppt_y"/>
+                                          </p:val>
+                                        </p:tav>
+                                      </p:tavLst>
+                                    </p:anim>
+                                  </p:childTnLst>
+                                </p:cTn>
+                              </p:par>
+                            </p:childTnLst>
+                          </p:cTn>
+                        </p:par>
+                        <p:par>
+                          <p:cTn id="23" fill="hold">
+                            <p:stCondLst>
+                              <p:cond delay="1500"/>
+                            </p:stCondLst>
+                            <p:childTnLst>
+                              <p:par>
+                                <p:cTn id="24" presetID="2" presetClass="entr" presetSubtype="4" fill="hold" nodeType="afterEffect">
+                                  <p:stCondLst>
+                                    <p:cond delay="0"/>
+                                  </p:stCondLst>
+                                  <p:childTnLst>
+                                    <p:set>
+                                      <p:cBhvr>
+                                        <p:cTn id="25" dur="1" fill="hold">
+                                          <p:stCondLst>
+                                            <p:cond delay="0"/>
+                                          </p:stCondLst>
+                                        </p:cTn>
+                                        <p:tgtEl>
+                                          <p:spTgt spid="109"/>
+                                        </p:tgtEl>
+                                        <p:attrNameLst>
+                                          <p:attrName>style.visibility</p:attrName>
+                                        </p:attrNameLst>
+                                      </p:cBhvr>
+                                      <p:to>
+                                        <p:strVal val="visible"/>
+                                      </p:to>
+                                    </p:set>
+                                    <p:anim calcmode="lin" valueType="num">
+                                      <p:cBhvr additive="base">
+                                        <p:cTn id="26" dur="500" fill="hold"/>
+                                        <p:tgtEl>
+                                          <p:spTgt spid="109"/>
+                                        </p:tgtEl>
+                                        <p:attrNameLst>
+                                          <p:attrName>ppt_x</p:attrName>
+                                        </p:attrNameLst>
+                                      </p:cBhvr>
+                                      <p:tavLst>
+                                        <p:tav tm="0">
+                                          <p:val>
+                                            <p:strVal val="#ppt_x"/>
+                                          </p:val>
+                                        </p:tav>
+                                        <p:tav tm="100000">
+                                          <p:val>
+                                            <p:strVal val="#ppt_x"/>
+                                          </p:val>
+                                        </p:tav>
+                                      </p:tavLst>
+                                    </p:anim>
+                                    <p:anim calcmode="lin" valueType="num">
+                                      <p:cBhvr additive="base">
+                                        <p:cTn id="27" dur="500" fill="hold"/>
+                                        <p:tgtEl>
+                                          <p:spTgt spid="109"/>
+                                        </p:tgtEl>
+                                        <p:attrNameLst>
+                                          <p:attrName>ppt_y</p:attrName>
+                                        </p:attrNameLst>
+                                      </p:cBhvr>
+                                      <p:tavLst>
+                                        <p:tav tm="0">
+                                          <p:val>
+                                            <p:strVal val="1+#ppt_h/2"/>
+                                          </p:val>
+                                        </p:tav>
+                                        <p:tav tm="100000">
+                                          <p:val>
+                                            <p:strVal val="#ppt_y"/>
+                                          </p:val>
+                                        </p:tav>
+                                      </p:tavLst>
+                                    </p:anim>
+                                  </p:childTnLst>
+                                </p:cTn>
+                              </p:par>
+                            </p:childTnLst>
+                          </p:cTn>
+                        </p:par>
+                        <p:par>
+                          <p:cTn id="28" fill="hold">
+                            <p:stCondLst>
+                              <p:cond delay="2000"/>
+                            </p:stCondLst>
+                            <p:childTnLst>
+                              <p:par>
+                                <p:cTn id="29" presetID="2" presetClass="entr" presetSubtype="4" fill="hold" nodeType="afterEffect">
+                                  <p:stCondLst>
+                                    <p:cond delay="0"/>
+                                  </p:stCondLst>
+                                  <p:childTnLst>
+                                    <p:set>
+                                      <p:cBhvr>
+                                        <p:cTn id="30" dur="1" fill="hold">
+                                          <p:stCondLst>
+                                            <p:cond delay="0"/>
+                                          </p:stCondLst>
+                                        </p:cTn>
+                                        <p:tgtEl>
+                                          <p:spTgt spid="110"/>
+                                        </p:tgtEl>
+                                        <p:attrNameLst>
+                                          <p:attrName>style.visibility</p:attrName>
+                                        </p:attrNameLst>
+                                      </p:cBhvr>
+                                      <p:to>
+                                        <p:strVal val="visible"/>
+                                      </p:to>
+                                    </p:set>
+                                    <p:anim calcmode="lin" valueType="num">
+                                      <p:cBhvr additive="base">
+                                        <p:cTn id="31" dur="500" fill="hold"/>
+                                        <p:tgtEl>
+                                          <p:spTgt spid="110"/>
+                                        </p:tgtEl>
+                                        <p:attrNameLst>
+                                          <p:attrName>ppt_x</p:attrName>
+                                        </p:attrNameLst>
+                                      </p:cBhvr>
+                                      <p:tavLst>
+                                        <p:tav tm="0">
+                                          <p:val>
+                                            <p:strVal val="#ppt_x"/>
+                                          </p:val>
+                                        </p:tav>
+                                        <p:tav tm="100000">
+                                          <p:val>
+                                            <p:strVal val="#ppt_x"/>
+                                          </p:val>
+                                        </p:tav>
+                                      </p:tavLst>
+                                    </p:anim>
+                                    <p:anim calcmode="lin" valueType="num">
+                                      <p:cBhvr additive="base">
+                                        <p:cTn id="32" dur="500" fill="hold"/>
+                                        <p:tgtEl>
+                                          <p:spTgt spid="110"/>
+                                        </p:tgtEl>
+                                        <p:attrNameLst>
+                                          <p:attrName>ppt_y</p:attrName>
+                                        </p:attrNameLst>
+                                      </p:cBhvr>
+                                      <p:tavLst>
+                                        <p:tav tm="0">
+                                          <p:val>
+                                            <p:strVal val="1+#ppt_h/2"/>
+                                          </p:val>
+                                        </p:tav>
+                                        <p:tav tm="100000">
+                                          <p:val>
+                                            <p:strVal val="#ppt_y"/>
+                                          </p:val>
+                                        </p:tav>
+                                      </p:tavLst>
+                                    </p:anim>
+                                  </p:childTnLst>
+                                </p:cTn>
+                              </p:par>
+                            </p:childTnLst>
+                          </p:cTn>
+                        </p:par>
+                        <p:par>
+                          <p:cTn id="33" fill="hold">
+                            <p:stCondLst>
+                              <p:cond delay="2500"/>
+                            </p:stCondLst>
+                            <p:childTnLst>
+                              <p:par>
+                                <p:cTn id="34" presetID="2" presetClass="entr" presetSubtype="4" fill="hold" nodeType="afterEffect">
+                                  <p:stCondLst>
+                                    <p:cond delay="0"/>
+                                  </p:stCondLst>
+                                  <p:childTnLst>
+                                    <p:set>
+                                      <p:cBhvr>
+                                        <p:cTn id="35" dur="1" fill="hold">
+                                          <p:stCondLst>
+                                            <p:cond delay="0"/>
+                                          </p:stCondLst>
+                                        </p:cTn>
+                                        <p:tgtEl>
+                                          <p:spTgt spid="111"/>
+                                        </p:tgtEl>
+                                        <p:attrNameLst>
+                                          <p:attrName>style.visibility</p:attrName>
+                                        </p:attrNameLst>
+                                      </p:cBhvr>
+                                      <p:to>
+                                        <p:strVal val="visible"/>
+                                      </p:to>
+                                    </p:set>
+                                    <p:anim calcmode="lin" valueType="num">
+                                      <p:cBhvr additive="base">
+                                        <p:cTn id="36" dur="500" fill="hold"/>
+                                        <p:tgtEl>
+                                          <p:spTgt spid="111"/>
+                                        </p:tgtEl>
+                                        <p:attrNameLst>
+                                          <p:attrName>ppt_x</p:attrName>
+                                        </p:attrNameLst>
+                                      </p:cBhvr>
+                                      <p:tavLst>
+                                        <p:tav tm="0">
+                                          <p:val>
+                                            <p:strVal val="#ppt_x"/>
+                                          </p:val>
+                                        </p:tav>
+                                        <p:tav tm="100000">
+                                          <p:val>
+                                            <p:strVal val="#ppt_x"/>
+                                          </p:val>
+                                        </p:tav>
+                                      </p:tavLst>
+                                    </p:anim>
+                                    <p:anim calcmode="lin" valueType="num">
+                                      <p:cBhvr additive="base">
+                                        <p:cTn id="37" dur="500" fill="hold"/>
+                                        <p:tgtEl>
+                                          <p:spTgt spid="111"/>
+                                        </p:tgtEl>
+                                        <p:attrNameLst>
+                                          <p:attrName>ppt_y</p:attrName>
+                                        </p:attrNameLst>
+                                      </p:cBhvr>
+                                      <p:tavLst>
+                                        <p:tav tm="0">
+                                          <p:val>
+                                            <p:strVal val="1+#ppt_h/2"/>
+                                          </p:val>
+                                        </p:tav>
+                                        <p:tav tm="100000">
+                                          <p:val>
+                                            <p:strVal val="#ppt_y"/>
+                                          </p:val>
+                                        </p:tav>
+                                      </p:tavLst>
+                                    </p:anim>
+                                  </p:childTnLst>
+                                </p:cTn>
+                              </p:par>
+                            </p:childTnLst>
+                          </p:cTn>
+                        </p:par>
+                        <p:par>
+                          <p:cTn id="38" fill="hold">
+                            <p:stCondLst>
+                              <p:cond delay="3000"/>
+                            </p:stCondLst>
+                            <p:childTnLst>
+                              <p:par>
+                                <p:cTn id="39" presetID="2" presetClass="entr" presetSubtype="4" fill="hold" nodeType="afterEffect">
+                                  <p:stCondLst>
+                                    <p:cond delay="0"/>
+                                  </p:stCondLst>
+                                  <p:childTnLst>
+                                    <p:set>
+                                      <p:cBhvr>
+                                        <p:cTn id="40" dur="1" fill="hold">
+                                          <p:stCondLst>
+                                            <p:cond delay="0"/>
+                                          </p:stCondLst>
+                                        </p:cTn>
+                                        <p:tgtEl>
+                                          <p:spTgt spid="116"/>
+                                        </p:tgtEl>
+                                        <p:attrNameLst>
+                                          <p:attrName>style.visibility</p:attrName>
+                                        </p:attrNameLst>
+                                      </p:cBhvr>
+                                      <p:to>
+                                        <p:strVal val="visible"/>
+                                      </p:to>
+                                    </p:set>
+                                    <p:anim calcmode="lin" valueType="num">
+                                      <p:cBhvr additive="base">
+                                        <p:cTn id="41" dur="500" fill="hold"/>
+                                        <p:tgtEl>
+                                          <p:spTgt spid="116"/>
+                                        </p:tgtEl>
+                                        <p:attrNameLst>
+                                          <p:attrName>ppt_x</p:attrName>
+                                        </p:attrNameLst>
+                                      </p:cBhvr>
+                                      <p:tavLst>
+                                        <p:tav tm="0">
+                                          <p:val>
+                                            <p:strVal val="#ppt_x"/>
+                                          </p:val>
+                                        </p:tav>
+                                        <p:tav tm="100000">
+                                          <p:val>
+                                            <p:strVal val="#ppt_x"/>
+                                          </p:val>
+                                        </p:tav>
+                                      </p:tavLst>
+                                    </p:anim>
+                                    <p:anim calcmode="lin" valueType="num">
+                                      <p:cBhvr additive="base">
+                                        <p:cTn id="42" dur="500" fill="hold"/>
+                                        <p:tgtEl>
+                                          <p:spTgt spid="116"/>
+                                        </p:tgtEl>
+                                        <p:attrNameLst>
+                                          <p:attrName>ppt_y</p:attrName>
+                                        </p:attrNameLst>
+                                      </p:cBhvr>
+                                      <p:tavLst>
+                                        <p:tav tm="0">
+                                          <p:val>
+                                            <p:strVal val="1+#ppt_h/2"/>
+                                          </p:val>
+                                        </p:tav>
+                                        <p:tav tm="100000">
+                                          <p:val>
+                                            <p:strVal val="#ppt_y"/>
+                                          </p:val>
+                                        </p:tav>
+                                      </p:tavLst>
+                                    </p:anim>
+                                  </p:childTnLst>
+                                </p:cTn>
+                              </p:par>
+                            </p:childTnLst>
+                          </p:cTn>
+                        </p:par>
+                        <p:par>
+                          <p:cTn id="43" fill="hold">
+                            <p:stCondLst>
+                              <p:cond delay="3500"/>
+                            </p:stCondLst>
+                            <p:childTnLst>
+                              <p:par>
+                                <p:cTn id="44" presetID="2" presetClass="entr" presetSubtype="4" fill="hold" nodeType="afterEffect">
+                                  <p:stCondLst>
+                                    <p:cond delay="0"/>
+                                  </p:stCondLst>
+                                  <p:childTnLst>
+                                    <p:set>
+                                      <p:cBhvr>
+                                        <p:cTn id="45" dur="1" fill="hold">
+                                          <p:stCondLst>
+                                            <p:cond delay="0"/>
+                                          </p:stCondLst>
+                                        </p:cTn>
+                                        <p:tgtEl>
+                                          <p:spTgt spid="112"/>
+                                        </p:tgtEl>
+                                        <p:attrNameLst>
+                                          <p:attrName>style.visibility</p:attrName>
+                                        </p:attrNameLst>
+                                      </p:cBhvr>
+                                      <p:to>
+                                        <p:strVal val="visible"/>
+                                      </p:to>
+                                    </p:set>
+                                    <p:anim calcmode="lin" valueType="num">
+                                      <p:cBhvr additive="base">
+                                        <p:cTn id="46" dur="500" fill="hold"/>
+                                        <p:tgtEl>
+                                          <p:spTgt spid="112"/>
+                                        </p:tgtEl>
+                                        <p:attrNameLst>
+                                          <p:attrName>ppt_x</p:attrName>
+                                        </p:attrNameLst>
+                                      </p:cBhvr>
+                                      <p:tavLst>
+                                        <p:tav tm="0">
+                                          <p:val>
+                                            <p:strVal val="#ppt_x"/>
+                                          </p:val>
+                                        </p:tav>
+                                        <p:tav tm="100000">
+                                          <p:val>
+                                            <p:strVal val="#ppt_x"/>
+                                          </p:val>
+                                        </p:tav>
+                                      </p:tavLst>
+                                    </p:anim>
+                                    <p:anim calcmode="lin" valueType="num">
+                                      <p:cBhvr additive="base">
+                                        <p:cTn id="47" dur="500" fill="hold"/>
+                                        <p:tgtEl>
+                                          <p:spTgt spid="112"/>
+                                        </p:tgtEl>
+                                        <p:attrNameLst>
+                                          <p:attrName>ppt_y</p:attrName>
+                                        </p:attrNameLst>
+                                      </p:cBhvr>
+                                      <p:tavLst>
+                                        <p:tav tm="0">
+                                          <p:val>
+                                            <p:strVal val="1+#ppt_h/2"/>
+                                          </p:val>
+                                        </p:tav>
+                                        <p:tav tm="100000">
+                                          <p:val>
+                                            <p:strVal val="#ppt_y"/>
+                                          </p:val>
+                                        </p:tav>
+                                      </p:tavLst>
+                                    </p:anim>
+                                  </p:childTnLst>
+                                </p:cTn>
+                              </p:par>
+                            </p:childTnLst>
+                          </p:cTn>
+                        </p:par>
+                        <p:par>
+                          <p:cTn id="48" fill="hold">
+                            <p:stCondLst>
+                              <p:cond delay="4000"/>
+                            </p:stCondLst>
+                            <p:childTnLst>
+                              <p:par>
+                                <p:cTn id="49" presetID="2" presetClass="entr" presetSubtype="4" fill="hold" nodeType="afterEffect">
+                                  <p:stCondLst>
+                                    <p:cond delay="0"/>
+                                  </p:stCondLst>
+                                  <p:childTnLst>
+                                    <p:set>
+                                      <p:cBhvr>
+                                        <p:cTn id="50" dur="1" fill="hold">
+                                          <p:stCondLst>
+                                            <p:cond delay="0"/>
+                                          </p:stCondLst>
+                                        </p:cTn>
+                                        <p:tgtEl>
+                                          <p:spTgt spid="113"/>
+                                        </p:tgtEl>
+                                        <p:attrNameLst>
+                                          <p:attrName>style.visibility</p:attrName>
+                                        </p:attrNameLst>
+                                      </p:cBhvr>
+                                      <p:to>
+                                        <p:strVal val="visible"/>
+                                      </p:to>
+                                    </p:set>
+                                    <p:anim calcmode="lin" valueType="num">
+                                      <p:cBhvr additive="base">
+                                        <p:cTn id="51" dur="500" fill="hold"/>
+                                        <p:tgtEl>
+                                          <p:spTgt spid="113"/>
+                                        </p:tgtEl>
+                                        <p:attrNameLst>
+                                          <p:attrName>ppt_x</p:attrName>
+                                        </p:attrNameLst>
+                                      </p:cBhvr>
+                                      <p:tavLst>
+                                        <p:tav tm="0">
+                                          <p:val>
+                                            <p:strVal val="#ppt_x"/>
+                                          </p:val>
+                                        </p:tav>
+                                        <p:tav tm="100000">
+                                          <p:val>
+                                            <p:strVal val="#ppt_x"/>
+                                          </p:val>
+                                        </p:tav>
+                                      </p:tavLst>
+                                    </p:anim>
+                                    <p:anim calcmode="lin" valueType="num">
+                                      <p:cBhvr additive="base">
+                                        <p:cTn id="52" dur="500" fill="hold"/>
+                                        <p:tgtEl>
+                                          <p:spTgt spid="113"/>
+                                        </p:tgtEl>
+                                        <p:attrNameLst>
+                                          <p:attrName>ppt_y</p:attrName>
+                                        </p:attrNameLst>
+                                      </p:cBhvr>
+                                      <p:tavLst>
+                                        <p:tav tm="0">
+                                          <p:val>
+                                            <p:strVal val="1+#ppt_h/2"/>
+                                          </p:val>
+                                        </p:tav>
+                                        <p:tav tm="100000">
+                                          <p:val>
+                                            <p:strVal val="#ppt_y"/>
+                                          </p:val>
+                                        </p:tav>
+                                      </p:tavLst>
+                                    </p:anim>
+                                  </p:childTnLst>
+                                </p:cTn>
+                              </p:par>
+                            </p:childTnLst>
+                          </p:cTn>
+                        </p:par>
+                        <p:par>
+                          <p:cTn id="53" fill="hold">
+                            <p:stCondLst>
+                              <p:cond delay="4500"/>
+                            </p:stCondLst>
+                            <p:childTnLst>
+                              <p:par>
+                                <p:cTn id="54" presetID="2" presetClass="entr" presetSubtype="4" fill="hold" nodeType="afterEffect">
+                                  <p:stCondLst>
+                                    <p:cond delay="0"/>
+                                  </p:stCondLst>
+                                  <p:childTnLst>
+                                    <p:set>
+                                      <p:cBhvr>
+                                        <p:cTn id="55" dur="1" fill="hold">
+                                          <p:stCondLst>
+                                            <p:cond delay="0"/>
+                                          </p:stCondLst>
+                                        </p:cTn>
+                                        <p:tgtEl>
+                                          <p:spTgt spid="114"/>
+                                        </p:tgtEl>
+                                        <p:attrNameLst>
+                                          <p:attrName>style.visibility</p:attrName>
+                                        </p:attrNameLst>
+                                      </p:cBhvr>
+                                      <p:to>
+                                        <p:strVal val="visible"/>
+                                      </p:to>
+                                    </p:set>
+                                    <p:anim calcmode="lin" valueType="num">
+                                      <p:cBhvr additive="base">
+                                        <p:cTn id="56" dur="500" fill="hold"/>
+                                        <p:tgtEl>
+                                          <p:spTgt spid="114"/>
+                                        </p:tgtEl>
+                                        <p:attrNameLst>
+                                          <p:attrName>ppt_x</p:attrName>
+                                        </p:attrNameLst>
+                                      </p:cBhvr>
+                                      <p:tavLst>
+                                        <p:tav tm="0">
+                                          <p:val>
+                                            <p:strVal val="#ppt_x"/>
+                                          </p:val>
+                                        </p:tav>
+                                        <p:tav tm="100000">
+                                          <p:val>
+                                            <p:strVal val="#ppt_x"/>
+                                          </p:val>
+                                        </p:tav>
+                                      </p:tavLst>
+                                    </p:anim>
+                                    <p:anim calcmode="lin" valueType="num">
+                                      <p:cBhvr additive="base">
+                                        <p:cTn id="57" dur="500" fill="hold"/>
+                                        <p:tgtEl>
+                                          <p:spTgt spid="114"/>
+                                        </p:tgtEl>
+                                        <p:attrNameLst>
+                                          <p:attrName>ppt_y</p:attrName>
+                                        </p:attrNameLst>
+                                      </p:cBhvr>
+                                      <p:tavLst>
+                                        <p:tav tm="0">
+                                          <p:val>
+                                            <p:strVal val="1+#ppt_h/2"/>
+                                          </p:val>
+                                        </p:tav>
+                                        <p:tav tm="100000">
+                                          <p:val>
+                                            <p:strVal val="#ppt_y"/>
+                                          </p:val>
+                                        </p:tav>
+                                      </p:tavLst>
+                                    </p:anim>
+                                  </p:childTnLst>
+                                </p:cTn>
+                              </p:par>
+                            </p:childTnLst>
+                          </p:cTn>
+                        </p:par>
+                        <p:par>
+                          <p:cTn id="58" fill="hold">
+                            <p:stCondLst>
+                              <p:cond delay="5000"/>
+                            </p:stCondLst>
+                            <p:childTnLst>
+                              <p:par>
+                                <p:cTn id="59" presetID="2" presetClass="entr" presetSubtype="4" fill="hold" nodeType="afterEffect">
+                                  <p:stCondLst>
+                                    <p:cond delay="0"/>
+                                  </p:stCondLst>
+                                  <p:childTnLst>
+                                    <p:set>
+                                      <p:cBhvr>
+                                        <p:cTn id="60" dur="1" fill="hold">
+                                          <p:stCondLst>
+                                            <p:cond delay="0"/>
+                                          </p:stCondLst>
+                                        </p:cTn>
+                                        <p:tgtEl>
+                                          <p:spTgt spid="115"/>
+                                        </p:tgtEl>
+                                        <p:attrNameLst>
+                                          <p:attrName>style.visibility</p:attrName>
+                                        </p:attrNameLst>
+                                      </p:cBhvr>
+                                      <p:to>
+                                        <p:strVal val="visible"/>
+                                      </p:to>
+                                    </p:set>
+                                    <p:anim calcmode="lin" valueType="num">
+                                      <p:cBhvr additive="base">
+                                        <p:cTn id="61" dur="500" fill="hold"/>
+                                        <p:tgtEl>
+                                          <p:spTgt spid="115"/>
+                                        </p:tgtEl>
+                                        <p:attrNameLst>
+                                          <p:attrName>ppt_x</p:attrName>
+                                        </p:attrNameLst>
+                                      </p:cBhvr>
+                                      <p:tavLst>
+                                        <p:tav tm="0">
+                                          <p:val>
+                                            <p:strVal val="#ppt_x"/>
+                                          </p:val>
+                                        </p:tav>
+                                        <p:tav tm="100000">
+                                          <p:val>
+                                            <p:strVal val="#ppt_x"/>
+                                          </p:val>
+                                        </p:tav>
+                                      </p:tavLst>
+                                    </p:anim>
+                                    <p:anim calcmode="lin" valueType="num">
+                                      <p:cBhvr additive="base">
+                                        <p:cTn id="62" dur="500" fill="hold"/>
+                                        <p:tgtEl>
+                                          <p:spTgt spid="115"/>
+                                        </p:tgtEl>
+                                        <p:attrNameLst>
+                                          <p:attrName>ppt_y</p:attrName>
+                                        </p:attrNameLst>
+                                      </p:cBhvr>
+                                      <p:tavLst>
+                                        <p:tav tm="0">
+                                          <p:val>
+                                            <p:strVal val="1+#ppt_h/2"/>
+                                          </p:val>
+                                        </p:tav>
+                                        <p:tav tm="100000">
+                                          <p:val>
+                                            <p:strVal val="#ppt_y"/>
+                                          </p:val>
+                                        </p:tav>
+                                      </p:tavLst>
+                                    </p:anim>
+                                  </p:childTnLst>
+                                </p:cTn>
+                              </p:par>
+                            </p:childTnLst>
+                          </p:cTn>
+                        </p:par>
+                      </p:childTnLst>
+                    </p:cTn>
+                  </p:par>
+                  <p:par>
+                    <p:cTn id="63" fill="hold">
+                      <p:stCondLst>
+                        <p:cond delay="indefinite"/>
+                      </p:stCondLst>
+                      <p:childTnLst>
+                        <p:par>
+                          <p:cTn id="64" fill="hold">
+                            <p:stCondLst>
+                              <p:cond delay="0"/>
+                            </p:stCondLst>
+                            <p:childTnLst>
+                              <p:par>
+                                <p:cTn id="65" presetID="22" presetClass="exit" presetSubtype="4" fill="hold" nodeType="clickEffect">
+                                  <p:stCondLst>
+                                    <p:cond delay="0"/>
+                                  </p:stCondLst>
+                                  <p:childTnLst>
+                                    <p:animEffect transition="out" filter="wipe(down)">
+                                      <p:cBhvr>
+                                        <p:cTn id="66" dur="500"/>
+                                        <p:tgtEl>
+                                          <p:spTgt spid="7"/>
+                                        </p:tgtEl>
+                                      </p:cBhvr>
+                                    </p:animEffect>
+                                    <p:set>
+                                      <p:cBhvr>
+                                        <p:cTn id="67" dur="1" fill="hold">
+                                          <p:stCondLst>
+                                            <p:cond delay="499"/>
+                                          </p:stCondLst>
+                                        </p:cTn>
+                                        <p:tgtEl>
+                                          <p:spTgt spid="7"/>
+                                        </p:tgtEl>
+                                        <p:attrNameLst>
+                                          <p:attrName>style.visibility</p:attrName>
+                                        </p:attrNameLst>
+                                      </p:cBhvr>
+                                      <p:to>
+                                        <p:strVal val="hidden"/>
+                                      </p:to>
+                                    </p:set>
+                                  </p:childTnLst>
+                                </p:cTn>
+                              </p:par>
+                            </p:childTnLst>
+                          </p:cTn>
+                        </p:par>
+                      </p:childTnLst>
+                    </p:cTn>
+                  </p:par>
+                  <p:par>
+                    <p:cTn id="68" fill="hold">
+                      <p:stCondLst>
+                        <p:cond delay="indefinite"/>
+                      </p:stCondLst>
+                      <p:childTnLst>
+                        <p:par>
+                          <p:cTn id="69" fill="hold">
+                            <p:stCondLst>
+                              <p:cond delay="0"/>
+                            </p:stCondLst>
+                            <p:childTnLst>
+                              <p:par>
+                                <p:cTn id="70" presetID="1" presetClass="entr" presetSubtype="0" fill="hold" grpId="0" nodeType="clickEffect">
+                                  <p:stCondLst>
+                                    <p:cond delay="0"/>
+                                  </p:stCondLst>
+                                  <p:childTnLst>
+                                    <p:set>
+                                      <p:cBhvr>
+                                        <p:cTn id="71" dur="1" fill="hold">
+                                          <p:stCondLst>
+                                            <p:cond delay="0"/>
+                                          </p:stCondLst>
+                                        </p:cTn>
+                                        <p:tgtEl>
+                                          <p:spTgt spid="2124"/>
+                                        </p:tgtEl>
+                                        <p:attrNameLst>
+                                          <p:attrName>style.visibility</p:attrName>
+                                        </p:attrNameLst>
+                                      </p:cBhvr>
+                                      <p:to>
+                                        <p:strVal val="visible"/>
+                                      </p:to>
+                                    </p:set>
+                                  </p:childTnLst>
+                                </p:cTn>
+                              </p:par>
+                            </p:childTnLst>
+                          </p:cTn>
+                        </p:par>
+                      </p:childTnLst>
+                    </p:cTn>
+                  </p:par>
+                </p:childTnLst>
+              </p:cTn>
+              <p:prevCondLst>
+                <p:cond evt="onPrev" delay="0">
+                  <p:tgtEl>
+                    <p:sldTgt/>
+                  </p:tgtEl>
+                </p:cond>
+              </p:prevCondLst>
+              <p:nextCondLst>
+                <p:cond evt="onNext" delay="0">
+                  <p:tgtEl>
+                    <p:sldTgt/>
+                  </p:tgtEl>
+                </p:cond>
+              </p:nextCondLst>
+            </p:seq>
+          </p:childTnLst>
+        </p:cTn>
+      </p:par>
+    </p:tnLst>
+    <p:bldLst>
+      <p:bldP spid="2124" grpId="0"/>
+    </p:bldLst>
+  </p:timing>
+</p:sld>
+</file>
+
+<file path=ppt/slides/slide11.xml><?xml version="1.0" encoding="utf-8"?>
+<p:sld xmlns:a="http://schemas.openxmlformats.org/drawingml/2006/main" xmlns:r="http://schemas.openxmlformats.org/officeDocument/2006/relationships" xmlns:p="http://schemas.openxmlformats.org/presentationml/2006/main">
+  <p:cSld>
+    <p:spTree>
+      <p:nvGrpSpPr>
+        <p:cNvPr id="1" name=""/>
+        <p:cNvGrpSpPr/>
+        <p:nvPr/>
+      </p:nvGrpSpPr>
+      <p:grpSpPr>
+        <a:xfrm>
+          <a:off x="0" y="0"/>
+          <a:ext cx="0" cy="0"/>
+          <a:chOff x="0" y="0"/>
+          <a:chExt cx="0" cy="0"/>
+        </a:xfrm>
+      </p:grpSpPr>
+      <p:sp>
+        <p:nvSpPr>
+          <p:cNvPr id="5" name="제목 4">
+            <a:extLst>
+              <a:ext uri="{FF2B5EF4-FFF2-40B4-BE49-F238E27FC236}">
+                <a16:creationId xmlns:a16="http://schemas.microsoft.com/office/drawing/2014/main" id="{063E9EEA-CCDE-45B9-911F-B9C20D2CB5BF}"/>
+              </a:ext>
+            </a:extLst>
+          </p:cNvPr>
+          <p:cNvSpPr>
+            <a:spLocks noGrp="1"/>
+          </p:cNvSpPr>
+          <p:nvPr>
+            <p:ph type="title"/>
+          </p:nvPr>
+        </p:nvSpPr>
+        <p:spPr>
+          <a:xfrm>
+            <a:off x="327170" y="0"/>
+            <a:ext cx="7902429" cy="1048624"/>
+          </a:xfrm>
+        </p:spPr>
+        <p:txBody>
+          <a:bodyPr>
+            <a:normAutofit/>
+          </a:bodyPr>
+          <a:lstStyle/>
+          <a:p>
+            <a:r>
+              <a:rPr lang="en-US" altLang="ko-KR" sz="3600" dirty="0"/>
+              <a:t>Marching Cube Algorithm ( GPU )</a:t>
+            </a:r>
+            <a:endParaRPr lang="ko-KR" altLang="en-US" sz="3600" dirty="0"/>
+          </a:p>
+        </p:txBody>
+      </p:sp>
       <p:pic>
         <p:nvPicPr>
           <p:cNvPr id="1026" name="Picture 2" descr="Geometry Shader DirectXì ëí ì´ë¯¸ì§ ê²ìê²°ê³¼">
@@ -4250,7 +6950,7 @@
 </p:sld>
 </file>
 
-<file path=ppt/slides/slide11.xml><?xml version="1.0" encoding="utf-8"?>
+<file path=ppt/slides/slide12.xml><?xml version="1.0" encoding="utf-8"?>
 <p:sld xmlns:a="http://schemas.openxmlformats.org/drawingml/2006/main" xmlns:r="http://schemas.openxmlformats.org/officeDocument/2006/relationships" xmlns:p="http://schemas.openxmlformats.org/presentationml/2006/main">
   <p:cSld>
     <p:spTree>
@@ -4585,7 +7285,7 @@
 </p:sld>
 </file>
 
-<file path=ppt/slides/slide12.xml><?xml version="1.0" encoding="utf-8"?>
+<file path=ppt/slides/slide13.xml><?xml version="1.0" encoding="utf-8"?>
 <p:sld xmlns:a="http://schemas.openxmlformats.org/drawingml/2006/main" xmlns:r="http://schemas.openxmlformats.org/officeDocument/2006/relationships" xmlns:p="http://schemas.openxmlformats.org/presentationml/2006/main">
   <p:cSld>
     <p:spTree>
@@ -5074,7 +7774,7 @@
 </p:sld>
 </file>
 
-<file path=ppt/slides/slide13.xml><?xml version="1.0" encoding="utf-8"?>
+<file path=ppt/slides/slide14.xml><?xml version="1.0" encoding="utf-8"?>
 <p:sld xmlns:a="http://schemas.openxmlformats.org/drawingml/2006/main" xmlns:r="http://schemas.openxmlformats.org/officeDocument/2006/relationships" xmlns:p="http://schemas.openxmlformats.org/presentationml/2006/main">
   <p:cSld>
     <p:spTree>
@@ -5354,7 +8054,7 @@
 </p:sld>
 </file>
 
-<file path=ppt/slides/slide14.xml><?xml version="1.0" encoding="utf-8"?>
+<file path=ppt/slides/slide15.xml><?xml version="1.0" encoding="utf-8"?>
 <p:sld xmlns:a="http://schemas.openxmlformats.org/drawingml/2006/main" xmlns:r="http://schemas.openxmlformats.org/officeDocument/2006/relationships" xmlns:p="http://schemas.openxmlformats.org/presentationml/2006/main">
   <p:cSld>
     <p:spTree>
@@ -5419,7 +8119,7 @@
 </p:sld>
 </file>
 
-<file path=ppt/slides/slide15.xml><?xml version="1.0" encoding="utf-8"?>
+<file path=ppt/slides/slide16.xml><?xml version="1.0" encoding="utf-8"?>
 <p:sld xmlns:a="http://schemas.openxmlformats.org/drawingml/2006/main" xmlns:r="http://schemas.openxmlformats.org/officeDocument/2006/relationships" xmlns:p="http://schemas.openxmlformats.org/presentationml/2006/main">
   <p:cSld>
     <p:spTree>
@@ -5627,7 +8327,7 @@
 </p:sld>
 </file>
 
-<file path=ppt/slides/slide16.xml><?xml version="1.0" encoding="utf-8"?>
+<file path=ppt/slides/slide17.xml><?xml version="1.0" encoding="utf-8"?>
 <p:sld xmlns:a="http://schemas.openxmlformats.org/drawingml/2006/main" xmlns:r="http://schemas.openxmlformats.org/officeDocument/2006/relationships" xmlns:p="http://schemas.openxmlformats.org/presentationml/2006/main">
   <p:cSld>
     <p:spTree>
@@ -5965,8 +8665,30 @@
           <a:prstGeom prst="rect">
             <a:avLst/>
           </a:prstGeom>
-          <a:noFill/>
+          <a:effectLst>
+            <a:outerShdw blurRad="63500" sx="102000" sy="102000" algn="ctr" rotWithShape="0">
+              <a:prstClr val="black">
+                <a:alpha val="40000"/>
+              </a:prstClr>
+            </a:outerShdw>
+          </a:effectLst>
         </p:spPr>
+        <p:style>
+          <a:lnRef idx="2">
+            <a:schemeClr val="dk1">
+              <a:shade val="50000"/>
+            </a:schemeClr>
+          </a:lnRef>
+          <a:fillRef idx="1">
+            <a:schemeClr val="dk1"/>
+          </a:fillRef>
+          <a:effectRef idx="0">
+            <a:schemeClr val="dk1"/>
+          </a:effectRef>
+          <a:fontRef idx="minor">
+            <a:schemeClr val="lt1"/>
+          </a:fontRef>
+        </p:style>
         <p:txBody>
           <a:bodyPr wrap="none" rtlCol="0">
             <a:spAutoFit/>
@@ -5996,13 +8718,35 @@
         <p:spPr>
           <a:xfrm>
             <a:off x="1085094" y="2735811"/>
-            <a:ext cx="1745991" cy="400110"/>
+            <a:ext cx="1779762" cy="442674"/>
           </a:xfrm>
-          <a:prstGeom prst="rect">
+          <a:prstGeom prst="roundRect">
             <a:avLst/>
           </a:prstGeom>
-          <a:noFill/>
+          <a:effectLst>
+            <a:outerShdw blurRad="63500" sx="102000" sy="102000" algn="ctr" rotWithShape="0">
+              <a:prstClr val="black">
+                <a:alpha val="40000"/>
+              </a:prstClr>
+            </a:outerShdw>
+          </a:effectLst>
         </p:spPr>
+        <p:style>
+          <a:lnRef idx="2">
+            <a:schemeClr val="accent1">
+              <a:shade val="50000"/>
+            </a:schemeClr>
+          </a:lnRef>
+          <a:fillRef idx="1">
+            <a:schemeClr val="accent1"/>
+          </a:fillRef>
+          <a:effectRef idx="0">
+            <a:schemeClr val="accent1"/>
+          </a:effectRef>
+          <a:fontRef idx="minor">
+            <a:schemeClr val="lt1"/>
+          </a:fontRef>
+        </p:style>
         <p:txBody>
           <a:bodyPr wrap="none" rtlCol="0">
             <a:spAutoFit/>
@@ -6031,14 +8775,36 @@
         </p:nvSpPr>
         <p:spPr>
           <a:xfrm>
-            <a:off x="3473939" y="2727422"/>
+            <a:off x="5576590" y="2729089"/>
             <a:ext cx="1463862" cy="400110"/>
           </a:xfrm>
           <a:prstGeom prst="rect">
             <a:avLst/>
           </a:prstGeom>
-          <a:noFill/>
+          <a:effectLst>
+            <a:outerShdw blurRad="63500" sx="102000" sy="102000" algn="ctr" rotWithShape="0">
+              <a:prstClr val="black">
+                <a:alpha val="40000"/>
+              </a:prstClr>
+            </a:outerShdw>
+          </a:effectLst>
         </p:spPr>
+        <p:style>
+          <a:lnRef idx="2">
+            <a:schemeClr val="accent1">
+              <a:shade val="50000"/>
+            </a:schemeClr>
+          </a:lnRef>
+          <a:fillRef idx="1">
+            <a:schemeClr val="accent1"/>
+          </a:fillRef>
+          <a:effectRef idx="0">
+            <a:schemeClr val="accent1"/>
+          </a:effectRef>
+          <a:fontRef idx="minor">
+            <a:schemeClr val="lt1"/>
+          </a:fontRef>
+        </p:style>
         <p:txBody>
           <a:bodyPr wrap="none" rtlCol="0">
             <a:spAutoFit/>
@@ -6067,14 +8833,36 @@
         </p:nvSpPr>
         <p:spPr>
           <a:xfrm>
-            <a:off x="5709750" y="2735811"/>
-            <a:ext cx="1863011" cy="400110"/>
+            <a:off x="3358142" y="2720271"/>
+            <a:ext cx="1570609" cy="442674"/>
           </a:xfrm>
-          <a:prstGeom prst="rect">
+          <a:prstGeom prst="roundRect">
             <a:avLst/>
           </a:prstGeom>
-          <a:noFill/>
+          <a:effectLst>
+            <a:outerShdw blurRad="63500" sx="102000" sy="102000" algn="ctr" rotWithShape="0">
+              <a:prstClr val="black">
+                <a:alpha val="40000"/>
+              </a:prstClr>
+            </a:outerShdw>
+          </a:effectLst>
         </p:spPr>
+        <p:style>
+          <a:lnRef idx="2">
+            <a:schemeClr val="accent1">
+              <a:shade val="50000"/>
+            </a:schemeClr>
+          </a:lnRef>
+          <a:fillRef idx="1">
+            <a:schemeClr val="accent1"/>
+          </a:fillRef>
+          <a:effectRef idx="0">
+            <a:schemeClr val="accent1"/>
+          </a:effectRef>
+          <a:fontRef idx="minor">
+            <a:schemeClr val="lt1"/>
+          </a:fontRef>
+        </p:style>
         <p:txBody>
           <a:bodyPr wrap="none" rtlCol="0">
             <a:spAutoFit/>
@@ -6082,12 +8870,8 @@
           <a:lstStyle/>
           <a:p>
             <a:r>
-              <a:rPr lang="en-US" altLang="ko-KR" sz="2000" dirty="0" err="1"/>
-              <a:t>Hierachy</a:t>
-            </a:r>
-            <a:r>
-              <a:rPr lang="en-US" altLang="ko-KR" sz="2000" dirty="0"/>
-              <a:t> Class</a:t>
+              <a:rPr lang="en-US" altLang="ko-KR" sz="2000"/>
+              <a:t>Scene Class</a:t>
             </a:r>
             <a:endParaRPr lang="ko-KR" altLang="en-US" sz="2000" dirty="0"/>
           </a:p>
@@ -6107,14 +8891,36 @@
         </p:nvSpPr>
         <p:spPr>
           <a:xfrm>
-            <a:off x="8089876" y="2735811"/>
+            <a:off x="7667725" y="2729089"/>
             <a:ext cx="1902893" cy="400110"/>
           </a:xfrm>
           <a:prstGeom prst="rect">
             <a:avLst/>
           </a:prstGeom>
-          <a:noFill/>
+          <a:effectLst>
+            <a:outerShdw blurRad="63500" sx="102000" sy="102000" algn="ctr" rotWithShape="0">
+              <a:prstClr val="black">
+                <a:alpha val="40000"/>
+              </a:prstClr>
+            </a:outerShdw>
+          </a:effectLst>
         </p:spPr>
+        <p:style>
+          <a:lnRef idx="2">
+            <a:schemeClr val="accent1">
+              <a:shade val="50000"/>
+            </a:schemeClr>
+          </a:lnRef>
+          <a:fillRef idx="1">
+            <a:schemeClr val="accent1"/>
+          </a:fillRef>
+          <a:effectRef idx="0">
+            <a:schemeClr val="accent1"/>
+          </a:effectRef>
+          <a:fontRef idx="minor">
+            <a:schemeClr val="lt1"/>
+          </a:fontRef>
+        </p:style>
         <p:txBody>
           <a:bodyPr wrap="none" rtlCol="0">
             <a:spAutoFit/>
@@ -6143,14 +8949,36 @@
         </p:nvSpPr>
         <p:spPr>
           <a:xfrm>
-            <a:off x="1335963" y="3859720"/>
+            <a:off x="1352849" y="3494850"/>
             <a:ext cx="1244251" cy="369332"/>
           </a:xfrm>
           <a:prstGeom prst="rect">
             <a:avLst/>
           </a:prstGeom>
-          <a:noFill/>
+          <a:effectLst>
+            <a:outerShdw blurRad="63500" sx="102000" sy="102000" algn="ctr" rotWithShape="0">
+              <a:prstClr val="black">
+                <a:alpha val="40000"/>
+              </a:prstClr>
+            </a:outerShdw>
+          </a:effectLst>
         </p:spPr>
+        <p:style>
+          <a:lnRef idx="2">
+            <a:schemeClr val="accent2">
+              <a:shade val="50000"/>
+            </a:schemeClr>
+          </a:lnRef>
+          <a:fillRef idx="1">
+            <a:schemeClr val="accent2"/>
+          </a:fillRef>
+          <a:effectRef idx="0">
+            <a:schemeClr val="accent2"/>
+          </a:effectRef>
+          <a:fontRef idx="minor">
+            <a:schemeClr val="lt1"/>
+          </a:fontRef>
+        </p:style>
         <p:txBody>
           <a:bodyPr wrap="none" rtlCol="0">
             <a:spAutoFit/>
@@ -6179,14 +9007,36 @@
         </p:nvSpPr>
         <p:spPr>
           <a:xfrm>
-            <a:off x="8576868" y="3832671"/>
+            <a:off x="7596507" y="3544136"/>
             <a:ext cx="752129" cy="369332"/>
           </a:xfrm>
           <a:prstGeom prst="rect">
             <a:avLst/>
           </a:prstGeom>
-          <a:noFill/>
+          <a:effectLst>
+            <a:outerShdw blurRad="63500" sx="102000" sy="102000" algn="ctr" rotWithShape="0">
+              <a:prstClr val="black">
+                <a:alpha val="40000"/>
+              </a:prstClr>
+            </a:outerShdw>
+          </a:effectLst>
         </p:spPr>
+        <p:style>
+          <a:lnRef idx="2">
+            <a:schemeClr val="accent2">
+              <a:shade val="50000"/>
+            </a:schemeClr>
+          </a:lnRef>
+          <a:fillRef idx="1">
+            <a:schemeClr val="accent2"/>
+          </a:fillRef>
+          <a:effectRef idx="0">
+            <a:schemeClr val="accent2"/>
+          </a:effectRef>
+          <a:fontRef idx="minor">
+            <a:schemeClr val="lt1"/>
+          </a:fontRef>
+        </p:style>
         <p:txBody>
           <a:bodyPr wrap="none" rtlCol="0">
             <a:spAutoFit/>
@@ -6215,14 +9065,36 @@
         </p:nvSpPr>
         <p:spPr>
           <a:xfrm>
-            <a:off x="7625710" y="3832671"/>
+            <a:off x="6471881" y="3553309"/>
             <a:ext cx="928331" cy="369332"/>
           </a:xfrm>
           <a:prstGeom prst="rect">
             <a:avLst/>
           </a:prstGeom>
-          <a:noFill/>
+          <a:effectLst>
+            <a:outerShdw blurRad="63500" sx="102000" sy="102000" algn="ctr" rotWithShape="0">
+              <a:prstClr val="black">
+                <a:alpha val="40000"/>
+              </a:prstClr>
+            </a:outerShdw>
+          </a:effectLst>
         </p:spPr>
+        <p:style>
+          <a:lnRef idx="2">
+            <a:schemeClr val="accent2">
+              <a:shade val="50000"/>
+            </a:schemeClr>
+          </a:lnRef>
+          <a:fillRef idx="1">
+            <a:schemeClr val="accent2"/>
+          </a:fillRef>
+          <a:effectRef idx="0">
+            <a:schemeClr val="accent2"/>
+          </a:effectRef>
+          <a:fontRef idx="minor">
+            <a:schemeClr val="lt1"/>
+          </a:fontRef>
+        </p:style>
         <p:txBody>
           <a:bodyPr wrap="none" rtlCol="0">
             <a:spAutoFit/>
@@ -6251,14 +9123,36 @@
         </p:nvSpPr>
         <p:spPr>
           <a:xfrm>
-            <a:off x="9362179" y="3832671"/>
+            <a:off x="8493284" y="3544136"/>
             <a:ext cx="907621" cy="369332"/>
           </a:xfrm>
           <a:prstGeom prst="rect">
             <a:avLst/>
           </a:prstGeom>
-          <a:noFill/>
+          <a:effectLst>
+            <a:outerShdw blurRad="63500" sx="102000" sy="102000" algn="ctr" rotWithShape="0">
+              <a:prstClr val="black">
+                <a:alpha val="40000"/>
+              </a:prstClr>
+            </a:outerShdw>
+          </a:effectLst>
         </p:spPr>
+        <p:style>
+          <a:lnRef idx="2">
+            <a:schemeClr val="accent2">
+              <a:shade val="50000"/>
+            </a:schemeClr>
+          </a:lnRef>
+          <a:fillRef idx="1">
+            <a:schemeClr val="accent2"/>
+          </a:fillRef>
+          <a:effectRef idx="0">
+            <a:schemeClr val="accent2"/>
+          </a:effectRef>
+          <a:fontRef idx="minor">
+            <a:schemeClr val="lt1"/>
+          </a:fontRef>
+        </p:style>
         <p:txBody>
           <a:bodyPr wrap="none" rtlCol="0">
             <a:spAutoFit/>
@@ -6287,14 +9181,36 @@
         </p:nvSpPr>
         <p:spPr>
           <a:xfrm>
-            <a:off x="10302982" y="3822185"/>
+            <a:off x="9528868" y="3554310"/>
             <a:ext cx="1032334" cy="369332"/>
           </a:xfrm>
           <a:prstGeom prst="rect">
             <a:avLst/>
           </a:prstGeom>
-          <a:noFill/>
+          <a:effectLst>
+            <a:outerShdw blurRad="63500" sx="102000" sy="102000" algn="ctr" rotWithShape="0">
+              <a:prstClr val="black">
+                <a:alpha val="40000"/>
+              </a:prstClr>
+            </a:outerShdw>
+          </a:effectLst>
         </p:spPr>
+        <p:style>
+          <a:lnRef idx="2">
+            <a:schemeClr val="accent2">
+              <a:shade val="50000"/>
+            </a:schemeClr>
+          </a:lnRef>
+          <a:fillRef idx="1">
+            <a:schemeClr val="accent2"/>
+          </a:fillRef>
+          <a:effectRef idx="0">
+            <a:schemeClr val="accent2"/>
+          </a:effectRef>
+          <a:fontRef idx="minor">
+            <a:schemeClr val="lt1"/>
+          </a:fontRef>
+        </p:style>
         <p:txBody>
           <a:bodyPr wrap="none" rtlCol="0">
             <a:spAutoFit/>
@@ -6323,14 +9239,36 @@
         </p:nvSpPr>
         <p:spPr>
           <a:xfrm>
-            <a:off x="5902110" y="3832671"/>
+            <a:off x="3479621" y="3494850"/>
             <a:ext cx="1478290" cy="369332"/>
           </a:xfrm>
           <a:prstGeom prst="rect">
             <a:avLst/>
           </a:prstGeom>
-          <a:noFill/>
+          <a:effectLst>
+            <a:outerShdw blurRad="63500" sx="102000" sy="102000" algn="ctr" rotWithShape="0">
+              <a:prstClr val="black">
+                <a:alpha val="40000"/>
+              </a:prstClr>
+            </a:outerShdw>
+          </a:effectLst>
         </p:spPr>
+        <p:style>
+          <a:lnRef idx="2">
+            <a:schemeClr val="accent2">
+              <a:shade val="50000"/>
+            </a:schemeClr>
+          </a:lnRef>
+          <a:fillRef idx="1">
+            <a:schemeClr val="accent2"/>
+          </a:fillRef>
+          <a:effectRef idx="0">
+            <a:schemeClr val="accent2"/>
+          </a:effectRef>
+          <a:fontRef idx="minor">
+            <a:schemeClr val="lt1"/>
+          </a:fontRef>
+        </p:style>
         <p:txBody>
           <a:bodyPr wrap="none" rtlCol="0">
             <a:spAutoFit/>
@@ -6338,7 +9276,7 @@
           <a:lstStyle/>
           <a:p>
             <a:r>
-              <a:rPr lang="en-US" altLang="ko-KR" dirty="0" err="1"/>
+              <a:rPr lang="en-US" altLang="ko-KR"/>
               <a:t>GameObject</a:t>
             </a:r>
             <a:endParaRPr lang="ko-KR" altLang="en-US" dirty="0"/>
@@ -6359,14 +9297,36 @@
         </p:nvSpPr>
         <p:spPr>
           <a:xfrm>
-            <a:off x="5940418" y="4785178"/>
+            <a:off x="3510078" y="4229833"/>
             <a:ext cx="1417376" cy="369332"/>
           </a:xfrm>
           <a:prstGeom prst="rect">
             <a:avLst/>
           </a:prstGeom>
-          <a:noFill/>
+          <a:effectLst>
+            <a:outerShdw blurRad="63500" sx="102000" sy="102000" algn="ctr" rotWithShape="0">
+              <a:prstClr val="black">
+                <a:alpha val="40000"/>
+              </a:prstClr>
+            </a:outerShdw>
+          </a:effectLst>
         </p:spPr>
+        <p:style>
+          <a:lnRef idx="2">
+            <a:schemeClr val="accent3">
+              <a:shade val="50000"/>
+            </a:schemeClr>
+          </a:lnRef>
+          <a:fillRef idx="1">
+            <a:schemeClr val="accent3"/>
+          </a:fillRef>
+          <a:effectRef idx="0">
+            <a:schemeClr val="accent3"/>
+          </a:effectRef>
+          <a:fontRef idx="minor">
+            <a:schemeClr val="lt1"/>
+          </a:fontRef>
+        </p:style>
         <p:txBody>
           <a:bodyPr wrap="none" rtlCol="0">
             <a:spAutoFit/>
@@ -6382,154 +9342,49 @@
           </a:p>
         </p:txBody>
       </p:sp>
-      <p:sp>
-        <p:nvSpPr>
-          <p:cNvPr id="17" name="TextBox 16">
+      <p:cxnSp>
+        <p:nvCxnSpPr>
+          <p:cNvPr id="31" name="직선 화살표 연결선 30">
             <a:extLst>
               <a:ext uri="{FF2B5EF4-FFF2-40B4-BE49-F238E27FC236}">
-                <a16:creationId xmlns:a16="http://schemas.microsoft.com/office/drawing/2014/main" id="{D53C9CAD-50E3-4EAA-A04C-5D2EA7D78644}"/>
-              </a:ext>
-            </a:extLst>
-          </p:cNvPr>
-          <p:cNvSpPr txBox="1"/>
-          <p:nvPr/>
-        </p:nvSpPr>
-        <p:spPr>
-          <a:xfrm>
-            <a:off x="5032878" y="5680346"/>
-            <a:ext cx="979755" cy="369332"/>
-          </a:xfrm>
-          <a:prstGeom prst="rect">
-            <a:avLst/>
-          </a:prstGeom>
-          <a:noFill/>
-        </p:spPr>
-        <p:txBody>
-          <a:bodyPr wrap="none" rtlCol="0">
-            <a:spAutoFit/>
-          </a:bodyPr>
-          <a:lstStyle/>
-          <a:p>
-            <a:r>
-              <a:rPr lang="en-US" altLang="ko-KR" dirty="0"/>
-              <a:t>Camera</a:t>
-            </a:r>
-            <a:endParaRPr lang="ko-KR" altLang="en-US" dirty="0"/>
-          </a:p>
-        </p:txBody>
-      </p:sp>
-      <p:sp>
-        <p:nvSpPr>
-          <p:cNvPr id="18" name="TextBox 17">
-            <a:extLst>
-              <a:ext uri="{FF2B5EF4-FFF2-40B4-BE49-F238E27FC236}">
-                <a16:creationId xmlns:a16="http://schemas.microsoft.com/office/drawing/2014/main" id="{A4104CE1-9BE8-4A0D-A261-5257D1E0D6D6}"/>
-              </a:ext>
-            </a:extLst>
-          </p:cNvPr>
-          <p:cNvSpPr txBox="1"/>
-          <p:nvPr/>
-        </p:nvSpPr>
-        <p:spPr>
-          <a:xfrm>
-            <a:off x="5905441" y="5673996"/>
-            <a:ext cx="1487330" cy="369332"/>
-          </a:xfrm>
-          <a:prstGeom prst="rect">
-            <a:avLst/>
-          </a:prstGeom>
-          <a:noFill/>
-        </p:spPr>
-        <p:txBody>
-          <a:bodyPr wrap="none" rtlCol="0">
-            <a:spAutoFit/>
-          </a:bodyPr>
-          <a:lstStyle/>
-          <a:p>
-            <a:r>
-              <a:rPr lang="en-US" altLang="ko-KR" dirty="0" err="1"/>
-              <a:t>MeshRender</a:t>
-            </a:r>
-            <a:endParaRPr lang="ko-KR" altLang="en-US" dirty="0"/>
-          </a:p>
-        </p:txBody>
-      </p:sp>
-      <p:sp>
-        <p:nvSpPr>
-          <p:cNvPr id="19" name="TextBox 18">
-            <a:extLst>
-              <a:ext uri="{FF2B5EF4-FFF2-40B4-BE49-F238E27FC236}">
-                <a16:creationId xmlns:a16="http://schemas.microsoft.com/office/drawing/2014/main" id="{233CBB9C-4EEF-4901-8D70-DB18C9D478FF}"/>
-              </a:ext>
-            </a:extLst>
-          </p:cNvPr>
-          <p:cNvSpPr txBox="1"/>
-          <p:nvPr/>
-        </p:nvSpPr>
-        <p:spPr>
-          <a:xfrm>
-            <a:off x="7318855" y="5671957"/>
-            <a:ext cx="704039" cy="369332"/>
-          </a:xfrm>
-          <a:prstGeom prst="rect">
-            <a:avLst/>
-          </a:prstGeom>
-          <a:noFill/>
-        </p:spPr>
-        <p:txBody>
-          <a:bodyPr wrap="none" rtlCol="0">
-            <a:spAutoFit/>
-          </a:bodyPr>
-          <a:lstStyle/>
-          <a:p>
-            <a:r>
-              <a:rPr lang="en-US" altLang="ko-KR" dirty="0"/>
-              <a:t>Light</a:t>
-            </a:r>
-            <a:endParaRPr lang="ko-KR" altLang="en-US" dirty="0"/>
-          </a:p>
-        </p:txBody>
-      </p:sp>
-      <p:cxnSp>
-        <p:nvCxnSpPr>
-          <p:cNvPr id="21" name="연결선: 꺾임 20">
-            <a:extLst>
-              <a:ext uri="{FF2B5EF4-FFF2-40B4-BE49-F238E27FC236}">
-                <a16:creationId xmlns:a16="http://schemas.microsoft.com/office/drawing/2014/main" id="{71220645-42ED-45E8-89C5-81A1135D2F43}"/>
+                <a16:creationId xmlns:a16="http://schemas.microsoft.com/office/drawing/2014/main" id="{F017A506-A747-4EBA-B45D-A2F6CE601E8B}"/>
               </a:ext>
             </a:extLst>
           </p:cNvPr>
           <p:cNvCxnSpPr>
-            <a:cxnSpLocks/>
-            <a:stCxn id="2" idx="2"/>
-            <a:endCxn id="4" idx="0"/>
+            <a:stCxn id="15" idx="2"/>
+            <a:endCxn id="16" idx="0"/>
           </p:cNvCxnSpPr>
           <p:nvPr/>
         </p:nvCxnSpPr>
         <p:spPr>
-          <a:xfrm rot="5400000">
-            <a:off x="3409883" y="640005"/>
-            <a:ext cx="644014" cy="3547599"/>
+          <a:xfrm>
+            <a:off x="4218766" y="3864182"/>
+            <a:ext cx="0" cy="365651"/>
           </a:xfrm>
-          <a:prstGeom prst="bentConnector3">
+          <a:prstGeom prst="straightConnector1">
             <a:avLst/>
           </a:prstGeom>
           <a:ln>
-            <a:solidFill>
-              <a:schemeClr val="tx1"/>
-            </a:solidFill>
             <a:tailEnd type="triangle"/>
           </a:ln>
+          <a:effectLst>
+            <a:outerShdw blurRad="63500" sx="102000" sy="102000" algn="ctr" rotWithShape="0">
+              <a:prstClr val="black">
+                <a:alpha val="40000"/>
+              </a:prstClr>
+            </a:outerShdw>
+          </a:effectLst>
         </p:spPr>
         <p:style>
           <a:lnRef idx="1">
-            <a:schemeClr val="accent1"/>
+            <a:schemeClr val="dk1"/>
           </a:lnRef>
           <a:fillRef idx="0">
-            <a:schemeClr val="accent1"/>
+            <a:schemeClr val="dk1"/>
           </a:fillRef>
           <a:effectRef idx="0">
-            <a:schemeClr val="accent1"/>
+            <a:schemeClr val="dk1"/>
           </a:effectRef>
           <a:fontRef idx="minor">
             <a:schemeClr val="tx1"/>
@@ -6538,43 +9393,48 @@
       </p:cxnSp>
       <p:cxnSp>
         <p:nvCxnSpPr>
-          <p:cNvPr id="23" name="연결선: 꺾임 22">
+          <p:cNvPr id="37" name="직선 화살표 연결선 36">
             <a:extLst>
               <a:ext uri="{FF2B5EF4-FFF2-40B4-BE49-F238E27FC236}">
-                <a16:creationId xmlns:a16="http://schemas.microsoft.com/office/drawing/2014/main" id="{A5AE9C95-7EF8-4C9C-93CD-C1F5DC65EE3A}"/>
+                <a16:creationId xmlns:a16="http://schemas.microsoft.com/office/drawing/2014/main" id="{16DA427F-FA78-4847-908B-F351F5C24BD1}"/>
               </a:ext>
             </a:extLst>
           </p:cNvPr>
           <p:cNvCxnSpPr>
-            <a:stCxn id="2" idx="2"/>
-            <a:endCxn id="6" idx="0"/>
+            <a:cxnSpLocks/>
+            <a:stCxn id="7" idx="2"/>
+            <a:endCxn id="15" idx="0"/>
           </p:cNvCxnSpPr>
           <p:nvPr/>
         </p:nvCxnSpPr>
         <p:spPr>
-          <a:xfrm rot="5400000">
-            <a:off x="4537968" y="1759700"/>
-            <a:ext cx="635625" cy="1299819"/>
+          <a:xfrm>
+            <a:off x="4143447" y="3162945"/>
+            <a:ext cx="75319" cy="331905"/>
           </a:xfrm>
-          <a:prstGeom prst="bentConnector3">
+          <a:prstGeom prst="straightConnector1">
             <a:avLst/>
           </a:prstGeom>
           <a:ln>
-            <a:solidFill>
-              <a:schemeClr val="tx1"/>
-            </a:solidFill>
             <a:tailEnd type="triangle"/>
           </a:ln>
+          <a:effectLst>
+            <a:outerShdw blurRad="63500" sx="102000" sy="102000" algn="ctr" rotWithShape="0">
+              <a:prstClr val="black">
+                <a:alpha val="40000"/>
+              </a:prstClr>
+            </a:outerShdw>
+          </a:effectLst>
         </p:spPr>
         <p:style>
           <a:lnRef idx="1">
-            <a:schemeClr val="accent1"/>
+            <a:schemeClr val="dk1"/>
           </a:lnRef>
           <a:fillRef idx="0">
-            <a:schemeClr val="accent1"/>
+            <a:schemeClr val="dk1"/>
           </a:fillRef>
           <a:effectRef idx="0">
-            <a:schemeClr val="accent1"/>
+            <a:schemeClr val="dk1"/>
           </a:effectRef>
           <a:fontRef idx="minor">
             <a:schemeClr val="tx1"/>
@@ -6583,43 +9443,47 @@
       </p:cxnSp>
       <p:cxnSp>
         <p:nvCxnSpPr>
-          <p:cNvPr id="25" name="연결선: 꺾임 24">
+          <p:cNvPr id="83" name="연결선: 꺾임 82">
             <a:extLst>
               <a:ext uri="{FF2B5EF4-FFF2-40B4-BE49-F238E27FC236}">
-                <a16:creationId xmlns:a16="http://schemas.microsoft.com/office/drawing/2014/main" id="{834242F3-777A-4AB8-A956-C17FC1AE4629}"/>
+                <a16:creationId xmlns:a16="http://schemas.microsoft.com/office/drawing/2014/main" id="{291A2F87-FD65-43BD-98B8-48A2D4ED3541}"/>
               </a:ext>
             </a:extLst>
           </p:cNvPr>
           <p:cNvCxnSpPr>
-            <a:stCxn id="2" idx="2"/>
+            <a:cxnSpLocks/>
             <a:endCxn id="8" idx="0"/>
           </p:cNvCxnSpPr>
           <p:nvPr/>
         </p:nvCxnSpPr>
         <p:spPr>
-          <a:xfrm rot="16200000" flipH="1">
-            <a:off x="6951499" y="645987"/>
-            <a:ext cx="644014" cy="3535634"/>
+          <a:xfrm>
+            <a:off x="5505688" y="2407613"/>
+            <a:ext cx="3113484" cy="321476"/>
           </a:xfrm>
-          <a:prstGeom prst="bentConnector3">
+          <a:prstGeom prst="bentConnector2">
             <a:avLst/>
           </a:prstGeom>
           <a:ln>
-            <a:solidFill>
-              <a:schemeClr val="tx1"/>
-            </a:solidFill>
             <a:tailEnd type="triangle"/>
           </a:ln>
+          <a:effectLst>
+            <a:outerShdw blurRad="63500" sx="102000" sy="102000" algn="ctr" rotWithShape="0">
+              <a:prstClr val="black">
+                <a:alpha val="40000"/>
+              </a:prstClr>
+            </a:outerShdw>
+          </a:effectLst>
         </p:spPr>
         <p:style>
           <a:lnRef idx="1">
-            <a:schemeClr val="accent1"/>
+            <a:schemeClr val="dk1"/>
           </a:lnRef>
           <a:fillRef idx="0">
-            <a:schemeClr val="accent1"/>
+            <a:schemeClr val="dk1"/>
           </a:fillRef>
           <a:effectRef idx="0">
-            <a:schemeClr val="accent1"/>
+            <a:schemeClr val="dk1"/>
           </a:effectRef>
           <a:fontRef idx="minor">
             <a:schemeClr val="tx1"/>
@@ -6628,43 +9492,49 @@
       </p:cxnSp>
       <p:cxnSp>
         <p:nvCxnSpPr>
-          <p:cNvPr id="27" name="연결선: 꺾임 26">
+          <p:cNvPr id="87" name="연결선: 꺾임 86">
             <a:extLst>
               <a:ext uri="{FF2B5EF4-FFF2-40B4-BE49-F238E27FC236}">
-                <a16:creationId xmlns:a16="http://schemas.microsoft.com/office/drawing/2014/main" id="{2CC43042-58D6-4DE2-A4D3-970B9C8262A3}"/>
+                <a16:creationId xmlns:a16="http://schemas.microsoft.com/office/drawing/2014/main" id="{52429933-2E72-4DAC-AE20-6111524D5558}"/>
               </a:ext>
             </a:extLst>
           </p:cNvPr>
           <p:cNvCxnSpPr>
+            <a:cxnSpLocks/>
             <a:stCxn id="2" idx="2"/>
-            <a:endCxn id="7" idx="0"/>
           </p:cNvCxnSpPr>
           <p:nvPr/>
         </p:nvCxnSpPr>
         <p:spPr>
-          <a:xfrm rot="16200000" flipH="1">
-            <a:off x="5751465" y="1846020"/>
-            <a:ext cx="644014" cy="1135567"/>
+          <a:xfrm rot="5400000">
+            <a:off x="3418325" y="648447"/>
+            <a:ext cx="644014" cy="3530714"/>
           </a:xfrm>
           <a:prstGeom prst="bentConnector3">
-            <a:avLst/>
+            <a:avLst>
+              <a:gd name="adj1" fmla="val 50000"/>
+            </a:avLst>
           </a:prstGeom>
           <a:ln>
-            <a:solidFill>
-              <a:schemeClr val="tx1"/>
-            </a:solidFill>
             <a:tailEnd type="triangle"/>
           </a:ln>
+          <a:effectLst>
+            <a:outerShdw blurRad="63500" sx="102000" sy="102000" algn="ctr" rotWithShape="0">
+              <a:prstClr val="black">
+                <a:alpha val="40000"/>
+              </a:prstClr>
+            </a:outerShdw>
+          </a:effectLst>
         </p:spPr>
         <p:style>
           <a:lnRef idx="1">
-            <a:schemeClr val="accent1"/>
+            <a:schemeClr val="dk1"/>
           </a:lnRef>
           <a:fillRef idx="0">
-            <a:schemeClr val="accent1"/>
+            <a:schemeClr val="dk1"/>
           </a:fillRef>
           <a:effectRef idx="0">
-            <a:schemeClr val="accent1"/>
+            <a:schemeClr val="dk1"/>
           </a:effectRef>
           <a:fontRef idx="minor">
             <a:schemeClr val="tx1"/>
@@ -6673,24 +9543,162 @@
       </p:cxnSp>
       <p:cxnSp>
         <p:nvCxnSpPr>
-          <p:cNvPr id="29" name="연결선: 꺾임 28">
+          <p:cNvPr id="94" name="직선 화살표 연결선 93">
             <a:extLst>
               <a:ext uri="{FF2B5EF4-FFF2-40B4-BE49-F238E27FC236}">
-                <a16:creationId xmlns:a16="http://schemas.microsoft.com/office/drawing/2014/main" id="{D383D7F1-63B3-4396-A6BA-8B0ECDC6B9C9}"/>
+                <a16:creationId xmlns:a16="http://schemas.microsoft.com/office/drawing/2014/main" id="{B35AF898-A50C-4583-9BCC-FBD55022145B}"/>
               </a:ext>
             </a:extLst>
           </p:cNvPr>
           <p:cNvCxnSpPr>
             <a:cxnSpLocks/>
+            <a:endCxn id="7" idx="0"/>
+          </p:cNvCxnSpPr>
+          <p:nvPr/>
+        </p:nvCxnSpPr>
+        <p:spPr>
+          <a:xfrm>
+            <a:off x="4143446" y="2407613"/>
+            <a:ext cx="1" cy="312658"/>
+          </a:xfrm>
+          <a:prstGeom prst="straightConnector1">
+            <a:avLst/>
+          </a:prstGeom>
+          <a:ln>
+            <a:tailEnd type="triangle"/>
+          </a:ln>
+          <a:effectLst>
+            <a:outerShdw blurRad="63500" sx="102000" sy="102000" algn="ctr" rotWithShape="0">
+              <a:prstClr val="black">
+                <a:alpha val="40000"/>
+              </a:prstClr>
+            </a:outerShdw>
+          </a:effectLst>
+        </p:spPr>
+        <p:style>
+          <a:lnRef idx="1">
+            <a:schemeClr val="dk1"/>
+          </a:lnRef>
+          <a:fillRef idx="0">
+            <a:schemeClr val="dk1"/>
+          </a:fillRef>
+          <a:effectRef idx="0">
+            <a:schemeClr val="dk1"/>
+          </a:effectRef>
+          <a:fontRef idx="minor">
+            <a:schemeClr val="tx1"/>
+          </a:fontRef>
+        </p:style>
+      </p:cxnSp>
+      <p:cxnSp>
+        <p:nvCxnSpPr>
+          <p:cNvPr id="96" name="직선 화살표 연결선 95">
+            <a:extLst>
+              <a:ext uri="{FF2B5EF4-FFF2-40B4-BE49-F238E27FC236}">
+                <a16:creationId xmlns:a16="http://schemas.microsoft.com/office/drawing/2014/main" id="{A4D27012-30BE-4E56-AEF7-347670B0F4A5}"/>
+              </a:ext>
+            </a:extLst>
+          </p:cNvPr>
+          <p:cNvCxnSpPr>
+            <a:cxnSpLocks/>
+          </p:cNvCxnSpPr>
+          <p:nvPr/>
+        </p:nvCxnSpPr>
+        <p:spPr>
+          <a:xfrm>
+            <a:off x="6305483" y="2413804"/>
+            <a:ext cx="0" cy="315285"/>
+          </a:xfrm>
+          <a:prstGeom prst="straightConnector1">
+            <a:avLst/>
+          </a:prstGeom>
+          <a:ln>
+            <a:tailEnd type="triangle"/>
+          </a:ln>
+          <a:effectLst>
+            <a:outerShdw blurRad="63500" sx="102000" sy="102000" algn="ctr" rotWithShape="0">
+              <a:prstClr val="black">
+                <a:alpha val="40000"/>
+              </a:prstClr>
+            </a:outerShdw>
+          </a:effectLst>
+        </p:spPr>
+        <p:style>
+          <a:lnRef idx="1">
+            <a:schemeClr val="dk1"/>
+          </a:lnRef>
+          <a:fillRef idx="0">
+            <a:schemeClr val="dk1"/>
+          </a:fillRef>
+          <a:effectRef idx="0">
+            <a:schemeClr val="dk1"/>
+          </a:effectRef>
+          <a:fontRef idx="minor">
+            <a:schemeClr val="tx1"/>
+          </a:fontRef>
+        </p:style>
+      </p:cxnSp>
+      <p:cxnSp>
+        <p:nvCxnSpPr>
+          <p:cNvPr id="432" name="직선 화살표 연결선 431">
+            <a:extLst>
+              <a:ext uri="{FF2B5EF4-FFF2-40B4-BE49-F238E27FC236}">
+                <a16:creationId xmlns:a16="http://schemas.microsoft.com/office/drawing/2014/main" id="{B5C5BD37-C184-403D-B9C6-EDB06010DE4C}"/>
+              </a:ext>
+            </a:extLst>
+          </p:cNvPr>
+          <p:cNvCxnSpPr>
             <a:stCxn id="4" idx="2"/>
             <a:endCxn id="10" idx="0"/>
           </p:cNvCxnSpPr>
           <p:nvPr/>
         </p:nvCxnSpPr>
         <p:spPr>
+          <a:xfrm>
+            <a:off x="1974975" y="3178485"/>
+            <a:ext cx="0" cy="316365"/>
+          </a:xfrm>
+          <a:prstGeom prst="straightConnector1">
+            <a:avLst/>
+          </a:prstGeom>
+          <a:ln>
+            <a:tailEnd type="triangle"/>
+          </a:ln>
+        </p:spPr>
+        <p:style>
+          <a:lnRef idx="1">
+            <a:schemeClr val="dk1"/>
+          </a:lnRef>
+          <a:fillRef idx="0">
+            <a:schemeClr val="dk1"/>
+          </a:fillRef>
+          <a:effectRef idx="0">
+            <a:schemeClr val="dk1"/>
+          </a:effectRef>
+          <a:fontRef idx="minor">
+            <a:schemeClr val="tx1"/>
+          </a:fontRef>
+        </p:style>
+      </p:cxnSp>
+      <p:cxnSp>
+        <p:nvCxnSpPr>
+          <p:cNvPr id="437" name="연결선: 꺾임 436">
+            <a:extLst>
+              <a:ext uri="{FF2B5EF4-FFF2-40B4-BE49-F238E27FC236}">
+                <a16:creationId xmlns:a16="http://schemas.microsoft.com/office/drawing/2014/main" id="{E12E9E61-DEF0-4156-88F8-26E76AC6226F}"/>
+              </a:ext>
+            </a:extLst>
+          </p:cNvPr>
+          <p:cNvCxnSpPr>
+            <a:stCxn id="8" idx="2"/>
+            <a:endCxn id="12" idx="0"/>
+          </p:cNvCxnSpPr>
+          <p:nvPr/>
+        </p:nvCxnSpPr>
+        <p:spPr>
           <a:xfrm rot="5400000">
-            <a:off x="1596191" y="3497820"/>
-            <a:ext cx="723799" cy="1"/>
+            <a:off x="7565555" y="2499692"/>
+            <a:ext cx="424110" cy="1683125"/>
           </a:xfrm>
           <a:prstGeom prst="bentConnector3">
             <a:avLst/>
@@ -6716,23 +9724,23 @@
       </p:cxnSp>
       <p:cxnSp>
         <p:nvCxnSpPr>
-          <p:cNvPr id="32" name="연결선: 꺾임 31">
+          <p:cNvPr id="439" name="연결선: 꺾임 438">
             <a:extLst>
               <a:ext uri="{FF2B5EF4-FFF2-40B4-BE49-F238E27FC236}">
-                <a16:creationId xmlns:a16="http://schemas.microsoft.com/office/drawing/2014/main" id="{3CE762F8-BB08-44AE-8C55-44E4657C093C}"/>
+                <a16:creationId xmlns:a16="http://schemas.microsoft.com/office/drawing/2014/main" id="{5BD22A4A-F2F2-4953-B8DA-A02051FE6B56}"/>
               </a:ext>
             </a:extLst>
           </p:cNvPr>
           <p:cNvCxnSpPr>
-            <a:stCxn id="7" idx="2"/>
-            <a:endCxn id="15" idx="0"/>
+            <a:stCxn id="8" idx="2"/>
+            <a:endCxn id="11" idx="0"/>
           </p:cNvCxnSpPr>
           <p:nvPr/>
         </p:nvCxnSpPr>
         <p:spPr>
           <a:xfrm rot="5400000">
-            <a:off x="6292881" y="3484296"/>
-            <a:ext cx="696750" cy="1"/>
+            <a:off x="8088404" y="3013367"/>
+            <a:ext cx="414937" cy="646600"/>
           </a:xfrm>
           <a:prstGeom prst="bentConnector3">
             <a:avLst/>
@@ -6758,23 +9766,23 @@
       </p:cxnSp>
       <p:cxnSp>
         <p:nvCxnSpPr>
-          <p:cNvPr id="34" name="연결선: 꺾임 33">
+          <p:cNvPr id="441" name="연결선: 꺾임 440">
             <a:extLst>
               <a:ext uri="{FF2B5EF4-FFF2-40B4-BE49-F238E27FC236}">
-                <a16:creationId xmlns:a16="http://schemas.microsoft.com/office/drawing/2014/main" id="{F091001A-AA96-4F1B-B75D-4BAB16B1DBD5}"/>
+                <a16:creationId xmlns:a16="http://schemas.microsoft.com/office/drawing/2014/main" id="{EFA83A0A-49BA-4510-8FB4-301AE9AFFDBF}"/>
               </a:ext>
             </a:extLst>
           </p:cNvPr>
           <p:cNvCxnSpPr>
-            <a:stCxn id="15" idx="2"/>
-            <a:endCxn id="16" idx="0"/>
+            <a:stCxn id="8" idx="2"/>
+            <a:endCxn id="13" idx="0"/>
           </p:cNvCxnSpPr>
           <p:nvPr/>
         </p:nvCxnSpPr>
         <p:spPr>
           <a:xfrm rot="16200000" flipH="1">
-            <a:off x="6353593" y="4489664"/>
-            <a:ext cx="583175" cy="7851"/>
+            <a:off x="8575665" y="3172705"/>
+            <a:ext cx="414937" cy="327923"/>
           </a:xfrm>
           <a:prstGeom prst="bentConnector3">
             <a:avLst/>
@@ -6800,267 +9808,14 @@
       </p:cxnSp>
       <p:cxnSp>
         <p:nvCxnSpPr>
-          <p:cNvPr id="38" name="연결선: 꺾임 37">
+          <p:cNvPr id="443" name="연결선: 꺾임 442">
             <a:extLst>
               <a:ext uri="{FF2B5EF4-FFF2-40B4-BE49-F238E27FC236}">
-                <a16:creationId xmlns:a16="http://schemas.microsoft.com/office/drawing/2014/main" id="{1D96C86C-81E1-4C8E-824F-AD12C5E03F5F}"/>
+                <a16:creationId xmlns:a16="http://schemas.microsoft.com/office/drawing/2014/main" id="{C1DC7749-4D61-4ACD-8670-7EEB62118133}"/>
               </a:ext>
             </a:extLst>
           </p:cNvPr>
           <p:cNvCxnSpPr>
-            <a:stCxn id="16" idx="2"/>
-            <a:endCxn id="17" idx="0"/>
-          </p:cNvCxnSpPr>
-          <p:nvPr/>
-        </p:nvCxnSpPr>
-        <p:spPr>
-          <a:xfrm rot="5400000">
-            <a:off x="5823013" y="4854253"/>
-            <a:ext cx="525836" cy="1126350"/>
-          </a:xfrm>
-          <a:prstGeom prst="bentConnector3">
-            <a:avLst/>
-          </a:prstGeom>
-          <a:ln>
-            <a:tailEnd type="triangle"/>
-          </a:ln>
-        </p:spPr>
-        <p:style>
-          <a:lnRef idx="1">
-            <a:schemeClr val="dk1"/>
-          </a:lnRef>
-          <a:fillRef idx="0">
-            <a:schemeClr val="dk1"/>
-          </a:fillRef>
-          <a:effectRef idx="0">
-            <a:schemeClr val="dk1"/>
-          </a:effectRef>
-          <a:fontRef idx="minor">
-            <a:schemeClr val="tx1"/>
-          </a:fontRef>
-        </p:style>
-      </p:cxnSp>
-      <p:cxnSp>
-        <p:nvCxnSpPr>
-          <p:cNvPr id="40" name="연결선: 꺾임 39">
-            <a:extLst>
-              <a:ext uri="{FF2B5EF4-FFF2-40B4-BE49-F238E27FC236}">
-                <a16:creationId xmlns:a16="http://schemas.microsoft.com/office/drawing/2014/main" id="{6101D32E-ABB9-459E-B7E1-5E144F3065ED}"/>
-              </a:ext>
-            </a:extLst>
-          </p:cNvPr>
-          <p:cNvCxnSpPr>
-            <a:stCxn id="16" idx="2"/>
-            <a:endCxn id="18" idx="0"/>
-          </p:cNvCxnSpPr>
-          <p:nvPr/>
-        </p:nvCxnSpPr>
-        <p:spPr>
-          <a:xfrm rot="5400000">
-            <a:off x="6389363" y="5414253"/>
-            <a:ext cx="519486" cy="12700"/>
-          </a:xfrm>
-          <a:prstGeom prst="bentConnector3">
-            <a:avLst/>
-          </a:prstGeom>
-          <a:ln>
-            <a:tailEnd type="triangle"/>
-          </a:ln>
-        </p:spPr>
-        <p:style>
-          <a:lnRef idx="1">
-            <a:schemeClr val="dk1"/>
-          </a:lnRef>
-          <a:fillRef idx="0">
-            <a:schemeClr val="dk1"/>
-          </a:fillRef>
-          <a:effectRef idx="0">
-            <a:schemeClr val="dk1"/>
-          </a:effectRef>
-          <a:fontRef idx="minor">
-            <a:schemeClr val="tx1"/>
-          </a:fontRef>
-        </p:style>
-      </p:cxnSp>
-      <p:cxnSp>
-        <p:nvCxnSpPr>
-          <p:cNvPr id="42" name="연결선: 꺾임 41">
-            <a:extLst>
-              <a:ext uri="{FF2B5EF4-FFF2-40B4-BE49-F238E27FC236}">
-                <a16:creationId xmlns:a16="http://schemas.microsoft.com/office/drawing/2014/main" id="{E577810F-93E4-4327-AB79-0CB6B68BC24E}"/>
-              </a:ext>
-            </a:extLst>
-          </p:cNvPr>
-          <p:cNvCxnSpPr>
-            <a:stCxn id="16" idx="2"/>
-            <a:endCxn id="19" idx="0"/>
-          </p:cNvCxnSpPr>
-          <p:nvPr/>
-        </p:nvCxnSpPr>
-        <p:spPr>
-          <a:xfrm rot="16200000" flipH="1">
-            <a:off x="6901267" y="4902348"/>
-            <a:ext cx="517447" cy="1021769"/>
-          </a:xfrm>
-          <a:prstGeom prst="bentConnector3">
-            <a:avLst/>
-          </a:prstGeom>
-          <a:ln>
-            <a:tailEnd type="triangle"/>
-          </a:ln>
-        </p:spPr>
-        <p:style>
-          <a:lnRef idx="1">
-            <a:schemeClr val="dk1"/>
-          </a:lnRef>
-          <a:fillRef idx="0">
-            <a:schemeClr val="dk1"/>
-          </a:fillRef>
-          <a:effectRef idx="0">
-            <a:schemeClr val="dk1"/>
-          </a:effectRef>
-          <a:fontRef idx="minor">
-            <a:schemeClr val="tx1"/>
-          </a:fontRef>
-        </p:style>
-      </p:cxnSp>
-      <p:cxnSp>
-        <p:nvCxnSpPr>
-          <p:cNvPr id="46" name="연결선: 꺾임 45">
-            <a:extLst>
-              <a:ext uri="{FF2B5EF4-FFF2-40B4-BE49-F238E27FC236}">
-                <a16:creationId xmlns:a16="http://schemas.microsoft.com/office/drawing/2014/main" id="{644B6089-8B9C-40A9-BF16-D306575271C9}"/>
-              </a:ext>
-            </a:extLst>
-          </p:cNvPr>
-          <p:cNvCxnSpPr>
-            <a:stCxn id="8" idx="2"/>
-            <a:endCxn id="12" idx="0"/>
-          </p:cNvCxnSpPr>
-          <p:nvPr/>
-        </p:nvCxnSpPr>
-        <p:spPr>
-          <a:xfrm rot="5400000">
-            <a:off x="8217225" y="3008573"/>
-            <a:ext cx="696750" cy="951447"/>
-          </a:xfrm>
-          <a:prstGeom prst="bentConnector3">
-            <a:avLst/>
-          </a:prstGeom>
-          <a:ln>
-            <a:tailEnd type="triangle"/>
-          </a:ln>
-        </p:spPr>
-        <p:style>
-          <a:lnRef idx="1">
-            <a:schemeClr val="dk1"/>
-          </a:lnRef>
-          <a:fillRef idx="0">
-            <a:schemeClr val="dk1"/>
-          </a:fillRef>
-          <a:effectRef idx="0">
-            <a:schemeClr val="dk1"/>
-          </a:effectRef>
-          <a:fontRef idx="minor">
-            <a:schemeClr val="tx1"/>
-          </a:fontRef>
-        </p:style>
-      </p:cxnSp>
-      <p:cxnSp>
-        <p:nvCxnSpPr>
-          <p:cNvPr id="48" name="연결선: 꺾임 47">
-            <a:extLst>
-              <a:ext uri="{FF2B5EF4-FFF2-40B4-BE49-F238E27FC236}">
-                <a16:creationId xmlns:a16="http://schemas.microsoft.com/office/drawing/2014/main" id="{B1AD32B4-7A1C-44A5-AE6A-7EADDA674A6E}"/>
-              </a:ext>
-            </a:extLst>
-          </p:cNvPr>
-          <p:cNvCxnSpPr>
-            <a:stCxn id="8" idx="2"/>
-            <a:endCxn id="11" idx="0"/>
-          </p:cNvCxnSpPr>
-          <p:nvPr/>
-        </p:nvCxnSpPr>
-        <p:spPr>
-          <a:xfrm rot="5400000">
-            <a:off x="8648753" y="3440101"/>
-            <a:ext cx="696750" cy="88390"/>
-          </a:xfrm>
-          <a:prstGeom prst="bentConnector3">
-            <a:avLst/>
-          </a:prstGeom>
-          <a:ln>
-            <a:tailEnd type="triangle"/>
-          </a:ln>
-        </p:spPr>
-        <p:style>
-          <a:lnRef idx="1">
-            <a:schemeClr val="dk1"/>
-          </a:lnRef>
-          <a:fillRef idx="0">
-            <a:schemeClr val="dk1"/>
-          </a:fillRef>
-          <a:effectRef idx="0">
-            <a:schemeClr val="dk1"/>
-          </a:effectRef>
-          <a:fontRef idx="minor">
-            <a:schemeClr val="tx1"/>
-          </a:fontRef>
-        </p:style>
-      </p:cxnSp>
-      <p:cxnSp>
-        <p:nvCxnSpPr>
-          <p:cNvPr id="50" name="연결선: 꺾임 49">
-            <a:extLst>
-              <a:ext uri="{FF2B5EF4-FFF2-40B4-BE49-F238E27FC236}">
-                <a16:creationId xmlns:a16="http://schemas.microsoft.com/office/drawing/2014/main" id="{5BD9266D-FCDF-420B-BC52-FBDCD24DA122}"/>
-              </a:ext>
-            </a:extLst>
-          </p:cNvPr>
-          <p:cNvCxnSpPr>
-            <a:stCxn id="8" idx="2"/>
-            <a:endCxn id="13" idx="0"/>
-          </p:cNvCxnSpPr>
-          <p:nvPr/>
-        </p:nvCxnSpPr>
-        <p:spPr>
-          <a:xfrm rot="16200000" flipH="1">
-            <a:off x="9080281" y="3096962"/>
-            <a:ext cx="696750" cy="774667"/>
-          </a:xfrm>
-          <a:prstGeom prst="bentConnector3">
-            <a:avLst/>
-          </a:prstGeom>
-          <a:ln>
-            <a:tailEnd type="triangle"/>
-          </a:ln>
-        </p:spPr>
-        <p:style>
-          <a:lnRef idx="1">
-            <a:schemeClr val="dk1"/>
-          </a:lnRef>
-          <a:fillRef idx="0">
-            <a:schemeClr val="dk1"/>
-          </a:fillRef>
-          <a:effectRef idx="0">
-            <a:schemeClr val="dk1"/>
-          </a:effectRef>
-          <a:fontRef idx="minor">
-            <a:schemeClr val="tx1"/>
-          </a:fontRef>
-        </p:style>
-      </p:cxnSp>
-      <p:cxnSp>
-        <p:nvCxnSpPr>
-          <p:cNvPr id="52" name="연결선: 꺾임 51">
-            <a:extLst>
-              <a:ext uri="{FF2B5EF4-FFF2-40B4-BE49-F238E27FC236}">
-                <a16:creationId xmlns:a16="http://schemas.microsoft.com/office/drawing/2014/main" id="{19D22882-8263-4397-88F1-9E650B9D7CB6}"/>
-              </a:ext>
-            </a:extLst>
-          </p:cNvPr>
-          <p:cNvCxnSpPr>
-            <a:cxnSpLocks/>
             <a:stCxn id="8" idx="2"/>
             <a:endCxn id="14" idx="0"/>
           </p:cNvCxnSpPr>
@@ -7068,85 +9823,8 @@
         </p:nvCxnSpPr>
         <p:spPr>
           <a:xfrm rot="16200000" flipH="1">
-            <a:off x="9587104" y="2590140"/>
-            <a:ext cx="686264" cy="1777826"/>
-          </a:xfrm>
-          <a:prstGeom prst="bentConnector3">
-            <a:avLst/>
-          </a:prstGeom>
-          <a:ln>
-            <a:tailEnd type="triangle"/>
-          </a:ln>
-        </p:spPr>
-        <p:style>
-          <a:lnRef idx="1">
-            <a:schemeClr val="dk1"/>
-          </a:lnRef>
-          <a:fillRef idx="0">
-            <a:schemeClr val="dk1"/>
-          </a:fillRef>
-          <a:effectRef idx="0">
-            <a:schemeClr val="dk1"/>
-          </a:effectRef>
-          <a:fontRef idx="minor">
-            <a:schemeClr val="tx1"/>
-          </a:fontRef>
-        </p:style>
-      </p:cxnSp>
-      <p:sp>
-        <p:nvSpPr>
-          <p:cNvPr id="43" name="TextBox 42">
-            <a:extLst>
-              <a:ext uri="{FF2B5EF4-FFF2-40B4-BE49-F238E27FC236}">
-                <a16:creationId xmlns:a16="http://schemas.microsoft.com/office/drawing/2014/main" id="{CD8B60DA-4DE6-4B94-893C-3F6AED5645DF}"/>
-              </a:ext>
-            </a:extLst>
-          </p:cNvPr>
-          <p:cNvSpPr txBox="1"/>
-          <p:nvPr/>
-        </p:nvSpPr>
-        <p:spPr>
-          <a:xfrm>
-            <a:off x="3065416" y="5700162"/>
-            <a:ext cx="1967462" cy="369332"/>
-          </a:xfrm>
-          <a:prstGeom prst="rect">
-            <a:avLst/>
-          </a:prstGeom>
-          <a:noFill/>
-        </p:spPr>
-        <p:txBody>
-          <a:bodyPr wrap="none" rtlCol="0">
-            <a:spAutoFit/>
-          </a:bodyPr>
-          <a:lstStyle/>
-          <a:p>
-            <a:r>
-              <a:rPr lang="en-US" altLang="ko-KR" dirty="0" err="1"/>
-              <a:t>VoxelComponent</a:t>
-            </a:r>
-            <a:endParaRPr lang="ko-KR" altLang="en-US" dirty="0"/>
-          </a:p>
-        </p:txBody>
-      </p:sp>
-      <p:cxnSp>
-        <p:nvCxnSpPr>
-          <p:cNvPr id="36" name="연결선: 꺾임 35">
-            <a:extLst>
-              <a:ext uri="{FF2B5EF4-FFF2-40B4-BE49-F238E27FC236}">
-                <a16:creationId xmlns:a16="http://schemas.microsoft.com/office/drawing/2014/main" id="{C89888FC-1F59-49E4-B8CE-1402A5854AD4}"/>
-              </a:ext>
-            </a:extLst>
-          </p:cNvPr>
-          <p:cNvCxnSpPr>
-            <a:cxnSpLocks/>
-          </p:cNvCxnSpPr>
-          <p:nvPr/>
-        </p:nvCxnSpPr>
-        <p:spPr>
-          <a:xfrm rot="5400000">
-            <a:off x="5104417" y="4118967"/>
-            <a:ext cx="545652" cy="2599959"/>
+            <a:off x="9119548" y="2628822"/>
+            <a:ext cx="425111" cy="1425863"/>
           </a:xfrm>
           <a:prstGeom prst="bentConnector3">
             <a:avLst/>
@@ -7184,6 +9862,1125 @@
 </file>
 
 <file path=ppt/slides/slide4.xml><?xml version="1.0" encoding="utf-8"?>
+<p:sld xmlns:a="http://schemas.openxmlformats.org/drawingml/2006/main" xmlns:r="http://schemas.openxmlformats.org/officeDocument/2006/relationships" xmlns:p="http://schemas.openxmlformats.org/presentationml/2006/main">
+  <p:cSld>
+    <p:spTree>
+      <p:nvGrpSpPr>
+        <p:cNvPr id="1" name=""/>
+        <p:cNvGrpSpPr/>
+        <p:nvPr/>
+      </p:nvGrpSpPr>
+      <p:grpSpPr>
+        <a:xfrm>
+          <a:off x="0" y="0"/>
+          <a:ext cx="0" cy="0"/>
+          <a:chOff x="0" y="0"/>
+          <a:chExt cx="0" cy="0"/>
+        </a:xfrm>
+      </p:grpSpPr>
+      <p:sp>
+        <p:nvSpPr>
+          <p:cNvPr id="5" name="제목 4">
+            <a:extLst>
+              <a:ext uri="{FF2B5EF4-FFF2-40B4-BE49-F238E27FC236}">
+                <a16:creationId xmlns:a16="http://schemas.microsoft.com/office/drawing/2014/main" id="{063E9EEA-CCDE-45B9-911F-B9C20D2CB5BF}"/>
+              </a:ext>
+            </a:extLst>
+          </p:cNvPr>
+          <p:cNvSpPr>
+            <a:spLocks noGrp="1"/>
+          </p:cNvSpPr>
+          <p:nvPr>
+            <p:ph type="title"/>
+          </p:nvPr>
+        </p:nvSpPr>
+        <p:spPr>
+          <a:xfrm>
+            <a:off x="327171" y="0"/>
+            <a:ext cx="5981350" cy="1048624"/>
+          </a:xfrm>
+        </p:spPr>
+        <p:txBody>
+          <a:bodyPr>
+            <a:normAutofit/>
+          </a:bodyPr>
+          <a:lstStyle/>
+          <a:p>
+            <a:r>
+              <a:rPr lang="en-US" altLang="ko-KR" sz="3600" dirty="0"/>
+              <a:t>DirectX 11 Framework</a:t>
+            </a:r>
+            <a:endParaRPr lang="ko-KR" altLang="en-US" sz="3600" dirty="0"/>
+          </a:p>
+        </p:txBody>
+      </p:sp>
+      <p:sp>
+        <p:nvSpPr>
+          <p:cNvPr id="18" name="사각형: 둥근 모서리 17">
+            <a:extLst>
+              <a:ext uri="{FF2B5EF4-FFF2-40B4-BE49-F238E27FC236}">
+                <a16:creationId xmlns:a16="http://schemas.microsoft.com/office/drawing/2014/main" id="{2C2DD660-33E2-4A95-B10F-BB91EA831B9E}"/>
+              </a:ext>
+            </a:extLst>
+          </p:cNvPr>
+          <p:cNvSpPr/>
+          <p:nvPr/>
+        </p:nvSpPr>
+        <p:spPr>
+          <a:xfrm>
+            <a:off x="2066926" y="2030049"/>
+            <a:ext cx="2286000" cy="4046902"/>
+          </a:xfrm>
+          <a:prstGeom prst="roundRect">
+            <a:avLst/>
+          </a:prstGeom>
+        </p:spPr>
+        <p:style>
+          <a:lnRef idx="2">
+            <a:schemeClr val="dk1"/>
+          </a:lnRef>
+          <a:fillRef idx="1">
+            <a:schemeClr val="lt1"/>
+          </a:fillRef>
+          <a:effectRef idx="0">
+            <a:schemeClr val="dk1"/>
+          </a:effectRef>
+          <a:fontRef idx="minor">
+            <a:schemeClr val="dk1"/>
+          </a:fontRef>
+        </p:style>
+        <p:txBody>
+          <a:bodyPr rtlCol="0" anchor="ctr"/>
+          <a:lstStyle/>
+          <a:p>
+            <a:pPr algn="ctr"/>
+            <a:endParaRPr lang="ko-KR" altLang="en-US"/>
+          </a:p>
+        </p:txBody>
+      </p:sp>
+      <p:sp>
+        <p:nvSpPr>
+          <p:cNvPr id="3" name="사각형: 둥근 모서리 2">
+            <a:extLst>
+              <a:ext uri="{FF2B5EF4-FFF2-40B4-BE49-F238E27FC236}">
+                <a16:creationId xmlns:a16="http://schemas.microsoft.com/office/drawing/2014/main" id="{E3EF91C1-B339-4E36-9761-2F8E9E769CCF}"/>
+              </a:ext>
+            </a:extLst>
+          </p:cNvPr>
+          <p:cNvSpPr/>
+          <p:nvPr/>
+        </p:nvSpPr>
+        <p:spPr>
+          <a:xfrm>
+            <a:off x="2743310" y="1843976"/>
+            <a:ext cx="933232" cy="369751"/>
+          </a:xfrm>
+          <a:prstGeom prst="roundRect">
+            <a:avLst/>
+          </a:prstGeom>
+          <a:solidFill>
+            <a:schemeClr val="bg1"/>
+          </a:solidFill>
+          <a:ln>
+            <a:solidFill>
+              <a:schemeClr val="bg1"/>
+            </a:solidFill>
+          </a:ln>
+        </p:spPr>
+        <p:style>
+          <a:lnRef idx="2">
+            <a:schemeClr val="accent3">
+              <a:shade val="50000"/>
+            </a:schemeClr>
+          </a:lnRef>
+          <a:fillRef idx="1">
+            <a:schemeClr val="accent3"/>
+          </a:fillRef>
+          <a:effectRef idx="0">
+            <a:schemeClr val="accent3"/>
+          </a:effectRef>
+          <a:fontRef idx="minor">
+            <a:schemeClr val="lt1"/>
+          </a:fontRef>
+        </p:style>
+        <p:txBody>
+          <a:bodyPr rtlCol="0" anchor="ctr"/>
+          <a:lstStyle/>
+          <a:p>
+            <a:pPr algn="ctr"/>
+            <a:r>
+              <a:rPr lang="en-US" altLang="ko-KR" sz="2400" b="1">
+                <a:solidFill>
+                  <a:schemeClr val="tx1"/>
+                </a:solidFill>
+              </a:rPr>
+              <a:t>Run</a:t>
+            </a:r>
+            <a:endParaRPr lang="ko-KR" altLang="en-US" sz="2400" b="1">
+              <a:solidFill>
+                <a:schemeClr val="tx1"/>
+              </a:solidFill>
+            </a:endParaRPr>
+          </a:p>
+        </p:txBody>
+      </p:sp>
+      <p:sp>
+        <p:nvSpPr>
+          <p:cNvPr id="33" name="사각형: 둥근 모서리 32">
+            <a:extLst>
+              <a:ext uri="{FF2B5EF4-FFF2-40B4-BE49-F238E27FC236}">
+                <a16:creationId xmlns:a16="http://schemas.microsoft.com/office/drawing/2014/main" id="{79A0E720-6849-4C69-90E7-1A1D21291EB2}"/>
+              </a:ext>
+            </a:extLst>
+          </p:cNvPr>
+          <p:cNvSpPr/>
+          <p:nvPr/>
+        </p:nvSpPr>
+        <p:spPr>
+          <a:xfrm>
+            <a:off x="2271712" y="2553814"/>
+            <a:ext cx="1928813" cy="3132611"/>
+          </a:xfrm>
+          <a:prstGeom prst="roundRect">
+            <a:avLst/>
+          </a:prstGeom>
+        </p:spPr>
+        <p:style>
+          <a:lnRef idx="2">
+            <a:schemeClr val="dk1"/>
+          </a:lnRef>
+          <a:fillRef idx="1">
+            <a:schemeClr val="lt1"/>
+          </a:fillRef>
+          <a:effectRef idx="0">
+            <a:schemeClr val="dk1"/>
+          </a:effectRef>
+          <a:fontRef idx="minor">
+            <a:schemeClr val="dk1"/>
+          </a:fontRef>
+        </p:style>
+        <p:txBody>
+          <a:bodyPr rtlCol="0" anchor="ctr"/>
+          <a:lstStyle/>
+          <a:p>
+            <a:pPr algn="ctr"/>
+            <a:endParaRPr lang="ko-KR" altLang="en-US"/>
+          </a:p>
+        </p:txBody>
+      </p:sp>
+      <p:sp>
+        <p:nvSpPr>
+          <p:cNvPr id="19" name="직사각형 18">
+            <a:extLst>
+              <a:ext uri="{FF2B5EF4-FFF2-40B4-BE49-F238E27FC236}">
+                <a16:creationId xmlns:a16="http://schemas.microsoft.com/office/drawing/2014/main" id="{34336270-2B57-4F05-9820-947AB078540B}"/>
+              </a:ext>
+            </a:extLst>
+          </p:cNvPr>
+          <p:cNvSpPr/>
+          <p:nvPr/>
+        </p:nvSpPr>
+        <p:spPr>
+          <a:xfrm>
+            <a:off x="2376651" y="3021775"/>
+            <a:ext cx="1666549" cy="514350"/>
+          </a:xfrm>
+          <a:prstGeom prst="rect">
+            <a:avLst/>
+          </a:prstGeom>
+          <a:solidFill>
+            <a:schemeClr val="accent5">
+              <a:lumMod val="40000"/>
+              <a:lumOff val="60000"/>
+            </a:schemeClr>
+          </a:solidFill>
+          <a:ln>
+            <a:solidFill>
+              <a:schemeClr val="tx1">
+                <a:lumMod val="95000"/>
+                <a:lumOff val="5000"/>
+              </a:schemeClr>
+            </a:solidFill>
+          </a:ln>
+        </p:spPr>
+        <p:style>
+          <a:lnRef idx="2">
+            <a:schemeClr val="accent2">
+              <a:shade val="50000"/>
+            </a:schemeClr>
+          </a:lnRef>
+          <a:fillRef idx="1">
+            <a:schemeClr val="accent2"/>
+          </a:fillRef>
+          <a:effectRef idx="0">
+            <a:schemeClr val="accent2"/>
+          </a:effectRef>
+          <a:fontRef idx="minor">
+            <a:schemeClr val="lt1"/>
+          </a:fontRef>
+        </p:style>
+        <p:txBody>
+          <a:bodyPr rtlCol="0" anchor="ctr"/>
+          <a:lstStyle/>
+          <a:p>
+            <a:pPr algn="ctr"/>
+            <a:r>
+              <a:rPr lang="en-US" altLang="ko-KR">
+                <a:solidFill>
+                  <a:schemeClr val="tx1"/>
+                </a:solidFill>
+              </a:rPr>
+              <a:t>Message </a:t>
+            </a:r>
+            <a:r>
+              <a:rPr lang="ko-KR" altLang="en-US">
+                <a:solidFill>
+                  <a:schemeClr val="tx1"/>
+                </a:solidFill>
+              </a:rPr>
+              <a:t>처리</a:t>
+            </a:r>
+          </a:p>
+        </p:txBody>
+      </p:sp>
+      <p:sp>
+        <p:nvSpPr>
+          <p:cNvPr id="32" name="직사각형 31">
+            <a:extLst>
+              <a:ext uri="{FF2B5EF4-FFF2-40B4-BE49-F238E27FC236}">
+                <a16:creationId xmlns:a16="http://schemas.microsoft.com/office/drawing/2014/main" id="{0E8A5C98-F4B6-4E8F-8639-EE2E64DA439D}"/>
+              </a:ext>
+            </a:extLst>
+          </p:cNvPr>
+          <p:cNvSpPr/>
+          <p:nvPr/>
+        </p:nvSpPr>
+        <p:spPr>
+          <a:xfrm>
+            <a:off x="2400410" y="3891030"/>
+            <a:ext cx="1619032" cy="514350"/>
+          </a:xfrm>
+          <a:prstGeom prst="rect">
+            <a:avLst/>
+          </a:prstGeom>
+          <a:solidFill>
+            <a:schemeClr val="accent5">
+              <a:lumMod val="40000"/>
+              <a:lumOff val="60000"/>
+            </a:schemeClr>
+          </a:solidFill>
+          <a:ln>
+            <a:solidFill>
+              <a:schemeClr val="tx1">
+                <a:lumMod val="95000"/>
+                <a:lumOff val="5000"/>
+              </a:schemeClr>
+            </a:solidFill>
+          </a:ln>
+        </p:spPr>
+        <p:style>
+          <a:lnRef idx="2">
+            <a:schemeClr val="accent2">
+              <a:shade val="50000"/>
+            </a:schemeClr>
+          </a:lnRef>
+          <a:fillRef idx="1">
+            <a:schemeClr val="accent2"/>
+          </a:fillRef>
+          <a:effectRef idx="0">
+            <a:schemeClr val="accent2"/>
+          </a:effectRef>
+          <a:fontRef idx="minor">
+            <a:schemeClr val="lt1"/>
+          </a:fontRef>
+        </p:style>
+        <p:txBody>
+          <a:bodyPr rtlCol="0" anchor="ctr"/>
+          <a:lstStyle/>
+          <a:p>
+            <a:pPr algn="ctr"/>
+            <a:r>
+              <a:rPr lang="en-US" altLang="ko-KR">
+                <a:solidFill>
+                  <a:schemeClr val="tx1"/>
+                </a:solidFill>
+              </a:rPr>
+              <a:t>Update</a:t>
+            </a:r>
+            <a:endParaRPr lang="ko-KR" altLang="en-US">
+              <a:solidFill>
+                <a:schemeClr val="tx1"/>
+              </a:solidFill>
+            </a:endParaRPr>
+          </a:p>
+        </p:txBody>
+      </p:sp>
+      <p:sp>
+        <p:nvSpPr>
+          <p:cNvPr id="36" name="사각형: 둥근 모서리 35">
+            <a:extLst>
+              <a:ext uri="{FF2B5EF4-FFF2-40B4-BE49-F238E27FC236}">
+                <a16:creationId xmlns:a16="http://schemas.microsoft.com/office/drawing/2014/main" id="{7621EC8B-ACB2-4A1B-ABCC-15B41DF17BAE}"/>
+              </a:ext>
+            </a:extLst>
+          </p:cNvPr>
+          <p:cNvSpPr/>
+          <p:nvPr/>
+        </p:nvSpPr>
+        <p:spPr>
+          <a:xfrm>
+            <a:off x="2771993" y="2358354"/>
+            <a:ext cx="828567" cy="369750"/>
+          </a:xfrm>
+          <a:prstGeom prst="roundRect">
+            <a:avLst/>
+          </a:prstGeom>
+          <a:solidFill>
+            <a:schemeClr val="accent3">
+              <a:lumMod val="20000"/>
+              <a:lumOff val="80000"/>
+            </a:schemeClr>
+          </a:solidFill>
+          <a:ln>
+            <a:solidFill>
+              <a:schemeClr val="tx1"/>
+            </a:solidFill>
+          </a:ln>
+        </p:spPr>
+        <p:style>
+          <a:lnRef idx="2">
+            <a:schemeClr val="accent3">
+              <a:shade val="50000"/>
+            </a:schemeClr>
+          </a:lnRef>
+          <a:fillRef idx="1">
+            <a:schemeClr val="accent3"/>
+          </a:fillRef>
+          <a:effectRef idx="0">
+            <a:schemeClr val="accent3"/>
+          </a:effectRef>
+          <a:fontRef idx="minor">
+            <a:schemeClr val="lt1"/>
+          </a:fontRef>
+        </p:style>
+        <p:txBody>
+          <a:bodyPr rtlCol="0" anchor="ctr"/>
+          <a:lstStyle/>
+          <a:p>
+            <a:pPr algn="ctr"/>
+            <a:r>
+              <a:rPr lang="en-US" altLang="ko-KR" b="1">
+                <a:solidFill>
+                  <a:schemeClr val="tx1"/>
+                </a:solidFill>
+              </a:rPr>
+              <a:t>Loop</a:t>
+            </a:r>
+            <a:endParaRPr lang="ko-KR" altLang="en-US" b="1">
+              <a:solidFill>
+                <a:schemeClr val="tx1"/>
+              </a:solidFill>
+            </a:endParaRPr>
+          </a:p>
+        </p:txBody>
+      </p:sp>
+      <p:sp>
+        <p:nvSpPr>
+          <p:cNvPr id="38" name="직사각형 37">
+            <a:extLst>
+              <a:ext uri="{FF2B5EF4-FFF2-40B4-BE49-F238E27FC236}">
+                <a16:creationId xmlns:a16="http://schemas.microsoft.com/office/drawing/2014/main" id="{C25B2D17-1328-46DE-9C3F-9A30EEBA686C}"/>
+              </a:ext>
+            </a:extLst>
+          </p:cNvPr>
+          <p:cNvSpPr/>
+          <p:nvPr/>
+        </p:nvSpPr>
+        <p:spPr>
+          <a:xfrm>
+            <a:off x="2395485" y="4760285"/>
+            <a:ext cx="1619032" cy="514350"/>
+          </a:xfrm>
+          <a:prstGeom prst="rect">
+            <a:avLst/>
+          </a:prstGeom>
+          <a:solidFill>
+            <a:schemeClr val="accent5">
+              <a:lumMod val="40000"/>
+              <a:lumOff val="60000"/>
+            </a:schemeClr>
+          </a:solidFill>
+          <a:ln>
+            <a:solidFill>
+              <a:schemeClr val="tx1">
+                <a:lumMod val="95000"/>
+                <a:lumOff val="5000"/>
+              </a:schemeClr>
+            </a:solidFill>
+          </a:ln>
+        </p:spPr>
+        <p:style>
+          <a:lnRef idx="2">
+            <a:schemeClr val="accent2">
+              <a:shade val="50000"/>
+            </a:schemeClr>
+          </a:lnRef>
+          <a:fillRef idx="1">
+            <a:schemeClr val="accent2"/>
+          </a:fillRef>
+          <a:effectRef idx="0">
+            <a:schemeClr val="accent2"/>
+          </a:effectRef>
+          <a:fontRef idx="minor">
+            <a:schemeClr val="lt1"/>
+          </a:fontRef>
+        </p:style>
+        <p:txBody>
+          <a:bodyPr rtlCol="0" anchor="ctr"/>
+          <a:lstStyle/>
+          <a:p>
+            <a:pPr algn="ctr"/>
+            <a:r>
+              <a:rPr lang="en-US" altLang="ko-KR">
+                <a:solidFill>
+                  <a:schemeClr val="tx1"/>
+                </a:solidFill>
+              </a:rPr>
+              <a:t>Escape</a:t>
+            </a:r>
+            <a:r>
+              <a:rPr lang="ko-KR" altLang="en-US">
+                <a:solidFill>
+                  <a:schemeClr val="tx1"/>
+                </a:solidFill>
+              </a:rPr>
+              <a:t> 확인</a:t>
+            </a:r>
+          </a:p>
+        </p:txBody>
+      </p:sp>
+      <p:sp>
+        <p:nvSpPr>
+          <p:cNvPr id="39" name="사각형: 둥근 모서리 38">
+            <a:extLst>
+              <a:ext uri="{FF2B5EF4-FFF2-40B4-BE49-F238E27FC236}">
+                <a16:creationId xmlns:a16="http://schemas.microsoft.com/office/drawing/2014/main" id="{4816F6AB-7951-45FC-9EB8-C3097C946A1F}"/>
+              </a:ext>
+            </a:extLst>
+          </p:cNvPr>
+          <p:cNvSpPr/>
+          <p:nvPr/>
+        </p:nvSpPr>
+        <p:spPr>
+          <a:xfrm>
+            <a:off x="4898821" y="2096668"/>
+            <a:ext cx="1921079" cy="3177967"/>
+          </a:xfrm>
+          <a:prstGeom prst="roundRect">
+            <a:avLst/>
+          </a:prstGeom>
+        </p:spPr>
+        <p:style>
+          <a:lnRef idx="2">
+            <a:schemeClr val="dk1"/>
+          </a:lnRef>
+          <a:fillRef idx="1">
+            <a:schemeClr val="lt1"/>
+          </a:fillRef>
+          <a:effectRef idx="0">
+            <a:schemeClr val="dk1"/>
+          </a:effectRef>
+          <a:fontRef idx="minor">
+            <a:schemeClr val="dk1"/>
+          </a:fontRef>
+        </p:style>
+        <p:txBody>
+          <a:bodyPr rtlCol="0" anchor="ctr"/>
+          <a:lstStyle/>
+          <a:p>
+            <a:pPr algn="ctr"/>
+            <a:endParaRPr lang="ko-KR" altLang="en-US"/>
+          </a:p>
+        </p:txBody>
+      </p:sp>
+      <p:sp>
+        <p:nvSpPr>
+          <p:cNvPr id="40" name="사각형: 둥근 모서리 39">
+            <a:extLst>
+              <a:ext uri="{FF2B5EF4-FFF2-40B4-BE49-F238E27FC236}">
+                <a16:creationId xmlns:a16="http://schemas.microsoft.com/office/drawing/2014/main" id="{79C9907B-9BCA-4CCD-A36E-001D2C4D43E5}"/>
+              </a:ext>
+            </a:extLst>
+          </p:cNvPr>
+          <p:cNvSpPr/>
+          <p:nvPr/>
+        </p:nvSpPr>
+        <p:spPr>
+          <a:xfrm>
+            <a:off x="5339559" y="1910174"/>
+            <a:ext cx="1039601" cy="369751"/>
+          </a:xfrm>
+          <a:prstGeom prst="roundRect">
+            <a:avLst/>
+          </a:prstGeom>
+          <a:solidFill>
+            <a:schemeClr val="bg1"/>
+          </a:solidFill>
+          <a:ln>
+            <a:solidFill>
+              <a:schemeClr val="bg1"/>
+            </a:solidFill>
+          </a:ln>
+        </p:spPr>
+        <p:style>
+          <a:lnRef idx="2">
+            <a:schemeClr val="accent3">
+              <a:shade val="50000"/>
+            </a:schemeClr>
+          </a:lnRef>
+          <a:fillRef idx="1">
+            <a:schemeClr val="accent3"/>
+          </a:fillRef>
+          <a:effectRef idx="0">
+            <a:schemeClr val="accent3"/>
+          </a:effectRef>
+          <a:fontRef idx="minor">
+            <a:schemeClr val="lt1"/>
+          </a:fontRef>
+        </p:style>
+        <p:txBody>
+          <a:bodyPr rtlCol="0" anchor="ctr"/>
+          <a:lstStyle/>
+          <a:p>
+            <a:pPr algn="ctr"/>
+            <a:r>
+              <a:rPr lang="en-US" altLang="ko-KR" b="1">
+                <a:solidFill>
+                  <a:schemeClr val="tx1"/>
+                </a:solidFill>
+              </a:rPr>
+              <a:t>Update</a:t>
+            </a:r>
+            <a:endParaRPr lang="ko-KR" altLang="en-US" b="1">
+              <a:solidFill>
+                <a:schemeClr val="tx1"/>
+              </a:solidFill>
+            </a:endParaRPr>
+          </a:p>
+        </p:txBody>
+      </p:sp>
+      <p:sp>
+        <p:nvSpPr>
+          <p:cNvPr id="41" name="직사각형 40">
+            <a:extLst>
+              <a:ext uri="{FF2B5EF4-FFF2-40B4-BE49-F238E27FC236}">
+                <a16:creationId xmlns:a16="http://schemas.microsoft.com/office/drawing/2014/main" id="{12E354E0-7CF8-4BA7-8107-59BBEC78FE0E}"/>
+              </a:ext>
+            </a:extLst>
+          </p:cNvPr>
+          <p:cNvSpPr/>
+          <p:nvPr/>
+        </p:nvSpPr>
+        <p:spPr>
+          <a:xfrm>
+            <a:off x="5048468" y="3696542"/>
+            <a:ext cx="1631890" cy="549671"/>
+          </a:xfrm>
+          <a:prstGeom prst="rect">
+            <a:avLst/>
+          </a:prstGeom>
+          <a:solidFill>
+            <a:schemeClr val="accent5">
+              <a:lumMod val="40000"/>
+              <a:lumOff val="60000"/>
+            </a:schemeClr>
+          </a:solidFill>
+          <a:ln>
+            <a:solidFill>
+              <a:schemeClr val="tx1">
+                <a:lumMod val="95000"/>
+                <a:lumOff val="5000"/>
+              </a:schemeClr>
+            </a:solidFill>
+          </a:ln>
+        </p:spPr>
+        <p:style>
+          <a:lnRef idx="2">
+            <a:schemeClr val="accent2">
+              <a:shade val="50000"/>
+            </a:schemeClr>
+          </a:lnRef>
+          <a:fillRef idx="1">
+            <a:schemeClr val="accent2"/>
+          </a:fillRef>
+          <a:effectRef idx="0">
+            <a:schemeClr val="accent2"/>
+          </a:effectRef>
+          <a:fontRef idx="minor">
+            <a:schemeClr val="lt1"/>
+          </a:fontRef>
+        </p:style>
+        <p:txBody>
+          <a:bodyPr rtlCol="0" anchor="ctr"/>
+          <a:lstStyle/>
+          <a:p>
+            <a:pPr algn="ctr"/>
+            <a:r>
+              <a:rPr lang="en-US" altLang="ko-KR" sz="1600">
+                <a:solidFill>
+                  <a:schemeClr val="tx1"/>
+                </a:solidFill>
+              </a:rPr>
+              <a:t>Scene Update</a:t>
+            </a:r>
+            <a:endParaRPr lang="ko-KR" altLang="en-US" sz="1600">
+              <a:solidFill>
+                <a:schemeClr val="tx1"/>
+              </a:solidFill>
+            </a:endParaRPr>
+          </a:p>
+        </p:txBody>
+      </p:sp>
+      <p:sp>
+        <p:nvSpPr>
+          <p:cNvPr id="42" name="직사각형 41">
+            <a:extLst>
+              <a:ext uri="{FF2B5EF4-FFF2-40B4-BE49-F238E27FC236}">
+                <a16:creationId xmlns:a16="http://schemas.microsoft.com/office/drawing/2014/main" id="{904590A5-F5C9-4285-9116-0F43ABE3B735}"/>
+              </a:ext>
+            </a:extLst>
+          </p:cNvPr>
+          <p:cNvSpPr/>
+          <p:nvPr/>
+        </p:nvSpPr>
+        <p:spPr>
+          <a:xfrm>
+            <a:off x="5048468" y="3027449"/>
+            <a:ext cx="1631890" cy="549671"/>
+          </a:xfrm>
+          <a:prstGeom prst="rect">
+            <a:avLst/>
+          </a:prstGeom>
+          <a:solidFill>
+            <a:schemeClr val="accent5">
+              <a:lumMod val="40000"/>
+              <a:lumOff val="60000"/>
+            </a:schemeClr>
+          </a:solidFill>
+          <a:ln>
+            <a:solidFill>
+              <a:schemeClr val="tx1">
+                <a:lumMod val="95000"/>
+                <a:lumOff val="5000"/>
+              </a:schemeClr>
+            </a:solidFill>
+          </a:ln>
+        </p:spPr>
+        <p:style>
+          <a:lnRef idx="2">
+            <a:schemeClr val="accent2">
+              <a:shade val="50000"/>
+            </a:schemeClr>
+          </a:lnRef>
+          <a:fillRef idx="1">
+            <a:schemeClr val="accent2"/>
+          </a:fillRef>
+          <a:effectRef idx="0">
+            <a:schemeClr val="accent2"/>
+          </a:effectRef>
+          <a:fontRef idx="minor">
+            <a:schemeClr val="lt1"/>
+          </a:fontRef>
+        </p:style>
+        <p:txBody>
+          <a:bodyPr rtlCol="0" anchor="ctr"/>
+          <a:lstStyle/>
+          <a:p>
+            <a:pPr algn="ctr"/>
+            <a:r>
+              <a:rPr lang="en-US" altLang="ko-KR" sz="1600">
+                <a:solidFill>
+                  <a:schemeClr val="tx1"/>
+                </a:solidFill>
+              </a:rPr>
+              <a:t>Input Update</a:t>
+            </a:r>
+            <a:endParaRPr lang="ko-KR" altLang="en-US" sz="1600">
+              <a:solidFill>
+                <a:schemeClr val="tx1"/>
+              </a:solidFill>
+            </a:endParaRPr>
+          </a:p>
+        </p:txBody>
+      </p:sp>
+      <p:sp>
+        <p:nvSpPr>
+          <p:cNvPr id="43" name="직사각형 42">
+            <a:extLst>
+              <a:ext uri="{FF2B5EF4-FFF2-40B4-BE49-F238E27FC236}">
+                <a16:creationId xmlns:a16="http://schemas.microsoft.com/office/drawing/2014/main" id="{FC55BFA8-7C0E-4276-9B94-9526C5E4517B}"/>
+              </a:ext>
+            </a:extLst>
+          </p:cNvPr>
+          <p:cNvSpPr/>
+          <p:nvPr/>
+        </p:nvSpPr>
+        <p:spPr>
+          <a:xfrm>
+            <a:off x="5057993" y="4365638"/>
+            <a:ext cx="1631890" cy="549671"/>
+          </a:xfrm>
+          <a:prstGeom prst="rect">
+            <a:avLst/>
+          </a:prstGeom>
+          <a:solidFill>
+            <a:schemeClr val="accent5">
+              <a:lumMod val="40000"/>
+              <a:lumOff val="60000"/>
+            </a:schemeClr>
+          </a:solidFill>
+          <a:ln>
+            <a:solidFill>
+              <a:schemeClr val="tx1">
+                <a:lumMod val="95000"/>
+                <a:lumOff val="5000"/>
+              </a:schemeClr>
+            </a:solidFill>
+          </a:ln>
+        </p:spPr>
+        <p:style>
+          <a:lnRef idx="2">
+            <a:schemeClr val="accent2">
+              <a:shade val="50000"/>
+            </a:schemeClr>
+          </a:lnRef>
+          <a:fillRef idx="1">
+            <a:schemeClr val="accent2"/>
+          </a:fillRef>
+          <a:effectRef idx="0">
+            <a:schemeClr val="accent2"/>
+          </a:effectRef>
+          <a:fontRef idx="minor">
+            <a:schemeClr val="lt1"/>
+          </a:fontRef>
+        </p:style>
+        <p:txBody>
+          <a:bodyPr rtlCol="0" anchor="ctr"/>
+          <a:lstStyle/>
+          <a:p>
+            <a:pPr algn="ctr"/>
+            <a:r>
+              <a:rPr lang="en-US" altLang="ko-KR" sz="1600">
+                <a:solidFill>
+                  <a:schemeClr val="tx1"/>
+                </a:solidFill>
+              </a:rPr>
+              <a:t>Graphics Update</a:t>
+            </a:r>
+            <a:endParaRPr lang="ko-KR" altLang="en-US" sz="1600">
+              <a:solidFill>
+                <a:schemeClr val="tx1"/>
+              </a:solidFill>
+            </a:endParaRPr>
+          </a:p>
+        </p:txBody>
+      </p:sp>
+      <p:sp>
+        <p:nvSpPr>
+          <p:cNvPr id="44" name="직사각형 43">
+            <a:extLst>
+              <a:ext uri="{FF2B5EF4-FFF2-40B4-BE49-F238E27FC236}">
+                <a16:creationId xmlns:a16="http://schemas.microsoft.com/office/drawing/2014/main" id="{AC21A83C-3728-488B-BE20-9773D75A181E}"/>
+              </a:ext>
+            </a:extLst>
+          </p:cNvPr>
+          <p:cNvSpPr/>
+          <p:nvPr/>
+        </p:nvSpPr>
+        <p:spPr>
+          <a:xfrm>
+            <a:off x="5057993" y="2358354"/>
+            <a:ext cx="1631890" cy="549671"/>
+          </a:xfrm>
+          <a:prstGeom prst="rect">
+            <a:avLst/>
+          </a:prstGeom>
+          <a:solidFill>
+            <a:schemeClr val="accent5">
+              <a:lumMod val="40000"/>
+              <a:lumOff val="60000"/>
+            </a:schemeClr>
+          </a:solidFill>
+          <a:ln>
+            <a:solidFill>
+              <a:schemeClr val="tx1">
+                <a:lumMod val="95000"/>
+                <a:lumOff val="5000"/>
+              </a:schemeClr>
+            </a:solidFill>
+          </a:ln>
+        </p:spPr>
+        <p:style>
+          <a:lnRef idx="2">
+            <a:schemeClr val="accent2">
+              <a:shade val="50000"/>
+            </a:schemeClr>
+          </a:lnRef>
+          <a:fillRef idx="1">
+            <a:schemeClr val="accent2"/>
+          </a:fillRef>
+          <a:effectRef idx="0">
+            <a:schemeClr val="accent2"/>
+          </a:effectRef>
+          <a:fontRef idx="minor">
+            <a:schemeClr val="lt1"/>
+          </a:fontRef>
+        </p:style>
+        <p:txBody>
+          <a:bodyPr rtlCol="0" anchor="ctr"/>
+          <a:lstStyle/>
+          <a:p>
+            <a:pPr algn="ctr"/>
+            <a:r>
+              <a:rPr lang="en-US" altLang="ko-KR" sz="1600">
+                <a:solidFill>
+                  <a:schemeClr val="tx1"/>
+                </a:solidFill>
+              </a:rPr>
+              <a:t>Timer Update</a:t>
+            </a:r>
+            <a:endParaRPr lang="ko-KR" altLang="en-US" sz="1600">
+              <a:solidFill>
+                <a:schemeClr val="tx1"/>
+              </a:solidFill>
+            </a:endParaRPr>
+          </a:p>
+        </p:txBody>
+      </p:sp>
+      <p:cxnSp>
+        <p:nvCxnSpPr>
+          <p:cNvPr id="21" name="연결선: 꺾임 20">
+            <a:extLst>
+              <a:ext uri="{FF2B5EF4-FFF2-40B4-BE49-F238E27FC236}">
+                <a16:creationId xmlns:a16="http://schemas.microsoft.com/office/drawing/2014/main" id="{3C509774-91F4-4987-8947-3E5413F1B6FB}"/>
+              </a:ext>
+            </a:extLst>
+          </p:cNvPr>
+          <p:cNvCxnSpPr>
+            <a:stCxn id="32" idx="3"/>
+            <a:endCxn id="39" idx="1"/>
+          </p:cNvCxnSpPr>
+          <p:nvPr/>
+        </p:nvCxnSpPr>
+        <p:spPr>
+          <a:xfrm flipV="1">
+            <a:off x="4019442" y="3685652"/>
+            <a:ext cx="879379" cy="462553"/>
+          </a:xfrm>
+          <a:prstGeom prst="bentConnector3">
+            <a:avLst/>
+          </a:prstGeom>
+          <a:ln>
+            <a:tailEnd type="triangle"/>
+          </a:ln>
+        </p:spPr>
+        <p:style>
+          <a:lnRef idx="1">
+            <a:schemeClr val="accent1"/>
+          </a:lnRef>
+          <a:fillRef idx="0">
+            <a:schemeClr val="accent1"/>
+          </a:fillRef>
+          <a:effectRef idx="0">
+            <a:schemeClr val="accent1"/>
+          </a:effectRef>
+          <a:fontRef idx="minor">
+            <a:schemeClr val="tx1"/>
+          </a:fontRef>
+        </p:style>
+      </p:cxnSp>
+      <p:sp>
+        <p:nvSpPr>
+          <p:cNvPr id="66" name="TextBox 65">
+            <a:extLst>
+              <a:ext uri="{FF2B5EF4-FFF2-40B4-BE49-F238E27FC236}">
+                <a16:creationId xmlns:a16="http://schemas.microsoft.com/office/drawing/2014/main" id="{D5C87469-C65E-43AB-AE17-AA2F2854D67B}"/>
+              </a:ext>
+            </a:extLst>
+          </p:cNvPr>
+          <p:cNvSpPr txBox="1"/>
+          <p:nvPr/>
+        </p:nvSpPr>
+        <p:spPr>
+          <a:xfrm>
+            <a:off x="7365795" y="2307183"/>
+            <a:ext cx="3124200" cy="369332"/>
+          </a:xfrm>
+          <a:prstGeom prst="rect">
+            <a:avLst/>
+          </a:prstGeom>
+          <a:noFill/>
+        </p:spPr>
+        <p:txBody>
+          <a:bodyPr wrap="square" rtlCol="0">
+            <a:spAutoFit/>
+          </a:bodyPr>
+          <a:lstStyle/>
+          <a:p>
+            <a:r>
+              <a:rPr lang="en-US" altLang="ko-KR"/>
+              <a:t>Frame Delta Time</a:t>
+            </a:r>
+            <a:r>
+              <a:rPr lang="ko-KR" altLang="en-US"/>
+              <a:t>을 계산</a:t>
+            </a:r>
+          </a:p>
+        </p:txBody>
+      </p:sp>
+      <p:sp>
+        <p:nvSpPr>
+          <p:cNvPr id="77" name="TextBox 76">
+            <a:extLst>
+              <a:ext uri="{FF2B5EF4-FFF2-40B4-BE49-F238E27FC236}">
+                <a16:creationId xmlns:a16="http://schemas.microsoft.com/office/drawing/2014/main" id="{BC653E32-45DC-496A-B95E-535099C1D47D}"/>
+              </a:ext>
+            </a:extLst>
+          </p:cNvPr>
+          <p:cNvSpPr txBox="1"/>
+          <p:nvPr/>
+        </p:nvSpPr>
+        <p:spPr>
+          <a:xfrm>
+            <a:off x="7365940" y="2951350"/>
+            <a:ext cx="3124200" cy="646331"/>
+          </a:xfrm>
+          <a:prstGeom prst="rect">
+            <a:avLst/>
+          </a:prstGeom>
+          <a:noFill/>
+        </p:spPr>
+        <p:txBody>
+          <a:bodyPr wrap="square" rtlCol="0">
+            <a:spAutoFit/>
+          </a:bodyPr>
+          <a:lstStyle/>
+          <a:p>
+            <a:r>
+              <a:rPr lang="ko-KR" altLang="en-US"/>
+              <a:t>사용자의 입력을 받아서  </a:t>
+            </a:r>
+            <a:r>
+              <a:rPr lang="en-US" altLang="ko-KR"/>
+              <a:t>Key State</a:t>
+            </a:r>
+            <a:r>
+              <a:rPr lang="ko-KR" altLang="en-US"/>
+              <a:t>를 갱신함</a:t>
+            </a:r>
+          </a:p>
+        </p:txBody>
+      </p:sp>
+      <p:sp>
+        <p:nvSpPr>
+          <p:cNvPr id="80" name="TextBox 79">
+            <a:extLst>
+              <a:ext uri="{FF2B5EF4-FFF2-40B4-BE49-F238E27FC236}">
+                <a16:creationId xmlns:a16="http://schemas.microsoft.com/office/drawing/2014/main" id="{544B2955-FF69-402D-ABAE-6380BFBD6A4E}"/>
+              </a:ext>
+            </a:extLst>
+          </p:cNvPr>
+          <p:cNvSpPr txBox="1"/>
+          <p:nvPr/>
+        </p:nvSpPr>
+        <p:spPr>
+          <a:xfrm>
+            <a:off x="7365795" y="3763124"/>
+            <a:ext cx="3124200" cy="646331"/>
+          </a:xfrm>
+          <a:prstGeom prst="rect">
+            <a:avLst/>
+          </a:prstGeom>
+          <a:noFill/>
+        </p:spPr>
+        <p:txBody>
+          <a:bodyPr wrap="square" rtlCol="0">
+            <a:spAutoFit/>
+          </a:bodyPr>
+          <a:lstStyle/>
+          <a:p>
+            <a:r>
+              <a:rPr lang="en-US" altLang="ko-KR"/>
+              <a:t>Scene</a:t>
+            </a:r>
+            <a:r>
+              <a:rPr lang="ko-KR" altLang="en-US"/>
+              <a:t>의 </a:t>
+            </a:r>
+            <a:r>
+              <a:rPr lang="en-US" altLang="ko-KR"/>
+              <a:t>GameObject List</a:t>
+            </a:r>
+            <a:r>
+              <a:rPr lang="ko-KR" altLang="en-US"/>
+              <a:t>를 갱신함</a:t>
+            </a:r>
+          </a:p>
+        </p:txBody>
+      </p:sp>
+      <p:sp>
+        <p:nvSpPr>
+          <p:cNvPr id="81" name="TextBox 80">
+            <a:extLst>
+              <a:ext uri="{FF2B5EF4-FFF2-40B4-BE49-F238E27FC236}">
+                <a16:creationId xmlns:a16="http://schemas.microsoft.com/office/drawing/2014/main" id="{81A2BBDB-F6D7-46EA-B8DA-7028E4251F59}"/>
+              </a:ext>
+            </a:extLst>
+          </p:cNvPr>
+          <p:cNvSpPr txBox="1"/>
+          <p:nvPr/>
+        </p:nvSpPr>
+        <p:spPr>
+          <a:xfrm>
+            <a:off x="7296150" y="4574898"/>
+            <a:ext cx="3124200" cy="369332"/>
+          </a:xfrm>
+          <a:prstGeom prst="rect">
+            <a:avLst/>
+          </a:prstGeom>
+          <a:noFill/>
+        </p:spPr>
+        <p:txBody>
+          <a:bodyPr wrap="square" rtlCol="0">
+            <a:spAutoFit/>
+          </a:bodyPr>
+          <a:lstStyle/>
+          <a:p>
+            <a:r>
+              <a:rPr lang="en-US" altLang="ko-KR"/>
+              <a:t>Rendering</a:t>
+            </a:r>
+            <a:r>
+              <a:rPr lang="ko-KR" altLang="en-US"/>
+              <a:t>을 처리</a:t>
+            </a:r>
+          </a:p>
+        </p:txBody>
+      </p:sp>
+    </p:spTree>
+    <p:extLst>
+      <p:ext uri="{BB962C8B-B14F-4D97-AF65-F5344CB8AC3E}">
+        <p14:creationId xmlns:p14="http://schemas.microsoft.com/office/powerpoint/2010/main" val="2645405075"/>
+      </p:ext>
+    </p:extLst>
+  </p:cSld>
+  <p:clrMapOvr>
+    <a:masterClrMapping/>
+  </p:clrMapOvr>
+</p:sld>
+</file>
+
+<file path=ppt/slides/slide5.xml><?xml version="1.0" encoding="utf-8"?>
 <p:sld xmlns:a="http://schemas.openxmlformats.org/drawingml/2006/main" xmlns:r="http://schemas.openxmlformats.org/officeDocument/2006/relationships" xmlns:p="http://schemas.openxmlformats.org/presentationml/2006/main">
   <p:cSld>
     <p:spTree>
@@ -7429,7 +11226,7 @@
 </p:sld>
 </file>
 
-<file path=ppt/slides/slide5.xml><?xml version="1.0" encoding="utf-8"?>
+<file path=ppt/slides/slide6.xml><?xml version="1.0" encoding="utf-8"?>
 <p:sld xmlns:a="http://schemas.openxmlformats.org/drawingml/2006/main" xmlns:r="http://schemas.openxmlformats.org/officeDocument/2006/relationships" xmlns:p="http://schemas.openxmlformats.org/presentationml/2006/main">
   <p:cSld>
     <p:spTree>
@@ -13577,7 +17374,7 @@
 </p:sld>
 </file>
 
-<file path=ppt/slides/slide6.xml><?xml version="1.0" encoding="utf-8"?>
+<file path=ppt/slides/slide7.xml><?xml version="1.0" encoding="utf-8"?>
 <p:sld xmlns:a="http://schemas.openxmlformats.org/drawingml/2006/main" xmlns:r="http://schemas.openxmlformats.org/officeDocument/2006/relationships" xmlns:p="http://schemas.openxmlformats.org/presentationml/2006/main">
   <p:cSld>
     <p:spTree>
@@ -13949,7 +17746,7 @@
 </p:sld>
 </file>
 
-<file path=ppt/slides/slide7.xml><?xml version="1.0" encoding="utf-8"?>
+<file path=ppt/slides/slide8.xml><?xml version="1.0" encoding="utf-8"?>
 <p:sld xmlns:a="http://schemas.openxmlformats.org/drawingml/2006/main" xmlns:r="http://schemas.openxmlformats.org/officeDocument/2006/relationships" xmlns:p="http://schemas.openxmlformats.org/presentationml/2006/main">
   <p:cSld>
     <p:spTree>
@@ -14055,7 +17852,7 @@
 </p:sld>
 </file>
 
-<file path=ppt/slides/slide8.xml><?xml version="1.0" encoding="utf-8"?>
+<file path=ppt/slides/slide9.xml><?xml version="1.0" encoding="utf-8"?>
 <p:sld xmlns:a="http://schemas.openxmlformats.org/drawingml/2006/main" xmlns:r="http://schemas.openxmlformats.org/officeDocument/2006/relationships" xmlns:p="http://schemas.openxmlformats.org/presentationml/2006/main">
   <p:cSld>
     <p:spTree>
@@ -14705,2679 +18502,6 @@
         </p:cTn>
       </p:par>
     </p:tnLst>
-  </p:timing>
-</p:sld>
-</file>
-
-<file path=ppt/slides/slide9.xml><?xml version="1.0" encoding="utf-8"?>
-<p:sld xmlns:a="http://schemas.openxmlformats.org/drawingml/2006/main" xmlns:r="http://schemas.openxmlformats.org/officeDocument/2006/relationships" xmlns:p="http://schemas.openxmlformats.org/presentationml/2006/main">
-  <p:cSld>
-    <p:spTree>
-      <p:nvGrpSpPr>
-        <p:cNvPr id="1" name=""/>
-        <p:cNvGrpSpPr/>
-        <p:nvPr/>
-      </p:nvGrpSpPr>
-      <p:grpSpPr>
-        <a:xfrm>
-          <a:off x="0" y="0"/>
-          <a:ext cx="0" cy="0"/>
-          <a:chOff x="0" y="0"/>
-          <a:chExt cx="0" cy="0"/>
-        </a:xfrm>
-      </p:grpSpPr>
-      <p:sp>
-        <p:nvSpPr>
-          <p:cNvPr id="5" name="제목 4">
-            <a:extLst>
-              <a:ext uri="{FF2B5EF4-FFF2-40B4-BE49-F238E27FC236}">
-                <a16:creationId xmlns:a16="http://schemas.microsoft.com/office/drawing/2014/main" id="{063E9EEA-CCDE-45B9-911F-B9C20D2CB5BF}"/>
-              </a:ext>
-            </a:extLst>
-          </p:cNvPr>
-          <p:cNvSpPr>
-            <a:spLocks noGrp="1"/>
-          </p:cNvSpPr>
-          <p:nvPr>
-            <p:ph type="title"/>
-          </p:nvPr>
-        </p:nvSpPr>
-        <p:spPr>
-          <a:xfrm>
-            <a:off x="327170" y="0"/>
-            <a:ext cx="7902429" cy="1048624"/>
-          </a:xfrm>
-        </p:spPr>
-        <p:txBody>
-          <a:bodyPr>
-            <a:normAutofit/>
-          </a:bodyPr>
-          <a:lstStyle/>
-          <a:p>
-            <a:r>
-              <a:rPr lang="en-US" altLang="ko-KR" sz="3600" dirty="0"/>
-              <a:t>Marching Cube Algorithm ( GPU )</a:t>
-            </a:r>
-            <a:endParaRPr lang="ko-KR" altLang="en-US" sz="3600" dirty="0"/>
-          </a:p>
-        </p:txBody>
-      </p:sp>
-      <p:sp>
-        <p:nvSpPr>
-          <p:cNvPr id="2" name="TextBox 1">
-            <a:extLst>
-              <a:ext uri="{FF2B5EF4-FFF2-40B4-BE49-F238E27FC236}">
-                <a16:creationId xmlns:a16="http://schemas.microsoft.com/office/drawing/2014/main" id="{179DEAE7-1FBF-4455-B8F5-BEE642E39268}"/>
-              </a:ext>
-            </a:extLst>
-          </p:cNvPr>
-          <p:cNvSpPr txBox="1"/>
-          <p:nvPr/>
-        </p:nvSpPr>
-        <p:spPr>
-          <a:xfrm>
-            <a:off x="327170" y="1048624"/>
-            <a:ext cx="6981825" cy="461665"/>
-          </a:xfrm>
-          <a:prstGeom prst="rect">
-            <a:avLst/>
-          </a:prstGeom>
-          <a:noFill/>
-        </p:spPr>
-        <p:txBody>
-          <a:bodyPr wrap="square" rtlCol="0">
-            <a:spAutoFit/>
-          </a:bodyPr>
-          <a:lstStyle/>
-          <a:p>
-            <a:r>
-              <a:rPr lang="en-US" altLang="ko-KR" sz="2400" dirty="0"/>
-              <a:t>ISO-Surface</a:t>
-            </a:r>
-            <a:endParaRPr lang="ko-KR" altLang="en-US" sz="2400" dirty="0"/>
-          </a:p>
-        </p:txBody>
-      </p:sp>
-      <p:grpSp>
-        <p:nvGrpSpPr>
-          <p:cNvPr id="7" name="그룹 6">
-            <a:extLst>
-              <a:ext uri="{FF2B5EF4-FFF2-40B4-BE49-F238E27FC236}">
-                <a16:creationId xmlns:a16="http://schemas.microsoft.com/office/drawing/2014/main" id="{B8B3312E-B51F-48CC-A4CD-85CB510A5CCF}"/>
-              </a:ext>
-            </a:extLst>
-          </p:cNvPr>
-          <p:cNvGrpSpPr/>
-          <p:nvPr/>
-        </p:nvGrpSpPr>
-        <p:grpSpPr>
-          <a:xfrm>
-            <a:off x="4319374" y="1841555"/>
-            <a:ext cx="3515767" cy="3515767"/>
-            <a:chOff x="2023145" y="2315362"/>
-            <a:chExt cx="2785144" cy="2785144"/>
-          </a:xfrm>
-        </p:grpSpPr>
-        <p:sp>
-          <p:nvSpPr>
-            <p:cNvPr id="8" name="직사각형 7">
-              <a:extLst>
-                <a:ext uri="{FF2B5EF4-FFF2-40B4-BE49-F238E27FC236}">
-                  <a16:creationId xmlns:a16="http://schemas.microsoft.com/office/drawing/2014/main" id="{D3DC577B-A800-4C49-943B-762331D1831D}"/>
-                </a:ext>
-              </a:extLst>
-            </p:cNvPr>
-            <p:cNvSpPr/>
-            <p:nvPr/>
-          </p:nvSpPr>
-          <p:spPr>
-            <a:xfrm>
-              <a:off x="2023145" y="2315362"/>
-              <a:ext cx="696286" cy="696286"/>
-            </a:xfrm>
-            <a:prstGeom prst="rect">
-              <a:avLst/>
-            </a:prstGeom>
-            <a:solidFill>
-              <a:schemeClr val="bg1"/>
-            </a:solidFill>
-          </p:spPr>
-          <p:style>
-            <a:lnRef idx="2">
-              <a:schemeClr val="accent1">
-                <a:shade val="50000"/>
-              </a:schemeClr>
-            </a:lnRef>
-            <a:fillRef idx="1">
-              <a:schemeClr val="accent1"/>
-            </a:fillRef>
-            <a:effectRef idx="0">
-              <a:schemeClr val="accent1"/>
-            </a:effectRef>
-            <a:fontRef idx="minor">
-              <a:schemeClr val="lt1"/>
-            </a:fontRef>
-          </p:style>
-          <p:txBody>
-            <a:bodyPr rtlCol="0" anchor="ctr"/>
-            <a:lstStyle/>
-            <a:p>
-              <a:pPr algn="ctr"/>
-              <a:r>
-                <a:rPr lang="en-US" altLang="ko-KR" dirty="0">
-                  <a:solidFill>
-                    <a:schemeClr val="tx1"/>
-                  </a:solidFill>
-                </a:rPr>
-                <a:t>0</a:t>
-              </a:r>
-              <a:endParaRPr lang="ko-KR" altLang="en-US" dirty="0">
-                <a:solidFill>
-                  <a:schemeClr val="tx1"/>
-                </a:solidFill>
-              </a:endParaRPr>
-            </a:p>
-          </p:txBody>
-        </p:sp>
-        <p:sp>
-          <p:nvSpPr>
-            <p:cNvPr id="9" name="직사각형 8">
-              <a:extLst>
-                <a:ext uri="{FF2B5EF4-FFF2-40B4-BE49-F238E27FC236}">
-                  <a16:creationId xmlns:a16="http://schemas.microsoft.com/office/drawing/2014/main" id="{9AC63A73-46D9-46FE-8C6E-930CB98C03F3}"/>
-                </a:ext>
-              </a:extLst>
-            </p:cNvPr>
-            <p:cNvSpPr/>
-            <p:nvPr/>
-          </p:nvSpPr>
-          <p:spPr>
-            <a:xfrm>
-              <a:off x="2719431" y="2315362"/>
-              <a:ext cx="696286" cy="696286"/>
-            </a:xfrm>
-            <a:prstGeom prst="rect">
-              <a:avLst/>
-            </a:prstGeom>
-            <a:solidFill>
-              <a:schemeClr val="bg1">
-                <a:lumMod val="75000"/>
-              </a:schemeClr>
-            </a:solidFill>
-          </p:spPr>
-          <p:style>
-            <a:lnRef idx="2">
-              <a:schemeClr val="accent1">
-                <a:shade val="50000"/>
-              </a:schemeClr>
-            </a:lnRef>
-            <a:fillRef idx="1">
-              <a:schemeClr val="accent1"/>
-            </a:fillRef>
-            <a:effectRef idx="0">
-              <a:schemeClr val="accent1"/>
-            </a:effectRef>
-            <a:fontRef idx="minor">
-              <a:schemeClr val="lt1"/>
-            </a:fontRef>
-          </p:style>
-          <p:txBody>
-            <a:bodyPr rtlCol="0" anchor="ctr"/>
-            <a:lstStyle/>
-            <a:p>
-              <a:pPr algn="ctr"/>
-              <a:r>
-                <a:rPr lang="en-US" altLang="ko-KR" dirty="0"/>
-                <a:t>-1</a:t>
-              </a:r>
-              <a:endParaRPr lang="ko-KR" altLang="en-US" dirty="0"/>
-            </a:p>
-          </p:txBody>
-        </p:sp>
-        <p:sp>
-          <p:nvSpPr>
-            <p:cNvPr id="10" name="직사각형 9">
-              <a:extLst>
-                <a:ext uri="{FF2B5EF4-FFF2-40B4-BE49-F238E27FC236}">
-                  <a16:creationId xmlns:a16="http://schemas.microsoft.com/office/drawing/2014/main" id="{7BCF7ED6-2C5B-4322-BBE4-6B13BA753214}"/>
-                </a:ext>
-              </a:extLst>
-            </p:cNvPr>
-            <p:cNvSpPr/>
-            <p:nvPr/>
-          </p:nvSpPr>
-          <p:spPr>
-            <a:xfrm>
-              <a:off x="3415717" y="2315362"/>
-              <a:ext cx="696286" cy="696286"/>
-            </a:xfrm>
-            <a:prstGeom prst="rect">
-              <a:avLst/>
-            </a:prstGeom>
-            <a:solidFill>
-              <a:schemeClr val="bg1"/>
-            </a:solidFill>
-          </p:spPr>
-          <p:style>
-            <a:lnRef idx="2">
-              <a:schemeClr val="accent1">
-                <a:shade val="50000"/>
-              </a:schemeClr>
-            </a:lnRef>
-            <a:fillRef idx="1">
-              <a:schemeClr val="accent1"/>
-            </a:fillRef>
-            <a:effectRef idx="0">
-              <a:schemeClr val="accent1"/>
-            </a:effectRef>
-            <a:fontRef idx="minor">
-              <a:schemeClr val="lt1"/>
-            </a:fontRef>
-          </p:style>
-          <p:txBody>
-            <a:bodyPr rtlCol="0" anchor="ctr"/>
-            <a:lstStyle/>
-            <a:p>
-              <a:pPr algn="ctr"/>
-              <a:r>
-                <a:rPr lang="en-US" altLang="ko-KR" dirty="0">
-                  <a:solidFill>
-                    <a:schemeClr val="tx1"/>
-                  </a:solidFill>
-                </a:rPr>
-                <a:t>0</a:t>
-              </a:r>
-              <a:endParaRPr lang="ko-KR" altLang="en-US" dirty="0">
-                <a:solidFill>
-                  <a:schemeClr val="tx1"/>
-                </a:solidFill>
-              </a:endParaRPr>
-            </a:p>
-          </p:txBody>
-        </p:sp>
-        <p:sp>
-          <p:nvSpPr>
-            <p:cNvPr id="11" name="직사각형 10">
-              <a:extLst>
-                <a:ext uri="{FF2B5EF4-FFF2-40B4-BE49-F238E27FC236}">
-                  <a16:creationId xmlns:a16="http://schemas.microsoft.com/office/drawing/2014/main" id="{19CB0F0E-D7F5-449E-B56C-2C0B3E4A6AD3}"/>
-                </a:ext>
-              </a:extLst>
-            </p:cNvPr>
-            <p:cNvSpPr/>
-            <p:nvPr/>
-          </p:nvSpPr>
-          <p:spPr>
-            <a:xfrm>
-              <a:off x="4112003" y="2315362"/>
-              <a:ext cx="696286" cy="696286"/>
-            </a:xfrm>
-            <a:prstGeom prst="rect">
-              <a:avLst/>
-            </a:prstGeom>
-            <a:solidFill>
-              <a:schemeClr val="bg1"/>
-            </a:solidFill>
-          </p:spPr>
-          <p:style>
-            <a:lnRef idx="2">
-              <a:schemeClr val="accent1">
-                <a:shade val="50000"/>
-              </a:schemeClr>
-            </a:lnRef>
-            <a:fillRef idx="1">
-              <a:schemeClr val="accent1"/>
-            </a:fillRef>
-            <a:effectRef idx="0">
-              <a:schemeClr val="accent1"/>
-            </a:effectRef>
-            <a:fontRef idx="minor">
-              <a:schemeClr val="lt1"/>
-            </a:fontRef>
-          </p:style>
-          <p:txBody>
-            <a:bodyPr rtlCol="0" anchor="ctr"/>
-            <a:lstStyle/>
-            <a:p>
-              <a:pPr algn="ctr"/>
-              <a:r>
-                <a:rPr lang="en-US" altLang="ko-KR" dirty="0">
-                  <a:solidFill>
-                    <a:schemeClr val="tx1"/>
-                  </a:solidFill>
-                </a:rPr>
-                <a:t>0</a:t>
-              </a:r>
-              <a:endParaRPr lang="ko-KR" altLang="en-US" dirty="0">
-                <a:solidFill>
-                  <a:schemeClr val="tx1"/>
-                </a:solidFill>
-              </a:endParaRPr>
-            </a:p>
-          </p:txBody>
-        </p:sp>
-        <p:sp>
-          <p:nvSpPr>
-            <p:cNvPr id="12" name="직사각형 11">
-              <a:extLst>
-                <a:ext uri="{FF2B5EF4-FFF2-40B4-BE49-F238E27FC236}">
-                  <a16:creationId xmlns:a16="http://schemas.microsoft.com/office/drawing/2014/main" id="{B8A691A9-58F9-4849-8708-E6B8BD6DFD55}"/>
-                </a:ext>
-              </a:extLst>
-            </p:cNvPr>
-            <p:cNvSpPr/>
-            <p:nvPr/>
-          </p:nvSpPr>
-          <p:spPr>
-            <a:xfrm>
-              <a:off x="2023145" y="3011648"/>
-              <a:ext cx="696286" cy="696286"/>
-            </a:xfrm>
-            <a:prstGeom prst="rect">
-              <a:avLst/>
-            </a:prstGeom>
-            <a:solidFill>
-              <a:schemeClr val="bg1"/>
-            </a:solidFill>
-          </p:spPr>
-          <p:style>
-            <a:lnRef idx="2">
-              <a:schemeClr val="accent1">
-                <a:shade val="50000"/>
-              </a:schemeClr>
-            </a:lnRef>
-            <a:fillRef idx="1">
-              <a:schemeClr val="accent1"/>
-            </a:fillRef>
-            <a:effectRef idx="0">
-              <a:schemeClr val="accent1"/>
-            </a:effectRef>
-            <a:fontRef idx="minor">
-              <a:schemeClr val="lt1"/>
-            </a:fontRef>
-          </p:style>
-          <p:txBody>
-            <a:bodyPr rtlCol="0" anchor="ctr"/>
-            <a:lstStyle/>
-            <a:p>
-              <a:pPr algn="ctr"/>
-              <a:r>
-                <a:rPr lang="en-US" altLang="ko-KR" dirty="0">
-                  <a:solidFill>
-                    <a:schemeClr val="tx1"/>
-                  </a:solidFill>
-                </a:rPr>
-                <a:t>1</a:t>
-              </a:r>
-              <a:endParaRPr lang="ko-KR" altLang="en-US" dirty="0">
-                <a:solidFill>
-                  <a:schemeClr val="tx1"/>
-                </a:solidFill>
-              </a:endParaRPr>
-            </a:p>
-          </p:txBody>
-        </p:sp>
-        <p:sp>
-          <p:nvSpPr>
-            <p:cNvPr id="13" name="직사각형 12">
-              <a:extLst>
-                <a:ext uri="{FF2B5EF4-FFF2-40B4-BE49-F238E27FC236}">
-                  <a16:creationId xmlns:a16="http://schemas.microsoft.com/office/drawing/2014/main" id="{0AFBCB64-85C2-472C-B905-0CC6AF53CF3F}"/>
-                </a:ext>
-              </a:extLst>
-            </p:cNvPr>
-            <p:cNvSpPr/>
-            <p:nvPr/>
-          </p:nvSpPr>
-          <p:spPr>
-            <a:xfrm>
-              <a:off x="2719431" y="3011648"/>
-              <a:ext cx="696286" cy="696286"/>
-            </a:xfrm>
-            <a:prstGeom prst="rect">
-              <a:avLst/>
-            </a:prstGeom>
-            <a:solidFill>
-              <a:schemeClr val="bg1"/>
-            </a:solidFill>
-          </p:spPr>
-          <p:style>
-            <a:lnRef idx="2">
-              <a:schemeClr val="accent1">
-                <a:shade val="50000"/>
-              </a:schemeClr>
-            </a:lnRef>
-            <a:fillRef idx="1">
-              <a:schemeClr val="accent1"/>
-            </a:fillRef>
-            <a:effectRef idx="0">
-              <a:schemeClr val="accent1"/>
-            </a:effectRef>
-            <a:fontRef idx="minor">
-              <a:schemeClr val="lt1"/>
-            </a:fontRef>
-          </p:style>
-          <p:txBody>
-            <a:bodyPr rtlCol="0" anchor="ctr"/>
-            <a:lstStyle/>
-            <a:p>
-              <a:pPr algn="ctr"/>
-              <a:r>
-                <a:rPr lang="en-US" altLang="ko-KR" dirty="0">
-                  <a:solidFill>
-                    <a:schemeClr val="tx1"/>
-                  </a:solidFill>
-                </a:rPr>
-                <a:t>1</a:t>
-              </a:r>
-              <a:endParaRPr lang="ko-KR" altLang="en-US" dirty="0">
-                <a:solidFill>
-                  <a:schemeClr val="tx1"/>
-                </a:solidFill>
-              </a:endParaRPr>
-            </a:p>
-          </p:txBody>
-        </p:sp>
-        <p:sp>
-          <p:nvSpPr>
-            <p:cNvPr id="14" name="직사각형 13">
-              <a:extLst>
-                <a:ext uri="{FF2B5EF4-FFF2-40B4-BE49-F238E27FC236}">
-                  <a16:creationId xmlns:a16="http://schemas.microsoft.com/office/drawing/2014/main" id="{BD11EF70-ED0C-4435-BA32-1BFE322386B9}"/>
-                </a:ext>
-              </a:extLst>
-            </p:cNvPr>
-            <p:cNvSpPr/>
-            <p:nvPr/>
-          </p:nvSpPr>
-          <p:spPr>
-            <a:xfrm>
-              <a:off x="3415717" y="3011648"/>
-              <a:ext cx="696286" cy="696286"/>
-            </a:xfrm>
-            <a:prstGeom prst="rect">
-              <a:avLst/>
-            </a:prstGeom>
-            <a:solidFill>
-              <a:schemeClr val="bg1"/>
-            </a:solidFill>
-          </p:spPr>
-          <p:style>
-            <a:lnRef idx="2">
-              <a:schemeClr val="accent1">
-                <a:shade val="50000"/>
-              </a:schemeClr>
-            </a:lnRef>
-            <a:fillRef idx="1">
-              <a:schemeClr val="accent1"/>
-            </a:fillRef>
-            <a:effectRef idx="0">
-              <a:schemeClr val="accent1"/>
-            </a:effectRef>
-            <a:fontRef idx="minor">
-              <a:schemeClr val="lt1"/>
-            </a:fontRef>
-          </p:style>
-          <p:txBody>
-            <a:bodyPr rtlCol="0" anchor="ctr"/>
-            <a:lstStyle/>
-            <a:p>
-              <a:pPr algn="ctr"/>
-              <a:r>
-                <a:rPr lang="en-US" altLang="ko-KR" dirty="0">
-                  <a:solidFill>
-                    <a:schemeClr val="tx1"/>
-                  </a:solidFill>
-                </a:rPr>
-                <a:t>1</a:t>
-              </a:r>
-              <a:endParaRPr lang="ko-KR" altLang="en-US" dirty="0">
-                <a:solidFill>
-                  <a:schemeClr val="tx1"/>
-                </a:solidFill>
-              </a:endParaRPr>
-            </a:p>
-          </p:txBody>
-        </p:sp>
-        <p:sp>
-          <p:nvSpPr>
-            <p:cNvPr id="15" name="직사각형 14">
-              <a:extLst>
-                <a:ext uri="{FF2B5EF4-FFF2-40B4-BE49-F238E27FC236}">
-                  <a16:creationId xmlns:a16="http://schemas.microsoft.com/office/drawing/2014/main" id="{5EAAB6F8-A53D-4D0E-A493-BFB012AB1E8D}"/>
-                </a:ext>
-              </a:extLst>
-            </p:cNvPr>
-            <p:cNvSpPr/>
-            <p:nvPr/>
-          </p:nvSpPr>
-          <p:spPr>
-            <a:xfrm>
-              <a:off x="4112003" y="3011648"/>
-              <a:ext cx="696286" cy="696286"/>
-            </a:xfrm>
-            <a:prstGeom prst="rect">
-              <a:avLst/>
-            </a:prstGeom>
-            <a:solidFill>
-              <a:schemeClr val="bg1"/>
-            </a:solidFill>
-          </p:spPr>
-          <p:style>
-            <a:lnRef idx="2">
-              <a:schemeClr val="accent1">
-                <a:shade val="50000"/>
-              </a:schemeClr>
-            </a:lnRef>
-            <a:fillRef idx="1">
-              <a:schemeClr val="accent1"/>
-            </a:fillRef>
-            <a:effectRef idx="0">
-              <a:schemeClr val="accent1"/>
-            </a:effectRef>
-            <a:fontRef idx="minor">
-              <a:schemeClr val="lt1"/>
-            </a:fontRef>
-          </p:style>
-          <p:txBody>
-            <a:bodyPr rtlCol="0" anchor="ctr"/>
-            <a:lstStyle/>
-            <a:p>
-              <a:pPr algn="ctr"/>
-              <a:r>
-                <a:rPr lang="en-US" altLang="ko-KR" dirty="0">
-                  <a:solidFill>
-                    <a:schemeClr val="tx1"/>
-                  </a:solidFill>
-                </a:rPr>
-                <a:t>1</a:t>
-              </a:r>
-              <a:endParaRPr lang="ko-KR" altLang="en-US" dirty="0">
-                <a:solidFill>
-                  <a:schemeClr val="tx1"/>
-                </a:solidFill>
-              </a:endParaRPr>
-            </a:p>
-          </p:txBody>
-        </p:sp>
-        <p:sp>
-          <p:nvSpPr>
-            <p:cNvPr id="16" name="직사각형 15">
-              <a:extLst>
-                <a:ext uri="{FF2B5EF4-FFF2-40B4-BE49-F238E27FC236}">
-                  <a16:creationId xmlns:a16="http://schemas.microsoft.com/office/drawing/2014/main" id="{9B487B6E-6727-4225-828A-8CD51BFDEEF9}"/>
-                </a:ext>
-              </a:extLst>
-            </p:cNvPr>
-            <p:cNvSpPr/>
-            <p:nvPr/>
-          </p:nvSpPr>
-          <p:spPr>
-            <a:xfrm>
-              <a:off x="2023145" y="3707934"/>
-              <a:ext cx="696286" cy="696286"/>
-            </a:xfrm>
-            <a:prstGeom prst="rect">
-              <a:avLst/>
-            </a:prstGeom>
-            <a:solidFill>
-              <a:schemeClr val="bg1"/>
-            </a:solidFill>
-          </p:spPr>
-          <p:style>
-            <a:lnRef idx="2">
-              <a:schemeClr val="accent1">
-                <a:shade val="50000"/>
-              </a:schemeClr>
-            </a:lnRef>
-            <a:fillRef idx="1">
-              <a:schemeClr val="accent1"/>
-            </a:fillRef>
-            <a:effectRef idx="0">
-              <a:schemeClr val="accent1"/>
-            </a:effectRef>
-            <a:fontRef idx="minor">
-              <a:schemeClr val="lt1"/>
-            </a:fontRef>
-          </p:style>
-          <p:txBody>
-            <a:bodyPr rtlCol="0" anchor="ctr"/>
-            <a:lstStyle/>
-            <a:p>
-              <a:pPr algn="ctr"/>
-              <a:r>
-                <a:rPr lang="en-US" altLang="ko-KR" dirty="0">
-                  <a:solidFill>
-                    <a:schemeClr val="tx1"/>
-                  </a:solidFill>
-                </a:rPr>
-                <a:t>2</a:t>
-              </a:r>
-              <a:endParaRPr lang="ko-KR" altLang="en-US" dirty="0">
-                <a:solidFill>
-                  <a:schemeClr val="tx1"/>
-                </a:solidFill>
-              </a:endParaRPr>
-            </a:p>
-          </p:txBody>
-        </p:sp>
-        <p:sp>
-          <p:nvSpPr>
-            <p:cNvPr id="17" name="직사각형 16">
-              <a:extLst>
-                <a:ext uri="{FF2B5EF4-FFF2-40B4-BE49-F238E27FC236}">
-                  <a16:creationId xmlns:a16="http://schemas.microsoft.com/office/drawing/2014/main" id="{32409F7C-7C17-4D3C-A521-0D6976740F89}"/>
-                </a:ext>
-              </a:extLst>
-            </p:cNvPr>
-            <p:cNvSpPr/>
-            <p:nvPr/>
-          </p:nvSpPr>
-          <p:spPr>
-            <a:xfrm>
-              <a:off x="2719431" y="3707934"/>
-              <a:ext cx="696286" cy="696286"/>
-            </a:xfrm>
-            <a:prstGeom prst="rect">
-              <a:avLst/>
-            </a:prstGeom>
-            <a:solidFill>
-              <a:schemeClr val="bg1"/>
-            </a:solidFill>
-          </p:spPr>
-          <p:style>
-            <a:lnRef idx="2">
-              <a:schemeClr val="accent1">
-                <a:shade val="50000"/>
-              </a:schemeClr>
-            </a:lnRef>
-            <a:fillRef idx="1">
-              <a:schemeClr val="accent1"/>
-            </a:fillRef>
-            <a:effectRef idx="0">
-              <a:schemeClr val="accent1"/>
-            </a:effectRef>
-            <a:fontRef idx="minor">
-              <a:schemeClr val="lt1"/>
-            </a:fontRef>
-          </p:style>
-          <p:txBody>
-            <a:bodyPr rtlCol="0" anchor="ctr"/>
-            <a:lstStyle/>
-            <a:p>
-              <a:pPr algn="ctr"/>
-              <a:r>
-                <a:rPr lang="en-US" altLang="ko-KR" dirty="0">
-                  <a:solidFill>
-                    <a:schemeClr val="tx1"/>
-                  </a:solidFill>
-                </a:rPr>
-                <a:t>2</a:t>
-              </a:r>
-              <a:endParaRPr lang="ko-KR" altLang="en-US" dirty="0">
-                <a:solidFill>
-                  <a:schemeClr val="tx1"/>
-                </a:solidFill>
-              </a:endParaRPr>
-            </a:p>
-          </p:txBody>
-        </p:sp>
-        <p:sp>
-          <p:nvSpPr>
-            <p:cNvPr id="18" name="직사각형 17">
-              <a:extLst>
-                <a:ext uri="{FF2B5EF4-FFF2-40B4-BE49-F238E27FC236}">
-                  <a16:creationId xmlns:a16="http://schemas.microsoft.com/office/drawing/2014/main" id="{FD831B0A-BF60-4EEC-A889-7FDD364DD972}"/>
-                </a:ext>
-              </a:extLst>
-            </p:cNvPr>
-            <p:cNvSpPr/>
-            <p:nvPr/>
-          </p:nvSpPr>
-          <p:spPr>
-            <a:xfrm>
-              <a:off x="3415717" y="3707934"/>
-              <a:ext cx="696286" cy="696286"/>
-            </a:xfrm>
-            <a:prstGeom prst="rect">
-              <a:avLst/>
-            </a:prstGeom>
-            <a:solidFill>
-              <a:schemeClr val="bg1"/>
-            </a:solidFill>
-          </p:spPr>
-          <p:style>
-            <a:lnRef idx="2">
-              <a:schemeClr val="accent1">
-                <a:shade val="50000"/>
-              </a:schemeClr>
-            </a:lnRef>
-            <a:fillRef idx="1">
-              <a:schemeClr val="accent1"/>
-            </a:fillRef>
-            <a:effectRef idx="0">
-              <a:schemeClr val="accent1"/>
-            </a:effectRef>
-            <a:fontRef idx="minor">
-              <a:schemeClr val="lt1"/>
-            </a:fontRef>
-          </p:style>
-          <p:txBody>
-            <a:bodyPr rtlCol="0" anchor="ctr"/>
-            <a:lstStyle/>
-            <a:p>
-              <a:pPr algn="ctr"/>
-              <a:r>
-                <a:rPr lang="en-US" altLang="ko-KR" dirty="0">
-                  <a:solidFill>
-                    <a:schemeClr val="tx1"/>
-                  </a:solidFill>
-                </a:rPr>
-                <a:t>0</a:t>
-              </a:r>
-              <a:endParaRPr lang="ko-KR" altLang="en-US" dirty="0">
-                <a:solidFill>
-                  <a:schemeClr val="tx1"/>
-                </a:solidFill>
-              </a:endParaRPr>
-            </a:p>
-          </p:txBody>
-        </p:sp>
-        <p:sp>
-          <p:nvSpPr>
-            <p:cNvPr id="19" name="직사각형 18">
-              <a:extLst>
-                <a:ext uri="{FF2B5EF4-FFF2-40B4-BE49-F238E27FC236}">
-                  <a16:creationId xmlns:a16="http://schemas.microsoft.com/office/drawing/2014/main" id="{9F1B8F05-DB65-4EA8-A199-D947BD8892C5}"/>
-                </a:ext>
-              </a:extLst>
-            </p:cNvPr>
-            <p:cNvSpPr/>
-            <p:nvPr/>
-          </p:nvSpPr>
-          <p:spPr>
-            <a:xfrm>
-              <a:off x="4112003" y="3707934"/>
-              <a:ext cx="696286" cy="696286"/>
-            </a:xfrm>
-            <a:prstGeom prst="rect">
-              <a:avLst/>
-            </a:prstGeom>
-            <a:solidFill>
-              <a:schemeClr val="bg1"/>
-            </a:solidFill>
-          </p:spPr>
-          <p:style>
-            <a:lnRef idx="2">
-              <a:schemeClr val="accent1">
-                <a:shade val="50000"/>
-              </a:schemeClr>
-            </a:lnRef>
-            <a:fillRef idx="1">
-              <a:schemeClr val="accent1"/>
-            </a:fillRef>
-            <a:effectRef idx="0">
-              <a:schemeClr val="accent1"/>
-            </a:effectRef>
-            <a:fontRef idx="minor">
-              <a:schemeClr val="lt1"/>
-            </a:fontRef>
-          </p:style>
-          <p:txBody>
-            <a:bodyPr rtlCol="0" anchor="ctr"/>
-            <a:lstStyle/>
-            <a:p>
-              <a:pPr algn="ctr"/>
-              <a:r>
-                <a:rPr lang="en-US" altLang="ko-KR" dirty="0">
-                  <a:solidFill>
-                    <a:schemeClr val="tx1"/>
-                  </a:solidFill>
-                </a:rPr>
-                <a:t>2</a:t>
-              </a:r>
-              <a:endParaRPr lang="ko-KR" altLang="en-US" dirty="0">
-                <a:solidFill>
-                  <a:schemeClr val="tx1"/>
-                </a:solidFill>
-              </a:endParaRPr>
-            </a:p>
-          </p:txBody>
-        </p:sp>
-        <p:sp>
-          <p:nvSpPr>
-            <p:cNvPr id="20" name="직사각형 19">
-              <a:extLst>
-                <a:ext uri="{FF2B5EF4-FFF2-40B4-BE49-F238E27FC236}">
-                  <a16:creationId xmlns:a16="http://schemas.microsoft.com/office/drawing/2014/main" id="{5620632F-34E6-45B1-90E4-3AC911B66BD7}"/>
-                </a:ext>
-              </a:extLst>
-            </p:cNvPr>
-            <p:cNvSpPr/>
-            <p:nvPr/>
-          </p:nvSpPr>
-          <p:spPr>
-            <a:xfrm>
-              <a:off x="2023145" y="4404220"/>
-              <a:ext cx="696286" cy="696286"/>
-            </a:xfrm>
-            <a:prstGeom prst="rect">
-              <a:avLst/>
-            </a:prstGeom>
-            <a:solidFill>
-              <a:schemeClr val="bg1"/>
-            </a:solidFill>
-          </p:spPr>
-          <p:style>
-            <a:lnRef idx="2">
-              <a:schemeClr val="accent1">
-                <a:shade val="50000"/>
-              </a:schemeClr>
-            </a:lnRef>
-            <a:fillRef idx="1">
-              <a:schemeClr val="accent1"/>
-            </a:fillRef>
-            <a:effectRef idx="0">
-              <a:schemeClr val="accent1"/>
-            </a:effectRef>
-            <a:fontRef idx="minor">
-              <a:schemeClr val="lt1"/>
-            </a:fontRef>
-          </p:style>
-          <p:txBody>
-            <a:bodyPr rtlCol="0" anchor="ctr"/>
-            <a:lstStyle/>
-            <a:p>
-              <a:pPr algn="ctr"/>
-              <a:r>
-                <a:rPr lang="en-US" altLang="ko-KR" dirty="0">
-                  <a:solidFill>
-                    <a:schemeClr val="tx1"/>
-                  </a:solidFill>
-                </a:rPr>
-                <a:t>3</a:t>
-              </a:r>
-              <a:endParaRPr lang="ko-KR" altLang="en-US" dirty="0">
-                <a:solidFill>
-                  <a:schemeClr val="tx1"/>
-                </a:solidFill>
-              </a:endParaRPr>
-            </a:p>
-          </p:txBody>
-        </p:sp>
-        <p:sp>
-          <p:nvSpPr>
-            <p:cNvPr id="21" name="직사각형 20">
-              <a:extLst>
-                <a:ext uri="{FF2B5EF4-FFF2-40B4-BE49-F238E27FC236}">
-                  <a16:creationId xmlns:a16="http://schemas.microsoft.com/office/drawing/2014/main" id="{03C7C037-F8EC-4B97-8148-8DE583970E4F}"/>
-                </a:ext>
-              </a:extLst>
-            </p:cNvPr>
-            <p:cNvSpPr/>
-            <p:nvPr/>
-          </p:nvSpPr>
-          <p:spPr>
-            <a:xfrm>
-              <a:off x="2719431" y="4404220"/>
-              <a:ext cx="696286" cy="696286"/>
-            </a:xfrm>
-            <a:prstGeom prst="rect">
-              <a:avLst/>
-            </a:prstGeom>
-            <a:solidFill>
-              <a:schemeClr val="bg1"/>
-            </a:solidFill>
-          </p:spPr>
-          <p:style>
-            <a:lnRef idx="2">
-              <a:schemeClr val="accent1">
-                <a:shade val="50000"/>
-              </a:schemeClr>
-            </a:lnRef>
-            <a:fillRef idx="1">
-              <a:schemeClr val="accent1"/>
-            </a:fillRef>
-            <a:effectRef idx="0">
-              <a:schemeClr val="accent1"/>
-            </a:effectRef>
-            <a:fontRef idx="minor">
-              <a:schemeClr val="lt1"/>
-            </a:fontRef>
-          </p:style>
-          <p:txBody>
-            <a:bodyPr rtlCol="0" anchor="ctr"/>
-            <a:lstStyle/>
-            <a:p>
-              <a:pPr algn="ctr"/>
-              <a:r>
-                <a:rPr lang="en-US" altLang="ko-KR" dirty="0">
-                  <a:solidFill>
-                    <a:schemeClr val="tx1"/>
-                  </a:solidFill>
-                </a:rPr>
-                <a:t>3</a:t>
-              </a:r>
-              <a:endParaRPr lang="ko-KR" altLang="en-US" dirty="0">
-                <a:solidFill>
-                  <a:schemeClr val="tx1"/>
-                </a:solidFill>
-              </a:endParaRPr>
-            </a:p>
-          </p:txBody>
-        </p:sp>
-        <p:sp>
-          <p:nvSpPr>
-            <p:cNvPr id="22" name="직사각형 21">
-              <a:extLst>
-                <a:ext uri="{FF2B5EF4-FFF2-40B4-BE49-F238E27FC236}">
-                  <a16:creationId xmlns:a16="http://schemas.microsoft.com/office/drawing/2014/main" id="{77871F56-E527-4CE2-964F-DB530D2F8D29}"/>
-                </a:ext>
-              </a:extLst>
-            </p:cNvPr>
-            <p:cNvSpPr/>
-            <p:nvPr/>
-          </p:nvSpPr>
-          <p:spPr>
-            <a:xfrm>
-              <a:off x="3415717" y="4404220"/>
-              <a:ext cx="696286" cy="696286"/>
-            </a:xfrm>
-            <a:prstGeom prst="rect">
-              <a:avLst/>
-            </a:prstGeom>
-            <a:solidFill>
-              <a:schemeClr val="bg1">
-                <a:lumMod val="75000"/>
-              </a:schemeClr>
-            </a:solidFill>
-          </p:spPr>
-          <p:style>
-            <a:lnRef idx="2">
-              <a:schemeClr val="accent1">
-                <a:shade val="50000"/>
-              </a:schemeClr>
-            </a:lnRef>
-            <a:fillRef idx="1">
-              <a:schemeClr val="accent1"/>
-            </a:fillRef>
-            <a:effectRef idx="0">
-              <a:schemeClr val="accent1"/>
-            </a:effectRef>
-            <a:fontRef idx="minor">
-              <a:schemeClr val="lt1"/>
-            </a:fontRef>
-          </p:style>
-          <p:txBody>
-            <a:bodyPr rtlCol="0" anchor="ctr"/>
-            <a:lstStyle/>
-            <a:p>
-              <a:pPr algn="ctr"/>
-              <a:r>
-                <a:rPr lang="en-US" altLang="ko-KR" dirty="0"/>
-                <a:t>-1</a:t>
-              </a:r>
-              <a:endParaRPr lang="ko-KR" altLang="en-US" dirty="0"/>
-            </a:p>
-          </p:txBody>
-        </p:sp>
-        <p:sp>
-          <p:nvSpPr>
-            <p:cNvPr id="23" name="직사각형 22">
-              <a:extLst>
-                <a:ext uri="{FF2B5EF4-FFF2-40B4-BE49-F238E27FC236}">
-                  <a16:creationId xmlns:a16="http://schemas.microsoft.com/office/drawing/2014/main" id="{E869B06A-F77F-445C-9BC8-A1D0679AFEB2}"/>
-                </a:ext>
-              </a:extLst>
-            </p:cNvPr>
-            <p:cNvSpPr/>
-            <p:nvPr/>
-          </p:nvSpPr>
-          <p:spPr>
-            <a:xfrm>
-              <a:off x="4112003" y="4404220"/>
-              <a:ext cx="696286" cy="696286"/>
-            </a:xfrm>
-            <a:prstGeom prst="rect">
-              <a:avLst/>
-            </a:prstGeom>
-            <a:solidFill>
-              <a:schemeClr val="bg1"/>
-            </a:solidFill>
-          </p:spPr>
-          <p:style>
-            <a:lnRef idx="2">
-              <a:schemeClr val="accent1">
-                <a:shade val="50000"/>
-              </a:schemeClr>
-            </a:lnRef>
-            <a:fillRef idx="1">
-              <a:schemeClr val="accent1"/>
-            </a:fillRef>
-            <a:effectRef idx="0">
-              <a:schemeClr val="accent1"/>
-            </a:effectRef>
-            <a:fontRef idx="minor">
-              <a:schemeClr val="lt1"/>
-            </a:fontRef>
-          </p:style>
-          <p:txBody>
-            <a:bodyPr rtlCol="0" anchor="ctr"/>
-            <a:lstStyle/>
-            <a:p>
-              <a:pPr algn="ctr"/>
-              <a:r>
-                <a:rPr lang="en-US" altLang="ko-KR" dirty="0">
-                  <a:solidFill>
-                    <a:schemeClr val="tx1"/>
-                  </a:solidFill>
-                </a:rPr>
-                <a:t>3</a:t>
-              </a:r>
-              <a:endParaRPr lang="ko-KR" altLang="en-US" dirty="0">
-                <a:solidFill>
-                  <a:schemeClr val="tx1"/>
-                </a:solidFill>
-              </a:endParaRPr>
-            </a:p>
-          </p:txBody>
-        </p:sp>
-      </p:grpSp>
-      <p:cxnSp>
-        <p:nvCxnSpPr>
-          <p:cNvPr id="106" name="직선 연결선 105">
-            <a:extLst>
-              <a:ext uri="{FF2B5EF4-FFF2-40B4-BE49-F238E27FC236}">
-                <a16:creationId xmlns:a16="http://schemas.microsoft.com/office/drawing/2014/main" id="{C7AD5EBF-AF94-4FB8-8ED6-8C61B4FD89A1}"/>
-              </a:ext>
-            </a:extLst>
-          </p:cNvPr>
-          <p:cNvCxnSpPr/>
-          <p:nvPr/>
-        </p:nvCxnSpPr>
-        <p:spPr>
-          <a:xfrm>
-            <a:off x="4772025" y="2247900"/>
-            <a:ext cx="426291" cy="304800"/>
-          </a:xfrm>
-          <a:prstGeom prst="line">
-            <a:avLst/>
-          </a:prstGeom>
-          <a:ln w="28575">
-            <a:solidFill>
-              <a:srgbClr val="00B050"/>
-            </a:solidFill>
-          </a:ln>
-        </p:spPr>
-        <p:style>
-          <a:lnRef idx="1">
-            <a:schemeClr val="accent1"/>
-          </a:lnRef>
-          <a:fillRef idx="0">
-            <a:schemeClr val="accent1"/>
-          </a:fillRef>
-          <a:effectRef idx="0">
-            <a:schemeClr val="accent1"/>
-          </a:effectRef>
-          <a:fontRef idx="minor">
-            <a:schemeClr val="tx1"/>
-          </a:fontRef>
-        </p:style>
-      </p:cxnSp>
-      <p:cxnSp>
-        <p:nvCxnSpPr>
-          <p:cNvPr id="107" name="직선 연결선 106">
-            <a:extLst>
-              <a:ext uri="{FF2B5EF4-FFF2-40B4-BE49-F238E27FC236}">
-                <a16:creationId xmlns:a16="http://schemas.microsoft.com/office/drawing/2014/main" id="{326717B9-ECBB-4C9B-BCBC-B78027CCD1DA}"/>
-              </a:ext>
-            </a:extLst>
-          </p:cNvPr>
-          <p:cNvCxnSpPr>
-            <a:cxnSpLocks/>
-          </p:cNvCxnSpPr>
-          <p:nvPr/>
-        </p:nvCxnSpPr>
-        <p:spPr>
-          <a:xfrm>
-            <a:off x="5198316" y="2552700"/>
-            <a:ext cx="439471" cy="167796"/>
-          </a:xfrm>
-          <a:prstGeom prst="line">
-            <a:avLst/>
-          </a:prstGeom>
-          <a:ln w="28575">
-            <a:solidFill>
-              <a:srgbClr val="00B050"/>
-            </a:solidFill>
-          </a:ln>
-        </p:spPr>
-        <p:style>
-          <a:lnRef idx="1">
-            <a:schemeClr val="accent1"/>
-          </a:lnRef>
-          <a:fillRef idx="0">
-            <a:schemeClr val="accent1"/>
-          </a:fillRef>
-          <a:effectRef idx="0">
-            <a:schemeClr val="accent1"/>
-          </a:effectRef>
-          <a:fontRef idx="minor">
-            <a:schemeClr val="tx1"/>
-          </a:fontRef>
-        </p:style>
-      </p:cxnSp>
-      <p:cxnSp>
-        <p:nvCxnSpPr>
-          <p:cNvPr id="108" name="직선 연결선 107">
-            <a:extLst>
-              <a:ext uri="{FF2B5EF4-FFF2-40B4-BE49-F238E27FC236}">
-                <a16:creationId xmlns:a16="http://schemas.microsoft.com/office/drawing/2014/main" id="{7FF5941F-3BE5-4AAC-9A0F-81A0F3D752F5}"/>
-              </a:ext>
-            </a:extLst>
-          </p:cNvPr>
-          <p:cNvCxnSpPr>
-            <a:cxnSpLocks/>
-          </p:cNvCxnSpPr>
-          <p:nvPr/>
-        </p:nvCxnSpPr>
-        <p:spPr>
-          <a:xfrm flipV="1">
-            <a:off x="5637787" y="2552700"/>
-            <a:ext cx="458213" cy="167796"/>
-          </a:xfrm>
-          <a:prstGeom prst="line">
-            <a:avLst/>
-          </a:prstGeom>
-          <a:ln w="28575">
-            <a:solidFill>
-              <a:srgbClr val="00B050"/>
-            </a:solidFill>
-          </a:ln>
-        </p:spPr>
-        <p:style>
-          <a:lnRef idx="1">
-            <a:schemeClr val="accent1"/>
-          </a:lnRef>
-          <a:fillRef idx="0">
-            <a:schemeClr val="accent1"/>
-          </a:fillRef>
-          <a:effectRef idx="0">
-            <a:schemeClr val="accent1"/>
-          </a:effectRef>
-          <a:fontRef idx="minor">
-            <a:schemeClr val="tx1"/>
-          </a:fontRef>
-        </p:style>
-      </p:cxnSp>
-      <p:cxnSp>
-        <p:nvCxnSpPr>
-          <p:cNvPr id="109" name="직선 연결선 108">
-            <a:extLst>
-              <a:ext uri="{FF2B5EF4-FFF2-40B4-BE49-F238E27FC236}">
-                <a16:creationId xmlns:a16="http://schemas.microsoft.com/office/drawing/2014/main" id="{EA30AADE-7CA4-444F-833E-4626FF5B35EC}"/>
-              </a:ext>
-            </a:extLst>
-          </p:cNvPr>
-          <p:cNvCxnSpPr>
-            <a:cxnSpLocks/>
-          </p:cNvCxnSpPr>
-          <p:nvPr/>
-        </p:nvCxnSpPr>
-        <p:spPr>
-          <a:xfrm flipV="1">
-            <a:off x="6096000" y="2314576"/>
-            <a:ext cx="400050" cy="238124"/>
-          </a:xfrm>
-          <a:prstGeom prst="line">
-            <a:avLst/>
-          </a:prstGeom>
-          <a:ln w="28575">
-            <a:solidFill>
-              <a:srgbClr val="00B050"/>
-            </a:solidFill>
-          </a:ln>
-        </p:spPr>
-        <p:style>
-          <a:lnRef idx="1">
-            <a:schemeClr val="accent1"/>
-          </a:lnRef>
-          <a:fillRef idx="0">
-            <a:schemeClr val="accent1"/>
-          </a:fillRef>
-          <a:effectRef idx="0">
-            <a:schemeClr val="accent1"/>
-          </a:effectRef>
-          <a:fontRef idx="minor">
-            <a:schemeClr val="tx1"/>
-          </a:fontRef>
-        </p:style>
-      </p:cxnSp>
-      <p:cxnSp>
-        <p:nvCxnSpPr>
-          <p:cNvPr id="110" name="직선 연결선 109">
-            <a:extLst>
-              <a:ext uri="{FF2B5EF4-FFF2-40B4-BE49-F238E27FC236}">
-                <a16:creationId xmlns:a16="http://schemas.microsoft.com/office/drawing/2014/main" id="{CD2B4E41-9BF5-429C-9145-B83E462CE537}"/>
-              </a:ext>
-            </a:extLst>
-          </p:cNvPr>
-          <p:cNvCxnSpPr/>
-          <p:nvPr/>
-        </p:nvCxnSpPr>
-        <p:spPr>
-          <a:xfrm flipV="1">
-            <a:off x="6496050" y="2105025"/>
-            <a:ext cx="460149" cy="209550"/>
-          </a:xfrm>
-          <a:prstGeom prst="line">
-            <a:avLst/>
-          </a:prstGeom>
-          <a:ln w="28575">
-            <a:solidFill>
-              <a:srgbClr val="00B050"/>
-            </a:solidFill>
-          </a:ln>
-        </p:spPr>
-        <p:style>
-          <a:lnRef idx="1">
-            <a:schemeClr val="accent1"/>
-          </a:lnRef>
-          <a:fillRef idx="0">
-            <a:schemeClr val="accent1"/>
-          </a:fillRef>
-          <a:effectRef idx="0">
-            <a:schemeClr val="accent1"/>
-          </a:effectRef>
-          <a:fontRef idx="minor">
-            <a:schemeClr val="tx1"/>
-          </a:fontRef>
-        </p:style>
-      </p:cxnSp>
-      <p:cxnSp>
-        <p:nvCxnSpPr>
-          <p:cNvPr id="111" name="직선 연결선 110">
-            <a:extLst>
-              <a:ext uri="{FF2B5EF4-FFF2-40B4-BE49-F238E27FC236}">
-                <a16:creationId xmlns:a16="http://schemas.microsoft.com/office/drawing/2014/main" id="{BB092F36-F80A-462A-B4DD-01FF85D82E51}"/>
-              </a:ext>
-            </a:extLst>
-          </p:cNvPr>
-          <p:cNvCxnSpPr>
-            <a:cxnSpLocks/>
-          </p:cNvCxnSpPr>
-          <p:nvPr/>
-        </p:nvCxnSpPr>
-        <p:spPr>
-          <a:xfrm flipV="1">
-            <a:off x="6956199" y="1841555"/>
-            <a:ext cx="439471" cy="263470"/>
-          </a:xfrm>
-          <a:prstGeom prst="line">
-            <a:avLst/>
-          </a:prstGeom>
-          <a:ln w="28575">
-            <a:solidFill>
-              <a:srgbClr val="00B050"/>
-            </a:solidFill>
-          </a:ln>
-        </p:spPr>
-        <p:style>
-          <a:lnRef idx="1">
-            <a:schemeClr val="accent1"/>
-          </a:lnRef>
-          <a:fillRef idx="0">
-            <a:schemeClr val="accent1"/>
-          </a:fillRef>
-          <a:effectRef idx="0">
-            <a:schemeClr val="accent1"/>
-          </a:effectRef>
-          <a:fontRef idx="minor">
-            <a:schemeClr val="tx1"/>
-          </a:fontRef>
-        </p:style>
-      </p:cxnSp>
-      <p:cxnSp>
-        <p:nvCxnSpPr>
-          <p:cNvPr id="112" name="직선 연결선 111">
-            <a:extLst>
-              <a:ext uri="{FF2B5EF4-FFF2-40B4-BE49-F238E27FC236}">
-                <a16:creationId xmlns:a16="http://schemas.microsoft.com/office/drawing/2014/main" id="{FEA16E35-0A06-4D4C-9D7C-2EFAB4B8E913}"/>
-              </a:ext>
-            </a:extLst>
-          </p:cNvPr>
-          <p:cNvCxnSpPr/>
-          <p:nvPr/>
-        </p:nvCxnSpPr>
-        <p:spPr>
-          <a:xfrm flipV="1">
-            <a:off x="5637787" y="4667250"/>
-            <a:ext cx="439471" cy="323850"/>
-          </a:xfrm>
-          <a:prstGeom prst="line">
-            <a:avLst/>
-          </a:prstGeom>
-          <a:ln w="28575">
-            <a:solidFill>
-              <a:srgbClr val="00B050"/>
-            </a:solidFill>
-          </a:ln>
-        </p:spPr>
-        <p:style>
-          <a:lnRef idx="1">
-            <a:schemeClr val="accent1"/>
-          </a:lnRef>
-          <a:fillRef idx="0">
-            <a:schemeClr val="accent1"/>
-          </a:fillRef>
-          <a:effectRef idx="0">
-            <a:schemeClr val="accent1"/>
-          </a:effectRef>
-          <a:fontRef idx="minor">
-            <a:schemeClr val="tx1"/>
-          </a:fontRef>
-        </p:style>
-      </p:cxnSp>
-      <p:cxnSp>
-        <p:nvCxnSpPr>
-          <p:cNvPr id="113" name="직선 연결선 112">
-            <a:extLst>
-              <a:ext uri="{FF2B5EF4-FFF2-40B4-BE49-F238E27FC236}">
-                <a16:creationId xmlns:a16="http://schemas.microsoft.com/office/drawing/2014/main" id="{A7AC391C-1B32-48F8-95C0-B773AE447038}"/>
-              </a:ext>
-            </a:extLst>
-          </p:cNvPr>
-          <p:cNvCxnSpPr/>
-          <p:nvPr/>
-        </p:nvCxnSpPr>
-        <p:spPr>
-          <a:xfrm flipV="1">
-            <a:off x="6077258" y="4478380"/>
-            <a:ext cx="439471" cy="188870"/>
-          </a:xfrm>
-          <a:prstGeom prst="line">
-            <a:avLst/>
-          </a:prstGeom>
-          <a:ln w="28575">
-            <a:solidFill>
-              <a:srgbClr val="00B050"/>
-            </a:solidFill>
-          </a:ln>
-        </p:spPr>
-        <p:style>
-          <a:lnRef idx="1">
-            <a:schemeClr val="accent1"/>
-          </a:lnRef>
-          <a:fillRef idx="0">
-            <a:schemeClr val="accent1"/>
-          </a:fillRef>
-          <a:effectRef idx="0">
-            <a:schemeClr val="accent1"/>
-          </a:effectRef>
-          <a:fontRef idx="minor">
-            <a:schemeClr val="tx1"/>
-          </a:fontRef>
-        </p:style>
-      </p:cxnSp>
-      <p:cxnSp>
-        <p:nvCxnSpPr>
-          <p:cNvPr id="114" name="직선 연결선 113">
-            <a:extLst>
-              <a:ext uri="{FF2B5EF4-FFF2-40B4-BE49-F238E27FC236}">
-                <a16:creationId xmlns:a16="http://schemas.microsoft.com/office/drawing/2014/main" id="{EDEAD5D2-B85A-449C-B739-B88830B1B2D6}"/>
-              </a:ext>
-            </a:extLst>
-          </p:cNvPr>
-          <p:cNvCxnSpPr/>
-          <p:nvPr/>
-        </p:nvCxnSpPr>
-        <p:spPr>
-          <a:xfrm>
-            <a:off x="6516729" y="4478380"/>
-            <a:ext cx="439470" cy="188870"/>
-          </a:xfrm>
-          <a:prstGeom prst="line">
-            <a:avLst/>
-          </a:prstGeom>
-          <a:ln w="28575">
-            <a:solidFill>
-              <a:srgbClr val="00B050"/>
-            </a:solidFill>
-          </a:ln>
-        </p:spPr>
-        <p:style>
-          <a:lnRef idx="1">
-            <a:schemeClr val="accent1"/>
-          </a:lnRef>
-          <a:fillRef idx="0">
-            <a:schemeClr val="accent1"/>
-          </a:fillRef>
-          <a:effectRef idx="0">
-            <a:schemeClr val="accent1"/>
-          </a:effectRef>
-          <a:fontRef idx="minor">
-            <a:schemeClr val="tx1"/>
-          </a:fontRef>
-        </p:style>
-      </p:cxnSp>
-      <p:cxnSp>
-        <p:nvCxnSpPr>
-          <p:cNvPr id="115" name="직선 연결선 114">
-            <a:extLst>
-              <a:ext uri="{FF2B5EF4-FFF2-40B4-BE49-F238E27FC236}">
-                <a16:creationId xmlns:a16="http://schemas.microsoft.com/office/drawing/2014/main" id="{8103E573-4DC2-4325-B93B-EF76FB844F10}"/>
-              </a:ext>
-            </a:extLst>
-          </p:cNvPr>
-          <p:cNvCxnSpPr/>
-          <p:nvPr/>
-        </p:nvCxnSpPr>
-        <p:spPr>
-          <a:xfrm>
-            <a:off x="6956199" y="4667250"/>
-            <a:ext cx="439471" cy="690071"/>
-          </a:xfrm>
-          <a:prstGeom prst="line">
-            <a:avLst/>
-          </a:prstGeom>
-          <a:ln w="28575">
-            <a:solidFill>
-              <a:srgbClr val="00B050"/>
-            </a:solidFill>
-          </a:ln>
-        </p:spPr>
-        <p:style>
-          <a:lnRef idx="1">
-            <a:schemeClr val="accent1"/>
-          </a:lnRef>
-          <a:fillRef idx="0">
-            <a:schemeClr val="accent1"/>
-          </a:fillRef>
-          <a:effectRef idx="0">
-            <a:schemeClr val="accent1"/>
-          </a:effectRef>
-          <a:fontRef idx="minor">
-            <a:schemeClr val="tx1"/>
-          </a:fontRef>
-        </p:style>
-      </p:cxnSp>
-      <p:cxnSp>
-        <p:nvCxnSpPr>
-          <p:cNvPr id="116" name="직선 연결선 115">
-            <a:extLst>
-              <a:ext uri="{FF2B5EF4-FFF2-40B4-BE49-F238E27FC236}">
-                <a16:creationId xmlns:a16="http://schemas.microsoft.com/office/drawing/2014/main" id="{32550265-F878-4220-A34A-B872BAAF8090}"/>
-              </a:ext>
-            </a:extLst>
-          </p:cNvPr>
-          <p:cNvCxnSpPr/>
-          <p:nvPr/>
-        </p:nvCxnSpPr>
-        <p:spPr>
-          <a:xfrm flipH="1">
-            <a:off x="4758845" y="4991100"/>
-            <a:ext cx="878942" cy="366221"/>
-          </a:xfrm>
-          <a:prstGeom prst="line">
-            <a:avLst/>
-          </a:prstGeom>
-          <a:ln w="28575">
-            <a:solidFill>
-              <a:srgbClr val="00B050"/>
-            </a:solidFill>
-          </a:ln>
-        </p:spPr>
-        <p:style>
-          <a:lnRef idx="1">
-            <a:schemeClr val="accent1"/>
-          </a:lnRef>
-          <a:fillRef idx="0">
-            <a:schemeClr val="accent1"/>
-          </a:fillRef>
-          <a:effectRef idx="0">
-            <a:schemeClr val="accent1"/>
-          </a:effectRef>
-          <a:fontRef idx="minor">
-            <a:schemeClr val="tx1"/>
-          </a:fontRef>
-        </p:style>
-      </p:cxnSp>
-      <p:sp>
-        <p:nvSpPr>
-          <p:cNvPr id="2124" name="TextBox 2123">
-            <a:extLst>
-              <a:ext uri="{FF2B5EF4-FFF2-40B4-BE49-F238E27FC236}">
-                <a16:creationId xmlns:a16="http://schemas.microsoft.com/office/drawing/2014/main" id="{4B6EAF13-8ABE-4F06-8F8F-633E057827D2}"/>
-              </a:ext>
-            </a:extLst>
-          </p:cNvPr>
-          <p:cNvSpPr txBox="1"/>
-          <p:nvPr/>
-        </p:nvSpPr>
-        <p:spPr>
-          <a:xfrm>
-            <a:off x="3038605" y="5870040"/>
-            <a:ext cx="6077305" cy="523220"/>
-          </a:xfrm>
-          <a:prstGeom prst="rect">
-            <a:avLst/>
-          </a:prstGeom>
-          <a:noFill/>
-        </p:spPr>
-        <p:txBody>
-          <a:bodyPr wrap="none" rtlCol="0">
-            <a:spAutoFit/>
-          </a:bodyPr>
-          <a:lstStyle/>
-          <a:p>
-            <a:pPr algn="ctr"/>
-            <a:r>
-              <a:rPr lang="ko-KR" altLang="en-US" sz="2800" dirty="0" err="1"/>
-              <a:t>보간되어</a:t>
-            </a:r>
-            <a:r>
-              <a:rPr lang="ko-KR" altLang="en-US" sz="2800" dirty="0"/>
-              <a:t> 좀더 부드러운 형태를 형성</a:t>
-            </a:r>
-          </a:p>
-        </p:txBody>
-      </p:sp>
-    </p:spTree>
-    <p:extLst>
-      <p:ext uri="{BB962C8B-B14F-4D97-AF65-F5344CB8AC3E}">
-        <p14:creationId xmlns:p14="http://schemas.microsoft.com/office/powerpoint/2010/main" val="1317580478"/>
-      </p:ext>
-    </p:extLst>
-  </p:cSld>
-  <p:clrMapOvr>
-    <a:masterClrMapping/>
-  </p:clrMapOvr>
-  <p:timing>
-    <p:tnLst>
-      <p:par>
-        <p:cTn id="1" dur="indefinite" restart="never" nodeType="tmRoot">
-          <p:childTnLst>
-            <p:seq concurrent="1" nextAc="seek">
-              <p:cTn id="2" dur="indefinite" nodeType="mainSeq">
-                <p:childTnLst>
-                  <p:par>
-                    <p:cTn id="3" fill="hold">
-                      <p:stCondLst>
-                        <p:cond delay="indefinite"/>
-                      </p:stCondLst>
-                      <p:childTnLst>
-                        <p:par>
-                          <p:cTn id="4" fill="hold">
-                            <p:stCondLst>
-                              <p:cond delay="0"/>
-                            </p:stCondLst>
-                            <p:childTnLst>
-                              <p:par>
-                                <p:cTn id="5" presetID="1" presetClass="entr" presetSubtype="0" fill="hold" nodeType="clickEffect">
-                                  <p:stCondLst>
-                                    <p:cond delay="0"/>
-                                  </p:stCondLst>
-                                  <p:childTnLst>
-                                    <p:set>
-                                      <p:cBhvr>
-                                        <p:cTn id="6" dur="1" fill="hold">
-                                          <p:stCondLst>
-                                            <p:cond delay="0"/>
-                                          </p:stCondLst>
-                                        </p:cTn>
-                                        <p:tgtEl>
-                                          <p:spTgt spid="7"/>
-                                        </p:tgtEl>
-                                        <p:attrNameLst>
-                                          <p:attrName>style.visibility</p:attrName>
-                                        </p:attrNameLst>
-                                      </p:cBhvr>
-                                      <p:to>
-                                        <p:strVal val="visible"/>
-                                      </p:to>
-                                    </p:set>
-                                  </p:childTnLst>
-                                </p:cTn>
-                              </p:par>
-                            </p:childTnLst>
-                          </p:cTn>
-                        </p:par>
-                      </p:childTnLst>
-                    </p:cTn>
-                  </p:par>
-                  <p:par>
-                    <p:cTn id="7" fill="hold">
-                      <p:stCondLst>
-                        <p:cond delay="indefinite"/>
-                      </p:stCondLst>
-                      <p:childTnLst>
-                        <p:par>
-                          <p:cTn id="8" fill="hold">
-                            <p:stCondLst>
-                              <p:cond delay="0"/>
-                            </p:stCondLst>
-                            <p:childTnLst>
-                              <p:par>
-                                <p:cTn id="9" presetID="2" presetClass="entr" presetSubtype="4" fill="hold" nodeType="clickEffect">
-                                  <p:stCondLst>
-                                    <p:cond delay="0"/>
-                                  </p:stCondLst>
-                                  <p:childTnLst>
-                                    <p:set>
-                                      <p:cBhvr>
-                                        <p:cTn id="10" dur="1" fill="hold">
-                                          <p:stCondLst>
-                                            <p:cond delay="0"/>
-                                          </p:stCondLst>
-                                        </p:cTn>
-                                        <p:tgtEl>
-                                          <p:spTgt spid="106"/>
-                                        </p:tgtEl>
-                                        <p:attrNameLst>
-                                          <p:attrName>style.visibility</p:attrName>
-                                        </p:attrNameLst>
-                                      </p:cBhvr>
-                                      <p:to>
-                                        <p:strVal val="visible"/>
-                                      </p:to>
-                                    </p:set>
-                                    <p:anim calcmode="lin" valueType="num">
-                                      <p:cBhvr additive="base">
-                                        <p:cTn id="11" dur="500" fill="hold"/>
-                                        <p:tgtEl>
-                                          <p:spTgt spid="106"/>
-                                        </p:tgtEl>
-                                        <p:attrNameLst>
-                                          <p:attrName>ppt_x</p:attrName>
-                                        </p:attrNameLst>
-                                      </p:cBhvr>
-                                      <p:tavLst>
-                                        <p:tav tm="0">
-                                          <p:val>
-                                            <p:strVal val="#ppt_x"/>
-                                          </p:val>
-                                        </p:tav>
-                                        <p:tav tm="100000">
-                                          <p:val>
-                                            <p:strVal val="#ppt_x"/>
-                                          </p:val>
-                                        </p:tav>
-                                      </p:tavLst>
-                                    </p:anim>
-                                    <p:anim calcmode="lin" valueType="num">
-                                      <p:cBhvr additive="base">
-                                        <p:cTn id="12" dur="500" fill="hold"/>
-                                        <p:tgtEl>
-                                          <p:spTgt spid="106"/>
-                                        </p:tgtEl>
-                                        <p:attrNameLst>
-                                          <p:attrName>ppt_y</p:attrName>
-                                        </p:attrNameLst>
-                                      </p:cBhvr>
-                                      <p:tavLst>
-                                        <p:tav tm="0">
-                                          <p:val>
-                                            <p:strVal val="1+#ppt_h/2"/>
-                                          </p:val>
-                                        </p:tav>
-                                        <p:tav tm="100000">
-                                          <p:val>
-                                            <p:strVal val="#ppt_y"/>
-                                          </p:val>
-                                        </p:tav>
-                                      </p:tavLst>
-                                    </p:anim>
-                                  </p:childTnLst>
-                                </p:cTn>
-                              </p:par>
-                            </p:childTnLst>
-                          </p:cTn>
-                        </p:par>
-                        <p:par>
-                          <p:cTn id="13" fill="hold">
-                            <p:stCondLst>
-                              <p:cond delay="500"/>
-                            </p:stCondLst>
-                            <p:childTnLst>
-                              <p:par>
-                                <p:cTn id="14" presetID="2" presetClass="entr" presetSubtype="4" fill="hold" nodeType="afterEffect">
-                                  <p:stCondLst>
-                                    <p:cond delay="0"/>
-                                  </p:stCondLst>
-                                  <p:childTnLst>
-                                    <p:set>
-                                      <p:cBhvr>
-                                        <p:cTn id="15" dur="1" fill="hold">
-                                          <p:stCondLst>
-                                            <p:cond delay="0"/>
-                                          </p:stCondLst>
-                                        </p:cTn>
-                                        <p:tgtEl>
-                                          <p:spTgt spid="107"/>
-                                        </p:tgtEl>
-                                        <p:attrNameLst>
-                                          <p:attrName>style.visibility</p:attrName>
-                                        </p:attrNameLst>
-                                      </p:cBhvr>
-                                      <p:to>
-                                        <p:strVal val="visible"/>
-                                      </p:to>
-                                    </p:set>
-                                    <p:anim calcmode="lin" valueType="num">
-                                      <p:cBhvr additive="base">
-                                        <p:cTn id="16" dur="500" fill="hold"/>
-                                        <p:tgtEl>
-                                          <p:spTgt spid="107"/>
-                                        </p:tgtEl>
-                                        <p:attrNameLst>
-                                          <p:attrName>ppt_x</p:attrName>
-                                        </p:attrNameLst>
-                                      </p:cBhvr>
-                                      <p:tavLst>
-                                        <p:tav tm="0">
-                                          <p:val>
-                                            <p:strVal val="#ppt_x"/>
-                                          </p:val>
-                                        </p:tav>
-                                        <p:tav tm="100000">
-                                          <p:val>
-                                            <p:strVal val="#ppt_x"/>
-                                          </p:val>
-                                        </p:tav>
-                                      </p:tavLst>
-                                    </p:anim>
-                                    <p:anim calcmode="lin" valueType="num">
-                                      <p:cBhvr additive="base">
-                                        <p:cTn id="17" dur="500" fill="hold"/>
-                                        <p:tgtEl>
-                                          <p:spTgt spid="107"/>
-                                        </p:tgtEl>
-                                        <p:attrNameLst>
-                                          <p:attrName>ppt_y</p:attrName>
-                                        </p:attrNameLst>
-                                      </p:cBhvr>
-                                      <p:tavLst>
-                                        <p:tav tm="0">
-                                          <p:val>
-                                            <p:strVal val="1+#ppt_h/2"/>
-                                          </p:val>
-                                        </p:tav>
-                                        <p:tav tm="100000">
-                                          <p:val>
-                                            <p:strVal val="#ppt_y"/>
-                                          </p:val>
-                                        </p:tav>
-                                      </p:tavLst>
-                                    </p:anim>
-                                  </p:childTnLst>
-                                </p:cTn>
-                              </p:par>
-                            </p:childTnLst>
-                          </p:cTn>
-                        </p:par>
-                        <p:par>
-                          <p:cTn id="18" fill="hold">
-                            <p:stCondLst>
-                              <p:cond delay="1000"/>
-                            </p:stCondLst>
-                            <p:childTnLst>
-                              <p:par>
-                                <p:cTn id="19" presetID="2" presetClass="entr" presetSubtype="4" fill="hold" nodeType="afterEffect">
-                                  <p:stCondLst>
-                                    <p:cond delay="0"/>
-                                  </p:stCondLst>
-                                  <p:childTnLst>
-                                    <p:set>
-                                      <p:cBhvr>
-                                        <p:cTn id="20" dur="1" fill="hold">
-                                          <p:stCondLst>
-                                            <p:cond delay="0"/>
-                                          </p:stCondLst>
-                                        </p:cTn>
-                                        <p:tgtEl>
-                                          <p:spTgt spid="108"/>
-                                        </p:tgtEl>
-                                        <p:attrNameLst>
-                                          <p:attrName>style.visibility</p:attrName>
-                                        </p:attrNameLst>
-                                      </p:cBhvr>
-                                      <p:to>
-                                        <p:strVal val="visible"/>
-                                      </p:to>
-                                    </p:set>
-                                    <p:anim calcmode="lin" valueType="num">
-                                      <p:cBhvr additive="base">
-                                        <p:cTn id="21" dur="500" fill="hold"/>
-                                        <p:tgtEl>
-                                          <p:spTgt spid="108"/>
-                                        </p:tgtEl>
-                                        <p:attrNameLst>
-                                          <p:attrName>ppt_x</p:attrName>
-                                        </p:attrNameLst>
-                                      </p:cBhvr>
-                                      <p:tavLst>
-                                        <p:tav tm="0">
-                                          <p:val>
-                                            <p:strVal val="#ppt_x"/>
-                                          </p:val>
-                                        </p:tav>
-                                        <p:tav tm="100000">
-                                          <p:val>
-                                            <p:strVal val="#ppt_x"/>
-                                          </p:val>
-                                        </p:tav>
-                                      </p:tavLst>
-                                    </p:anim>
-                                    <p:anim calcmode="lin" valueType="num">
-                                      <p:cBhvr additive="base">
-                                        <p:cTn id="22" dur="500" fill="hold"/>
-                                        <p:tgtEl>
-                                          <p:spTgt spid="108"/>
-                                        </p:tgtEl>
-                                        <p:attrNameLst>
-                                          <p:attrName>ppt_y</p:attrName>
-                                        </p:attrNameLst>
-                                      </p:cBhvr>
-                                      <p:tavLst>
-                                        <p:tav tm="0">
-                                          <p:val>
-                                            <p:strVal val="1+#ppt_h/2"/>
-                                          </p:val>
-                                        </p:tav>
-                                        <p:tav tm="100000">
-                                          <p:val>
-                                            <p:strVal val="#ppt_y"/>
-                                          </p:val>
-                                        </p:tav>
-                                      </p:tavLst>
-                                    </p:anim>
-                                  </p:childTnLst>
-                                </p:cTn>
-                              </p:par>
-                            </p:childTnLst>
-                          </p:cTn>
-                        </p:par>
-                        <p:par>
-                          <p:cTn id="23" fill="hold">
-                            <p:stCondLst>
-                              <p:cond delay="1500"/>
-                            </p:stCondLst>
-                            <p:childTnLst>
-                              <p:par>
-                                <p:cTn id="24" presetID="2" presetClass="entr" presetSubtype="4" fill="hold" nodeType="afterEffect">
-                                  <p:stCondLst>
-                                    <p:cond delay="0"/>
-                                  </p:stCondLst>
-                                  <p:childTnLst>
-                                    <p:set>
-                                      <p:cBhvr>
-                                        <p:cTn id="25" dur="1" fill="hold">
-                                          <p:stCondLst>
-                                            <p:cond delay="0"/>
-                                          </p:stCondLst>
-                                        </p:cTn>
-                                        <p:tgtEl>
-                                          <p:spTgt spid="109"/>
-                                        </p:tgtEl>
-                                        <p:attrNameLst>
-                                          <p:attrName>style.visibility</p:attrName>
-                                        </p:attrNameLst>
-                                      </p:cBhvr>
-                                      <p:to>
-                                        <p:strVal val="visible"/>
-                                      </p:to>
-                                    </p:set>
-                                    <p:anim calcmode="lin" valueType="num">
-                                      <p:cBhvr additive="base">
-                                        <p:cTn id="26" dur="500" fill="hold"/>
-                                        <p:tgtEl>
-                                          <p:spTgt spid="109"/>
-                                        </p:tgtEl>
-                                        <p:attrNameLst>
-                                          <p:attrName>ppt_x</p:attrName>
-                                        </p:attrNameLst>
-                                      </p:cBhvr>
-                                      <p:tavLst>
-                                        <p:tav tm="0">
-                                          <p:val>
-                                            <p:strVal val="#ppt_x"/>
-                                          </p:val>
-                                        </p:tav>
-                                        <p:tav tm="100000">
-                                          <p:val>
-                                            <p:strVal val="#ppt_x"/>
-                                          </p:val>
-                                        </p:tav>
-                                      </p:tavLst>
-                                    </p:anim>
-                                    <p:anim calcmode="lin" valueType="num">
-                                      <p:cBhvr additive="base">
-                                        <p:cTn id="27" dur="500" fill="hold"/>
-                                        <p:tgtEl>
-                                          <p:spTgt spid="109"/>
-                                        </p:tgtEl>
-                                        <p:attrNameLst>
-                                          <p:attrName>ppt_y</p:attrName>
-                                        </p:attrNameLst>
-                                      </p:cBhvr>
-                                      <p:tavLst>
-                                        <p:tav tm="0">
-                                          <p:val>
-                                            <p:strVal val="1+#ppt_h/2"/>
-                                          </p:val>
-                                        </p:tav>
-                                        <p:tav tm="100000">
-                                          <p:val>
-                                            <p:strVal val="#ppt_y"/>
-                                          </p:val>
-                                        </p:tav>
-                                      </p:tavLst>
-                                    </p:anim>
-                                  </p:childTnLst>
-                                </p:cTn>
-                              </p:par>
-                            </p:childTnLst>
-                          </p:cTn>
-                        </p:par>
-                        <p:par>
-                          <p:cTn id="28" fill="hold">
-                            <p:stCondLst>
-                              <p:cond delay="2000"/>
-                            </p:stCondLst>
-                            <p:childTnLst>
-                              <p:par>
-                                <p:cTn id="29" presetID="2" presetClass="entr" presetSubtype="4" fill="hold" nodeType="afterEffect">
-                                  <p:stCondLst>
-                                    <p:cond delay="0"/>
-                                  </p:stCondLst>
-                                  <p:childTnLst>
-                                    <p:set>
-                                      <p:cBhvr>
-                                        <p:cTn id="30" dur="1" fill="hold">
-                                          <p:stCondLst>
-                                            <p:cond delay="0"/>
-                                          </p:stCondLst>
-                                        </p:cTn>
-                                        <p:tgtEl>
-                                          <p:spTgt spid="110"/>
-                                        </p:tgtEl>
-                                        <p:attrNameLst>
-                                          <p:attrName>style.visibility</p:attrName>
-                                        </p:attrNameLst>
-                                      </p:cBhvr>
-                                      <p:to>
-                                        <p:strVal val="visible"/>
-                                      </p:to>
-                                    </p:set>
-                                    <p:anim calcmode="lin" valueType="num">
-                                      <p:cBhvr additive="base">
-                                        <p:cTn id="31" dur="500" fill="hold"/>
-                                        <p:tgtEl>
-                                          <p:spTgt spid="110"/>
-                                        </p:tgtEl>
-                                        <p:attrNameLst>
-                                          <p:attrName>ppt_x</p:attrName>
-                                        </p:attrNameLst>
-                                      </p:cBhvr>
-                                      <p:tavLst>
-                                        <p:tav tm="0">
-                                          <p:val>
-                                            <p:strVal val="#ppt_x"/>
-                                          </p:val>
-                                        </p:tav>
-                                        <p:tav tm="100000">
-                                          <p:val>
-                                            <p:strVal val="#ppt_x"/>
-                                          </p:val>
-                                        </p:tav>
-                                      </p:tavLst>
-                                    </p:anim>
-                                    <p:anim calcmode="lin" valueType="num">
-                                      <p:cBhvr additive="base">
-                                        <p:cTn id="32" dur="500" fill="hold"/>
-                                        <p:tgtEl>
-                                          <p:spTgt spid="110"/>
-                                        </p:tgtEl>
-                                        <p:attrNameLst>
-                                          <p:attrName>ppt_y</p:attrName>
-                                        </p:attrNameLst>
-                                      </p:cBhvr>
-                                      <p:tavLst>
-                                        <p:tav tm="0">
-                                          <p:val>
-                                            <p:strVal val="1+#ppt_h/2"/>
-                                          </p:val>
-                                        </p:tav>
-                                        <p:tav tm="100000">
-                                          <p:val>
-                                            <p:strVal val="#ppt_y"/>
-                                          </p:val>
-                                        </p:tav>
-                                      </p:tavLst>
-                                    </p:anim>
-                                  </p:childTnLst>
-                                </p:cTn>
-                              </p:par>
-                            </p:childTnLst>
-                          </p:cTn>
-                        </p:par>
-                        <p:par>
-                          <p:cTn id="33" fill="hold">
-                            <p:stCondLst>
-                              <p:cond delay="2500"/>
-                            </p:stCondLst>
-                            <p:childTnLst>
-                              <p:par>
-                                <p:cTn id="34" presetID="2" presetClass="entr" presetSubtype="4" fill="hold" nodeType="afterEffect">
-                                  <p:stCondLst>
-                                    <p:cond delay="0"/>
-                                  </p:stCondLst>
-                                  <p:childTnLst>
-                                    <p:set>
-                                      <p:cBhvr>
-                                        <p:cTn id="35" dur="1" fill="hold">
-                                          <p:stCondLst>
-                                            <p:cond delay="0"/>
-                                          </p:stCondLst>
-                                        </p:cTn>
-                                        <p:tgtEl>
-                                          <p:spTgt spid="111"/>
-                                        </p:tgtEl>
-                                        <p:attrNameLst>
-                                          <p:attrName>style.visibility</p:attrName>
-                                        </p:attrNameLst>
-                                      </p:cBhvr>
-                                      <p:to>
-                                        <p:strVal val="visible"/>
-                                      </p:to>
-                                    </p:set>
-                                    <p:anim calcmode="lin" valueType="num">
-                                      <p:cBhvr additive="base">
-                                        <p:cTn id="36" dur="500" fill="hold"/>
-                                        <p:tgtEl>
-                                          <p:spTgt spid="111"/>
-                                        </p:tgtEl>
-                                        <p:attrNameLst>
-                                          <p:attrName>ppt_x</p:attrName>
-                                        </p:attrNameLst>
-                                      </p:cBhvr>
-                                      <p:tavLst>
-                                        <p:tav tm="0">
-                                          <p:val>
-                                            <p:strVal val="#ppt_x"/>
-                                          </p:val>
-                                        </p:tav>
-                                        <p:tav tm="100000">
-                                          <p:val>
-                                            <p:strVal val="#ppt_x"/>
-                                          </p:val>
-                                        </p:tav>
-                                      </p:tavLst>
-                                    </p:anim>
-                                    <p:anim calcmode="lin" valueType="num">
-                                      <p:cBhvr additive="base">
-                                        <p:cTn id="37" dur="500" fill="hold"/>
-                                        <p:tgtEl>
-                                          <p:spTgt spid="111"/>
-                                        </p:tgtEl>
-                                        <p:attrNameLst>
-                                          <p:attrName>ppt_y</p:attrName>
-                                        </p:attrNameLst>
-                                      </p:cBhvr>
-                                      <p:tavLst>
-                                        <p:tav tm="0">
-                                          <p:val>
-                                            <p:strVal val="1+#ppt_h/2"/>
-                                          </p:val>
-                                        </p:tav>
-                                        <p:tav tm="100000">
-                                          <p:val>
-                                            <p:strVal val="#ppt_y"/>
-                                          </p:val>
-                                        </p:tav>
-                                      </p:tavLst>
-                                    </p:anim>
-                                  </p:childTnLst>
-                                </p:cTn>
-                              </p:par>
-                            </p:childTnLst>
-                          </p:cTn>
-                        </p:par>
-                        <p:par>
-                          <p:cTn id="38" fill="hold">
-                            <p:stCondLst>
-                              <p:cond delay="3000"/>
-                            </p:stCondLst>
-                            <p:childTnLst>
-                              <p:par>
-                                <p:cTn id="39" presetID="2" presetClass="entr" presetSubtype="4" fill="hold" nodeType="afterEffect">
-                                  <p:stCondLst>
-                                    <p:cond delay="0"/>
-                                  </p:stCondLst>
-                                  <p:childTnLst>
-                                    <p:set>
-                                      <p:cBhvr>
-                                        <p:cTn id="40" dur="1" fill="hold">
-                                          <p:stCondLst>
-                                            <p:cond delay="0"/>
-                                          </p:stCondLst>
-                                        </p:cTn>
-                                        <p:tgtEl>
-                                          <p:spTgt spid="116"/>
-                                        </p:tgtEl>
-                                        <p:attrNameLst>
-                                          <p:attrName>style.visibility</p:attrName>
-                                        </p:attrNameLst>
-                                      </p:cBhvr>
-                                      <p:to>
-                                        <p:strVal val="visible"/>
-                                      </p:to>
-                                    </p:set>
-                                    <p:anim calcmode="lin" valueType="num">
-                                      <p:cBhvr additive="base">
-                                        <p:cTn id="41" dur="500" fill="hold"/>
-                                        <p:tgtEl>
-                                          <p:spTgt spid="116"/>
-                                        </p:tgtEl>
-                                        <p:attrNameLst>
-                                          <p:attrName>ppt_x</p:attrName>
-                                        </p:attrNameLst>
-                                      </p:cBhvr>
-                                      <p:tavLst>
-                                        <p:tav tm="0">
-                                          <p:val>
-                                            <p:strVal val="#ppt_x"/>
-                                          </p:val>
-                                        </p:tav>
-                                        <p:tav tm="100000">
-                                          <p:val>
-                                            <p:strVal val="#ppt_x"/>
-                                          </p:val>
-                                        </p:tav>
-                                      </p:tavLst>
-                                    </p:anim>
-                                    <p:anim calcmode="lin" valueType="num">
-                                      <p:cBhvr additive="base">
-                                        <p:cTn id="42" dur="500" fill="hold"/>
-                                        <p:tgtEl>
-                                          <p:spTgt spid="116"/>
-                                        </p:tgtEl>
-                                        <p:attrNameLst>
-                                          <p:attrName>ppt_y</p:attrName>
-                                        </p:attrNameLst>
-                                      </p:cBhvr>
-                                      <p:tavLst>
-                                        <p:tav tm="0">
-                                          <p:val>
-                                            <p:strVal val="1+#ppt_h/2"/>
-                                          </p:val>
-                                        </p:tav>
-                                        <p:tav tm="100000">
-                                          <p:val>
-                                            <p:strVal val="#ppt_y"/>
-                                          </p:val>
-                                        </p:tav>
-                                      </p:tavLst>
-                                    </p:anim>
-                                  </p:childTnLst>
-                                </p:cTn>
-                              </p:par>
-                            </p:childTnLst>
-                          </p:cTn>
-                        </p:par>
-                        <p:par>
-                          <p:cTn id="43" fill="hold">
-                            <p:stCondLst>
-                              <p:cond delay="3500"/>
-                            </p:stCondLst>
-                            <p:childTnLst>
-                              <p:par>
-                                <p:cTn id="44" presetID="2" presetClass="entr" presetSubtype="4" fill="hold" nodeType="afterEffect">
-                                  <p:stCondLst>
-                                    <p:cond delay="0"/>
-                                  </p:stCondLst>
-                                  <p:childTnLst>
-                                    <p:set>
-                                      <p:cBhvr>
-                                        <p:cTn id="45" dur="1" fill="hold">
-                                          <p:stCondLst>
-                                            <p:cond delay="0"/>
-                                          </p:stCondLst>
-                                        </p:cTn>
-                                        <p:tgtEl>
-                                          <p:spTgt spid="112"/>
-                                        </p:tgtEl>
-                                        <p:attrNameLst>
-                                          <p:attrName>style.visibility</p:attrName>
-                                        </p:attrNameLst>
-                                      </p:cBhvr>
-                                      <p:to>
-                                        <p:strVal val="visible"/>
-                                      </p:to>
-                                    </p:set>
-                                    <p:anim calcmode="lin" valueType="num">
-                                      <p:cBhvr additive="base">
-                                        <p:cTn id="46" dur="500" fill="hold"/>
-                                        <p:tgtEl>
-                                          <p:spTgt spid="112"/>
-                                        </p:tgtEl>
-                                        <p:attrNameLst>
-                                          <p:attrName>ppt_x</p:attrName>
-                                        </p:attrNameLst>
-                                      </p:cBhvr>
-                                      <p:tavLst>
-                                        <p:tav tm="0">
-                                          <p:val>
-                                            <p:strVal val="#ppt_x"/>
-                                          </p:val>
-                                        </p:tav>
-                                        <p:tav tm="100000">
-                                          <p:val>
-                                            <p:strVal val="#ppt_x"/>
-                                          </p:val>
-                                        </p:tav>
-                                      </p:tavLst>
-                                    </p:anim>
-                                    <p:anim calcmode="lin" valueType="num">
-                                      <p:cBhvr additive="base">
-                                        <p:cTn id="47" dur="500" fill="hold"/>
-                                        <p:tgtEl>
-                                          <p:spTgt spid="112"/>
-                                        </p:tgtEl>
-                                        <p:attrNameLst>
-                                          <p:attrName>ppt_y</p:attrName>
-                                        </p:attrNameLst>
-                                      </p:cBhvr>
-                                      <p:tavLst>
-                                        <p:tav tm="0">
-                                          <p:val>
-                                            <p:strVal val="1+#ppt_h/2"/>
-                                          </p:val>
-                                        </p:tav>
-                                        <p:tav tm="100000">
-                                          <p:val>
-                                            <p:strVal val="#ppt_y"/>
-                                          </p:val>
-                                        </p:tav>
-                                      </p:tavLst>
-                                    </p:anim>
-                                  </p:childTnLst>
-                                </p:cTn>
-                              </p:par>
-                            </p:childTnLst>
-                          </p:cTn>
-                        </p:par>
-                        <p:par>
-                          <p:cTn id="48" fill="hold">
-                            <p:stCondLst>
-                              <p:cond delay="4000"/>
-                            </p:stCondLst>
-                            <p:childTnLst>
-                              <p:par>
-                                <p:cTn id="49" presetID="2" presetClass="entr" presetSubtype="4" fill="hold" nodeType="afterEffect">
-                                  <p:stCondLst>
-                                    <p:cond delay="0"/>
-                                  </p:stCondLst>
-                                  <p:childTnLst>
-                                    <p:set>
-                                      <p:cBhvr>
-                                        <p:cTn id="50" dur="1" fill="hold">
-                                          <p:stCondLst>
-                                            <p:cond delay="0"/>
-                                          </p:stCondLst>
-                                        </p:cTn>
-                                        <p:tgtEl>
-                                          <p:spTgt spid="113"/>
-                                        </p:tgtEl>
-                                        <p:attrNameLst>
-                                          <p:attrName>style.visibility</p:attrName>
-                                        </p:attrNameLst>
-                                      </p:cBhvr>
-                                      <p:to>
-                                        <p:strVal val="visible"/>
-                                      </p:to>
-                                    </p:set>
-                                    <p:anim calcmode="lin" valueType="num">
-                                      <p:cBhvr additive="base">
-                                        <p:cTn id="51" dur="500" fill="hold"/>
-                                        <p:tgtEl>
-                                          <p:spTgt spid="113"/>
-                                        </p:tgtEl>
-                                        <p:attrNameLst>
-                                          <p:attrName>ppt_x</p:attrName>
-                                        </p:attrNameLst>
-                                      </p:cBhvr>
-                                      <p:tavLst>
-                                        <p:tav tm="0">
-                                          <p:val>
-                                            <p:strVal val="#ppt_x"/>
-                                          </p:val>
-                                        </p:tav>
-                                        <p:tav tm="100000">
-                                          <p:val>
-                                            <p:strVal val="#ppt_x"/>
-                                          </p:val>
-                                        </p:tav>
-                                      </p:tavLst>
-                                    </p:anim>
-                                    <p:anim calcmode="lin" valueType="num">
-                                      <p:cBhvr additive="base">
-                                        <p:cTn id="52" dur="500" fill="hold"/>
-                                        <p:tgtEl>
-                                          <p:spTgt spid="113"/>
-                                        </p:tgtEl>
-                                        <p:attrNameLst>
-                                          <p:attrName>ppt_y</p:attrName>
-                                        </p:attrNameLst>
-                                      </p:cBhvr>
-                                      <p:tavLst>
-                                        <p:tav tm="0">
-                                          <p:val>
-                                            <p:strVal val="1+#ppt_h/2"/>
-                                          </p:val>
-                                        </p:tav>
-                                        <p:tav tm="100000">
-                                          <p:val>
-                                            <p:strVal val="#ppt_y"/>
-                                          </p:val>
-                                        </p:tav>
-                                      </p:tavLst>
-                                    </p:anim>
-                                  </p:childTnLst>
-                                </p:cTn>
-                              </p:par>
-                            </p:childTnLst>
-                          </p:cTn>
-                        </p:par>
-                        <p:par>
-                          <p:cTn id="53" fill="hold">
-                            <p:stCondLst>
-                              <p:cond delay="4500"/>
-                            </p:stCondLst>
-                            <p:childTnLst>
-                              <p:par>
-                                <p:cTn id="54" presetID="2" presetClass="entr" presetSubtype="4" fill="hold" nodeType="afterEffect">
-                                  <p:stCondLst>
-                                    <p:cond delay="0"/>
-                                  </p:stCondLst>
-                                  <p:childTnLst>
-                                    <p:set>
-                                      <p:cBhvr>
-                                        <p:cTn id="55" dur="1" fill="hold">
-                                          <p:stCondLst>
-                                            <p:cond delay="0"/>
-                                          </p:stCondLst>
-                                        </p:cTn>
-                                        <p:tgtEl>
-                                          <p:spTgt spid="114"/>
-                                        </p:tgtEl>
-                                        <p:attrNameLst>
-                                          <p:attrName>style.visibility</p:attrName>
-                                        </p:attrNameLst>
-                                      </p:cBhvr>
-                                      <p:to>
-                                        <p:strVal val="visible"/>
-                                      </p:to>
-                                    </p:set>
-                                    <p:anim calcmode="lin" valueType="num">
-                                      <p:cBhvr additive="base">
-                                        <p:cTn id="56" dur="500" fill="hold"/>
-                                        <p:tgtEl>
-                                          <p:spTgt spid="114"/>
-                                        </p:tgtEl>
-                                        <p:attrNameLst>
-                                          <p:attrName>ppt_x</p:attrName>
-                                        </p:attrNameLst>
-                                      </p:cBhvr>
-                                      <p:tavLst>
-                                        <p:tav tm="0">
-                                          <p:val>
-                                            <p:strVal val="#ppt_x"/>
-                                          </p:val>
-                                        </p:tav>
-                                        <p:tav tm="100000">
-                                          <p:val>
-                                            <p:strVal val="#ppt_x"/>
-                                          </p:val>
-                                        </p:tav>
-                                      </p:tavLst>
-                                    </p:anim>
-                                    <p:anim calcmode="lin" valueType="num">
-                                      <p:cBhvr additive="base">
-                                        <p:cTn id="57" dur="500" fill="hold"/>
-                                        <p:tgtEl>
-                                          <p:spTgt spid="114"/>
-                                        </p:tgtEl>
-                                        <p:attrNameLst>
-                                          <p:attrName>ppt_y</p:attrName>
-                                        </p:attrNameLst>
-                                      </p:cBhvr>
-                                      <p:tavLst>
-                                        <p:tav tm="0">
-                                          <p:val>
-                                            <p:strVal val="1+#ppt_h/2"/>
-                                          </p:val>
-                                        </p:tav>
-                                        <p:tav tm="100000">
-                                          <p:val>
-                                            <p:strVal val="#ppt_y"/>
-                                          </p:val>
-                                        </p:tav>
-                                      </p:tavLst>
-                                    </p:anim>
-                                  </p:childTnLst>
-                                </p:cTn>
-                              </p:par>
-                            </p:childTnLst>
-                          </p:cTn>
-                        </p:par>
-                        <p:par>
-                          <p:cTn id="58" fill="hold">
-                            <p:stCondLst>
-                              <p:cond delay="5000"/>
-                            </p:stCondLst>
-                            <p:childTnLst>
-                              <p:par>
-                                <p:cTn id="59" presetID="2" presetClass="entr" presetSubtype="4" fill="hold" nodeType="afterEffect">
-                                  <p:stCondLst>
-                                    <p:cond delay="0"/>
-                                  </p:stCondLst>
-                                  <p:childTnLst>
-                                    <p:set>
-                                      <p:cBhvr>
-                                        <p:cTn id="60" dur="1" fill="hold">
-                                          <p:stCondLst>
-                                            <p:cond delay="0"/>
-                                          </p:stCondLst>
-                                        </p:cTn>
-                                        <p:tgtEl>
-                                          <p:spTgt spid="115"/>
-                                        </p:tgtEl>
-                                        <p:attrNameLst>
-                                          <p:attrName>style.visibility</p:attrName>
-                                        </p:attrNameLst>
-                                      </p:cBhvr>
-                                      <p:to>
-                                        <p:strVal val="visible"/>
-                                      </p:to>
-                                    </p:set>
-                                    <p:anim calcmode="lin" valueType="num">
-                                      <p:cBhvr additive="base">
-                                        <p:cTn id="61" dur="500" fill="hold"/>
-                                        <p:tgtEl>
-                                          <p:spTgt spid="115"/>
-                                        </p:tgtEl>
-                                        <p:attrNameLst>
-                                          <p:attrName>ppt_x</p:attrName>
-                                        </p:attrNameLst>
-                                      </p:cBhvr>
-                                      <p:tavLst>
-                                        <p:tav tm="0">
-                                          <p:val>
-                                            <p:strVal val="#ppt_x"/>
-                                          </p:val>
-                                        </p:tav>
-                                        <p:tav tm="100000">
-                                          <p:val>
-                                            <p:strVal val="#ppt_x"/>
-                                          </p:val>
-                                        </p:tav>
-                                      </p:tavLst>
-                                    </p:anim>
-                                    <p:anim calcmode="lin" valueType="num">
-                                      <p:cBhvr additive="base">
-                                        <p:cTn id="62" dur="500" fill="hold"/>
-                                        <p:tgtEl>
-                                          <p:spTgt spid="115"/>
-                                        </p:tgtEl>
-                                        <p:attrNameLst>
-                                          <p:attrName>ppt_y</p:attrName>
-                                        </p:attrNameLst>
-                                      </p:cBhvr>
-                                      <p:tavLst>
-                                        <p:tav tm="0">
-                                          <p:val>
-                                            <p:strVal val="1+#ppt_h/2"/>
-                                          </p:val>
-                                        </p:tav>
-                                        <p:tav tm="100000">
-                                          <p:val>
-                                            <p:strVal val="#ppt_y"/>
-                                          </p:val>
-                                        </p:tav>
-                                      </p:tavLst>
-                                    </p:anim>
-                                  </p:childTnLst>
-                                </p:cTn>
-                              </p:par>
-                            </p:childTnLst>
-                          </p:cTn>
-                        </p:par>
-                      </p:childTnLst>
-                    </p:cTn>
-                  </p:par>
-                  <p:par>
-                    <p:cTn id="63" fill="hold">
-                      <p:stCondLst>
-                        <p:cond delay="indefinite"/>
-                      </p:stCondLst>
-                      <p:childTnLst>
-                        <p:par>
-                          <p:cTn id="64" fill="hold">
-                            <p:stCondLst>
-                              <p:cond delay="0"/>
-                            </p:stCondLst>
-                            <p:childTnLst>
-                              <p:par>
-                                <p:cTn id="65" presetID="22" presetClass="exit" presetSubtype="4" fill="hold" nodeType="clickEffect">
-                                  <p:stCondLst>
-                                    <p:cond delay="0"/>
-                                  </p:stCondLst>
-                                  <p:childTnLst>
-                                    <p:animEffect transition="out" filter="wipe(down)">
-                                      <p:cBhvr>
-                                        <p:cTn id="66" dur="500"/>
-                                        <p:tgtEl>
-                                          <p:spTgt spid="7"/>
-                                        </p:tgtEl>
-                                      </p:cBhvr>
-                                    </p:animEffect>
-                                    <p:set>
-                                      <p:cBhvr>
-                                        <p:cTn id="67" dur="1" fill="hold">
-                                          <p:stCondLst>
-                                            <p:cond delay="499"/>
-                                          </p:stCondLst>
-                                        </p:cTn>
-                                        <p:tgtEl>
-                                          <p:spTgt spid="7"/>
-                                        </p:tgtEl>
-                                        <p:attrNameLst>
-                                          <p:attrName>style.visibility</p:attrName>
-                                        </p:attrNameLst>
-                                      </p:cBhvr>
-                                      <p:to>
-                                        <p:strVal val="hidden"/>
-                                      </p:to>
-                                    </p:set>
-                                  </p:childTnLst>
-                                </p:cTn>
-                              </p:par>
-                            </p:childTnLst>
-                          </p:cTn>
-                        </p:par>
-                      </p:childTnLst>
-                    </p:cTn>
-                  </p:par>
-                  <p:par>
-                    <p:cTn id="68" fill="hold">
-                      <p:stCondLst>
-                        <p:cond delay="indefinite"/>
-                      </p:stCondLst>
-                      <p:childTnLst>
-                        <p:par>
-                          <p:cTn id="69" fill="hold">
-                            <p:stCondLst>
-                              <p:cond delay="0"/>
-                            </p:stCondLst>
-                            <p:childTnLst>
-                              <p:par>
-                                <p:cTn id="70" presetID="1" presetClass="entr" presetSubtype="0" fill="hold" grpId="0" nodeType="clickEffect">
-                                  <p:stCondLst>
-                                    <p:cond delay="0"/>
-                                  </p:stCondLst>
-                                  <p:childTnLst>
-                                    <p:set>
-                                      <p:cBhvr>
-                                        <p:cTn id="71" dur="1" fill="hold">
-                                          <p:stCondLst>
-                                            <p:cond delay="0"/>
-                                          </p:stCondLst>
-                                        </p:cTn>
-                                        <p:tgtEl>
-                                          <p:spTgt spid="2124"/>
-                                        </p:tgtEl>
-                                        <p:attrNameLst>
-                                          <p:attrName>style.visibility</p:attrName>
-                                        </p:attrNameLst>
-                                      </p:cBhvr>
-                                      <p:to>
-                                        <p:strVal val="visible"/>
-                                      </p:to>
-                                    </p:set>
-                                  </p:childTnLst>
-                                </p:cTn>
-                              </p:par>
-                            </p:childTnLst>
-                          </p:cTn>
-                        </p:par>
-                      </p:childTnLst>
-                    </p:cTn>
-                  </p:par>
-                </p:childTnLst>
-              </p:cTn>
-              <p:prevCondLst>
-                <p:cond evt="onPrev" delay="0">
-                  <p:tgtEl>
-                    <p:sldTgt/>
-                  </p:tgtEl>
-                </p:cond>
-              </p:prevCondLst>
-              <p:nextCondLst>
-                <p:cond evt="onNext" delay="0">
-                  <p:tgtEl>
-                    <p:sldTgt/>
-                  </p:tgtEl>
-                </p:cond>
-              </p:nextCondLst>
-            </p:seq>
-          </p:childTnLst>
-        </p:cTn>
-      </p:par>
-    </p:tnLst>
-    <p:bldLst>
-      <p:bldP spid="2124" grpId="0"/>
-    </p:bldLst>
   </p:timing>
 </p:sld>
 </file>
